--- a/help/help.pptx
+++ b/help/help.pptx
@@ -262,7 +262,7 @@
           <a:p>
             <a:fld id="{910447BF-A431-494C-B665-2F96E0274D3B}" type="datetimeFigureOut">
               <a:rPr lang="pt-BR" smtClean="0"/>
-              <a:t>17/05/2022</a:t>
+              <a:t>25/07/2022</a:t>
             </a:fld>
             <a:endParaRPr lang="pt-BR"/>
           </a:p>
@@ -460,7 +460,7 @@
           <a:p>
             <a:fld id="{910447BF-A431-494C-B665-2F96E0274D3B}" type="datetimeFigureOut">
               <a:rPr lang="pt-BR" smtClean="0"/>
-              <a:t>17/05/2022</a:t>
+              <a:t>25/07/2022</a:t>
             </a:fld>
             <a:endParaRPr lang="pt-BR"/>
           </a:p>
@@ -668,7 +668,7 @@
           <a:p>
             <a:fld id="{910447BF-A431-494C-B665-2F96E0274D3B}" type="datetimeFigureOut">
               <a:rPr lang="pt-BR" smtClean="0"/>
-              <a:t>17/05/2022</a:t>
+              <a:t>25/07/2022</a:t>
             </a:fld>
             <a:endParaRPr lang="pt-BR"/>
           </a:p>
@@ -866,7 +866,7 @@
           <a:p>
             <a:fld id="{910447BF-A431-494C-B665-2F96E0274D3B}" type="datetimeFigureOut">
               <a:rPr lang="pt-BR" smtClean="0"/>
-              <a:t>17/05/2022</a:t>
+              <a:t>25/07/2022</a:t>
             </a:fld>
             <a:endParaRPr lang="pt-BR"/>
           </a:p>
@@ -1141,7 +1141,7 @@
           <a:p>
             <a:fld id="{910447BF-A431-494C-B665-2F96E0274D3B}" type="datetimeFigureOut">
               <a:rPr lang="pt-BR" smtClean="0"/>
-              <a:t>17/05/2022</a:t>
+              <a:t>25/07/2022</a:t>
             </a:fld>
             <a:endParaRPr lang="pt-BR"/>
           </a:p>
@@ -1406,7 +1406,7 @@
           <a:p>
             <a:fld id="{910447BF-A431-494C-B665-2F96E0274D3B}" type="datetimeFigureOut">
               <a:rPr lang="pt-BR" smtClean="0"/>
-              <a:t>17/05/2022</a:t>
+              <a:t>25/07/2022</a:t>
             </a:fld>
             <a:endParaRPr lang="pt-BR"/>
           </a:p>
@@ -1818,7 +1818,7 @@
           <a:p>
             <a:fld id="{910447BF-A431-494C-B665-2F96E0274D3B}" type="datetimeFigureOut">
               <a:rPr lang="pt-BR" smtClean="0"/>
-              <a:t>17/05/2022</a:t>
+              <a:t>25/07/2022</a:t>
             </a:fld>
             <a:endParaRPr lang="pt-BR"/>
           </a:p>
@@ -1959,7 +1959,7 @@
           <a:p>
             <a:fld id="{910447BF-A431-494C-B665-2F96E0274D3B}" type="datetimeFigureOut">
               <a:rPr lang="pt-BR" smtClean="0"/>
-              <a:t>17/05/2022</a:t>
+              <a:t>25/07/2022</a:t>
             </a:fld>
             <a:endParaRPr lang="pt-BR"/>
           </a:p>
@@ -2072,7 +2072,7 @@
           <a:p>
             <a:fld id="{910447BF-A431-494C-B665-2F96E0274D3B}" type="datetimeFigureOut">
               <a:rPr lang="pt-BR" smtClean="0"/>
-              <a:t>17/05/2022</a:t>
+              <a:t>25/07/2022</a:t>
             </a:fld>
             <a:endParaRPr lang="pt-BR"/>
           </a:p>
@@ -2383,7 +2383,7 @@
           <a:p>
             <a:fld id="{910447BF-A431-494C-B665-2F96E0274D3B}" type="datetimeFigureOut">
               <a:rPr lang="pt-BR" smtClean="0"/>
-              <a:t>17/05/2022</a:t>
+              <a:t>25/07/2022</a:t>
             </a:fld>
             <a:endParaRPr lang="pt-BR"/>
           </a:p>
@@ -2671,7 +2671,7 @@
           <a:p>
             <a:fld id="{910447BF-A431-494C-B665-2F96E0274D3B}" type="datetimeFigureOut">
               <a:rPr lang="pt-BR" smtClean="0"/>
-              <a:t>17/05/2022</a:t>
+              <a:t>25/07/2022</a:t>
             </a:fld>
             <a:endParaRPr lang="pt-BR"/>
           </a:p>
@@ -2912,7 +2912,7 @@
           <a:p>
             <a:fld id="{910447BF-A431-494C-B665-2F96E0274D3B}" type="datetimeFigureOut">
               <a:rPr lang="pt-BR" smtClean="0"/>
-              <a:t>17/05/2022</a:t>
+              <a:t>25/07/2022</a:t>
             </a:fld>
             <a:endParaRPr lang="pt-BR"/>
           </a:p>
@@ -3329,51 +3329,12 @@
           <a:chExt cx="0" cy="0"/>
         </a:xfrm>
       </p:grpSpPr>
-      <p:sp>
-        <p:nvSpPr>
-          <p:cNvPr id="2" name="Título 1">
-            <a:extLst>
-              <a:ext uri="{FF2B5EF4-FFF2-40B4-BE49-F238E27FC236}">
-                <a16:creationId xmlns:a16="http://schemas.microsoft.com/office/drawing/2014/main" id="{2009FA45-A433-40F5-B779-C73FCEFAB943}"/>
-              </a:ext>
-            </a:extLst>
-          </p:cNvPr>
-          <p:cNvSpPr>
-            <a:spLocks noGrp="1"/>
-          </p:cNvSpPr>
-          <p:nvPr>
-            <p:ph type="ctrTitle"/>
-          </p:nvPr>
-        </p:nvSpPr>
-        <p:spPr>
-          <a:xfrm>
-            <a:off x="0" y="0"/>
-            <a:ext cx="12192000" cy="886265"/>
-          </a:xfrm>
-        </p:spPr>
-        <p:txBody>
-          <a:bodyPr>
-            <a:normAutofit fontScale="90000"/>
-          </a:bodyPr>
-          <a:lstStyle/>
-          <a:p>
-            <a:r>
-              <a:rPr lang="pt-BR" dirty="0">
-                <a:solidFill>
-                  <a:srgbClr val="0070C0"/>
-                </a:solidFill>
-              </a:rPr>
-              <a:t>Primeira Configuração</a:t>
-            </a:r>
-          </a:p>
-        </p:txBody>
-      </p:sp>
       <p:pic>
         <p:nvPicPr>
-          <p:cNvPr id="5" name="Imagem 4">
-            <a:extLst>
-              <a:ext uri="{FF2B5EF4-FFF2-40B4-BE49-F238E27FC236}">
-                <a16:creationId xmlns:a16="http://schemas.microsoft.com/office/drawing/2014/main" id="{FEBF4F33-E8B6-4FCB-B4F5-81F65DC4225B}"/>
+          <p:cNvPr id="4" name="Imagem 3">
+            <a:extLst>
+              <a:ext uri="{FF2B5EF4-FFF2-40B4-BE49-F238E27FC236}">
+                <a16:creationId xmlns:a16="http://schemas.microsoft.com/office/drawing/2014/main" id="{077CAA98-C4D2-9209-350C-8E63D0122F00}"/>
               </a:ext>
             </a:extLst>
           </p:cNvPr>
@@ -3384,29 +3345,58 @@
         </p:nvPicPr>
         <p:blipFill rotWithShape="1">
           <a:blip r:embed="rId2"/>
-          <a:srcRect r="21398"/>
+          <a:srcRect b="27975"/>
           <a:stretch/>
         </p:blipFill>
         <p:spPr>
           <a:xfrm>
-            <a:off x="2588289" y="2740236"/>
-            <a:ext cx="9325597" cy="3918179"/>
+            <a:off x="389480" y="2357046"/>
+            <a:ext cx="11413041" cy="3016314"/>
           </a:xfrm>
           <a:prstGeom prst="rect">
             <a:avLst/>
           </a:prstGeom>
-          <a:ln>
-            <a:noFill/>
-          </a:ln>
-          <a:effectLst>
-            <a:outerShdw blurRad="190500" algn="tl" rotWithShape="0">
-              <a:srgbClr val="000000">
-                <a:alpha val="70000"/>
-              </a:srgbClr>
-            </a:outerShdw>
-          </a:effectLst>
         </p:spPr>
       </p:pic>
+      <p:sp>
+        <p:nvSpPr>
+          <p:cNvPr id="2" name="Título 1">
+            <a:extLst>
+              <a:ext uri="{FF2B5EF4-FFF2-40B4-BE49-F238E27FC236}">
+                <a16:creationId xmlns:a16="http://schemas.microsoft.com/office/drawing/2014/main" id="{2009FA45-A433-40F5-B779-C73FCEFAB943}"/>
+              </a:ext>
+            </a:extLst>
+          </p:cNvPr>
+          <p:cNvSpPr>
+            <a:spLocks noGrp="1"/>
+          </p:cNvSpPr>
+          <p:nvPr>
+            <p:ph type="ctrTitle"/>
+          </p:nvPr>
+        </p:nvSpPr>
+        <p:spPr>
+          <a:xfrm>
+            <a:off x="0" y="0"/>
+            <a:ext cx="12192000" cy="886265"/>
+          </a:xfrm>
+        </p:spPr>
+        <p:txBody>
+          <a:bodyPr>
+            <a:normAutofit fontScale="90000"/>
+          </a:bodyPr>
+          <a:lstStyle/>
+          <a:p>
+            <a:r>
+              <a:rPr lang="pt-BR" dirty="0">
+                <a:solidFill>
+                  <a:srgbClr val="0070C0"/>
+                </a:solidFill>
+              </a:rPr>
+              <a:t>Primeira Configuração</a:t>
+            </a:r>
+          </a:p>
+        </p:txBody>
+      </p:sp>
       <p:pic>
         <p:nvPicPr>
           <p:cNvPr id="10" name="Imagem 9">
@@ -3639,7 +3629,7 @@
                   <a:srgbClr val="0070C0"/>
                 </a:solidFill>
               </a:rPr>
-              <a:t>Abra o navegador internet (recomendado usar o Edge): </a:t>
+              <a:t>Abra o navegador internet (recomendado usar Edge ou Chrome): </a:t>
             </a:r>
             <a:r>
               <a:rPr lang="pt-BR" sz="2800" b="1" u="sng" dirty="0">
@@ -3658,212 +3648,187 @@
           </a:p>
         </p:txBody>
       </p:sp>
-      <p:sp>
-        <p:nvSpPr>
-          <p:cNvPr id="15" name="Elipse 14">
-            <a:extLst>
-              <a:ext uri="{FF2B5EF4-FFF2-40B4-BE49-F238E27FC236}">
-                <a16:creationId xmlns:a16="http://schemas.microsoft.com/office/drawing/2014/main" id="{352982D1-BD47-4427-B9C4-DF29B8D29569}"/>
-              </a:ext>
-            </a:extLst>
-          </p:cNvPr>
-          <p:cNvSpPr/>
+      <p:grpSp>
+        <p:nvGrpSpPr>
+          <p:cNvPr id="6" name="Agrupar 5">
+            <a:extLst>
+              <a:ext uri="{FF2B5EF4-FFF2-40B4-BE49-F238E27FC236}">
+                <a16:creationId xmlns:a16="http://schemas.microsoft.com/office/drawing/2014/main" id="{9EC4B004-8481-B561-F270-E1DF7B5FEF8B}"/>
+              </a:ext>
+            </a:extLst>
+          </p:cNvPr>
+          <p:cNvGrpSpPr/>
           <p:nvPr/>
-        </p:nvSpPr>
-        <p:spPr>
+        </p:nvGrpSpPr>
+        <p:grpSpPr>
           <a:xfrm>
-            <a:off x="5313680" y="3327400"/>
-            <a:ext cx="4424324" cy="701366"/>
+            <a:off x="1999769" y="2937437"/>
+            <a:ext cx="5035383" cy="1788485"/>
+            <a:chOff x="1999769" y="2937437"/>
+            <a:chExt cx="5035383" cy="1788485"/>
           </a:xfrm>
-          <a:prstGeom prst="ellipse">
-            <a:avLst/>
-          </a:prstGeom>
-          <a:noFill/>
-          <a:ln w="28575">
+        </p:grpSpPr>
+        <p:sp>
+          <p:nvSpPr>
+            <p:cNvPr id="15" name="Elipse 14">
+              <a:extLst>
+                <a:ext uri="{FF2B5EF4-FFF2-40B4-BE49-F238E27FC236}">
+                  <a16:creationId xmlns:a16="http://schemas.microsoft.com/office/drawing/2014/main" id="{352982D1-BD47-4427-B9C4-DF29B8D29569}"/>
+                </a:ext>
+              </a:extLst>
+            </p:cNvPr>
+            <p:cNvSpPr/>
+            <p:nvPr/>
+          </p:nvSpPr>
+          <p:spPr>
+            <a:xfrm>
+              <a:off x="2610828" y="2937437"/>
+              <a:ext cx="4424324" cy="701366"/>
+            </a:xfrm>
+            <a:prstGeom prst="ellipse">
+              <a:avLst/>
+            </a:prstGeom>
+            <a:noFill/>
+            <a:ln w="28575">
+              <a:solidFill>
+                <a:srgbClr val="FF0000"/>
+              </a:solidFill>
+            </a:ln>
+          </p:spPr>
+          <p:style>
+            <a:lnRef idx="2">
+              <a:schemeClr val="accent1">
+                <a:shade val="50000"/>
+              </a:schemeClr>
+            </a:lnRef>
+            <a:fillRef idx="1">
+              <a:schemeClr val="accent1"/>
+            </a:fillRef>
+            <a:effectRef idx="0">
+              <a:schemeClr val="accent1"/>
+            </a:effectRef>
+            <a:fontRef idx="minor">
+              <a:schemeClr val="lt1"/>
+            </a:fontRef>
+          </p:style>
+          <p:txBody>
+            <a:bodyPr rtlCol="0" anchor="ctr"/>
+            <a:lstStyle/>
+            <a:p>
+              <a:pPr algn="ctr"/>
+              <a:endParaRPr lang="pt-BR"/>
+            </a:p>
+          </p:txBody>
+        </p:sp>
+        <p:sp>
+          <p:nvSpPr>
+            <p:cNvPr id="17" name="Elipse 16">
+              <a:extLst>
+                <a:ext uri="{FF2B5EF4-FFF2-40B4-BE49-F238E27FC236}">
+                  <a16:creationId xmlns:a16="http://schemas.microsoft.com/office/drawing/2014/main" id="{CF472255-33D7-45B0-BE9A-B543566573A8}"/>
+                </a:ext>
+              </a:extLst>
+            </p:cNvPr>
+            <p:cNvSpPr/>
+            <p:nvPr/>
+          </p:nvSpPr>
+          <p:spPr>
+            <a:xfrm>
+              <a:off x="1999769" y="4156962"/>
+              <a:ext cx="751840" cy="568960"/>
+            </a:xfrm>
+            <a:prstGeom prst="ellipse">
+              <a:avLst/>
+            </a:prstGeom>
+            <a:noFill/>
+            <a:ln w="28575">
+              <a:solidFill>
+                <a:srgbClr val="FF0000"/>
+              </a:solidFill>
+            </a:ln>
+          </p:spPr>
+          <p:style>
+            <a:lnRef idx="2">
+              <a:schemeClr val="accent1">
+                <a:shade val="50000"/>
+              </a:schemeClr>
+            </a:lnRef>
+            <a:fillRef idx="1">
+              <a:schemeClr val="accent1"/>
+            </a:fillRef>
+            <a:effectRef idx="0">
+              <a:schemeClr val="accent1"/>
+            </a:effectRef>
+            <a:fontRef idx="minor">
+              <a:schemeClr val="lt1"/>
+            </a:fontRef>
+          </p:style>
+          <p:txBody>
+            <a:bodyPr rtlCol="0" anchor="ctr"/>
+            <a:lstStyle/>
+            <a:p>
+              <a:pPr algn="ctr"/>
+              <a:r>
+                <a:rPr lang="pt-BR" b="1" dirty="0">
+                  <a:solidFill>
+                    <a:srgbClr val="FF0000"/>
+                  </a:solidFill>
+                </a:rPr>
+                <a:t>1</a:t>
+              </a:r>
+            </a:p>
+          </p:txBody>
+        </p:sp>
+        <p:sp>
+          <p:nvSpPr>
+            <p:cNvPr id="18" name="Seta: para a Direita 17">
+              <a:extLst>
+                <a:ext uri="{FF2B5EF4-FFF2-40B4-BE49-F238E27FC236}">
+                  <a16:creationId xmlns:a16="http://schemas.microsoft.com/office/drawing/2014/main" id="{163F1203-889D-40F6-9945-F7D9890274C2}"/>
+                </a:ext>
+              </a:extLst>
+            </p:cNvPr>
+            <p:cNvSpPr/>
+            <p:nvPr/>
+          </p:nvSpPr>
+          <p:spPr>
+            <a:xfrm rot="18931443">
+              <a:off x="2552205" y="3687389"/>
+              <a:ext cx="1162879" cy="308113"/>
+            </a:xfrm>
+            <a:prstGeom prst="rightArrow">
+              <a:avLst/>
+            </a:prstGeom>
             <a:solidFill>
               <a:srgbClr val="FF0000"/>
             </a:solidFill>
-          </a:ln>
-        </p:spPr>
-        <p:style>
-          <a:lnRef idx="2">
-            <a:schemeClr val="accent1">
-              <a:shade val="50000"/>
-            </a:schemeClr>
-          </a:lnRef>
-          <a:fillRef idx="1">
-            <a:schemeClr val="accent1"/>
-          </a:fillRef>
-          <a:effectRef idx="0">
-            <a:schemeClr val="accent1"/>
-          </a:effectRef>
-          <a:fontRef idx="minor">
-            <a:schemeClr val="lt1"/>
-          </a:fontRef>
-        </p:style>
-        <p:txBody>
-          <a:bodyPr rtlCol="0" anchor="ctr"/>
-          <a:lstStyle/>
-          <a:p>
-            <a:pPr algn="ctr"/>
-            <a:endParaRPr lang="pt-BR"/>
-          </a:p>
-        </p:txBody>
-      </p:sp>
-      <p:sp>
-        <p:nvSpPr>
-          <p:cNvPr id="17" name="Elipse 16">
-            <a:extLst>
-              <a:ext uri="{FF2B5EF4-FFF2-40B4-BE49-F238E27FC236}">
-                <a16:creationId xmlns:a16="http://schemas.microsoft.com/office/drawing/2014/main" id="{CF472255-33D7-45B0-BE9A-B543566573A8}"/>
-              </a:ext>
-            </a:extLst>
-          </p:cNvPr>
-          <p:cNvSpPr/>
-          <p:nvPr/>
-        </p:nvSpPr>
-        <p:spPr>
-          <a:xfrm>
-            <a:off x="4702621" y="4546925"/>
-            <a:ext cx="751840" cy="568960"/>
-          </a:xfrm>
-          <a:prstGeom prst="ellipse">
-            <a:avLst/>
-          </a:prstGeom>
-          <a:noFill/>
-          <a:ln w="28575">
-            <a:solidFill>
-              <a:srgbClr val="FF0000"/>
-            </a:solidFill>
-          </a:ln>
-        </p:spPr>
-        <p:style>
-          <a:lnRef idx="2">
-            <a:schemeClr val="accent1">
-              <a:shade val="50000"/>
-            </a:schemeClr>
-          </a:lnRef>
-          <a:fillRef idx="1">
-            <a:schemeClr val="accent1"/>
-          </a:fillRef>
-          <a:effectRef idx="0">
-            <a:schemeClr val="accent1"/>
-          </a:effectRef>
-          <a:fontRef idx="minor">
-            <a:schemeClr val="lt1"/>
-          </a:fontRef>
-        </p:style>
-        <p:txBody>
-          <a:bodyPr rtlCol="0" anchor="ctr"/>
-          <a:lstStyle/>
-          <a:p>
-            <a:pPr algn="ctr"/>
-            <a:r>
-              <a:rPr lang="pt-BR" b="1" dirty="0">
-                <a:solidFill>
-                  <a:srgbClr val="FF0000"/>
-                </a:solidFill>
-              </a:rPr>
-              <a:t>1</a:t>
-            </a:r>
-          </a:p>
-        </p:txBody>
-      </p:sp>
-      <p:sp>
-        <p:nvSpPr>
-          <p:cNvPr id="18" name="Seta: para a Direita 17">
-            <a:extLst>
-              <a:ext uri="{FF2B5EF4-FFF2-40B4-BE49-F238E27FC236}">
-                <a16:creationId xmlns:a16="http://schemas.microsoft.com/office/drawing/2014/main" id="{163F1203-889D-40F6-9945-F7D9890274C2}"/>
-              </a:ext>
-            </a:extLst>
-          </p:cNvPr>
-          <p:cNvSpPr/>
-          <p:nvPr/>
-        </p:nvSpPr>
-        <p:spPr>
-          <a:xfrm rot="18931443">
-            <a:off x="5255057" y="4077352"/>
-            <a:ext cx="1162879" cy="308113"/>
-          </a:xfrm>
-          <a:prstGeom prst="rightArrow">
-            <a:avLst/>
-          </a:prstGeom>
-          <a:solidFill>
-            <a:srgbClr val="FF0000"/>
-          </a:solidFill>
-        </p:spPr>
-        <p:style>
-          <a:lnRef idx="2">
-            <a:schemeClr val="accent1">
-              <a:shade val="50000"/>
-            </a:schemeClr>
-          </a:lnRef>
-          <a:fillRef idx="1">
-            <a:schemeClr val="accent1"/>
-          </a:fillRef>
-          <a:effectRef idx="0">
-            <a:schemeClr val="accent1"/>
-          </a:effectRef>
-          <a:fontRef idx="minor">
-            <a:schemeClr val="lt1"/>
-          </a:fontRef>
-        </p:style>
-        <p:txBody>
-          <a:bodyPr rtlCol="0" anchor="ctr"/>
-          <a:lstStyle/>
-          <a:p>
-            <a:pPr algn="ctr"/>
-            <a:endParaRPr lang="pt-BR"/>
-          </a:p>
-        </p:txBody>
-      </p:sp>
-      <p:pic>
-        <p:nvPicPr>
-          <p:cNvPr id="19" name="Imagem 18">
-            <a:extLst>
-              <a:ext uri="{FF2B5EF4-FFF2-40B4-BE49-F238E27FC236}">
-                <a16:creationId xmlns:a16="http://schemas.microsoft.com/office/drawing/2014/main" id="{49F77D28-020E-4029-B020-5CC96DCC8D88}"/>
-              </a:ext>
-            </a:extLst>
-          </p:cNvPr>
-          <p:cNvPicPr>
-            <a:picLocks noChangeAspect="1"/>
-          </p:cNvPicPr>
-          <p:nvPr/>
-        </p:nvPicPr>
-        <p:blipFill>
-          <a:blip r:embed="rId5"/>
-          <a:stretch>
-            <a:fillRect/>
-          </a:stretch>
-        </p:blipFill>
-        <p:spPr>
-          <a:xfrm>
-            <a:off x="8737600" y="1111356"/>
-            <a:ext cx="1524000" cy="1247775"/>
-          </a:xfrm>
-          <a:prstGeom prst="round2DiagRect">
-            <a:avLst>
-              <a:gd name="adj1" fmla="val 16667"/>
-              <a:gd name="adj2" fmla="val 0"/>
-            </a:avLst>
-          </a:prstGeom>
-          <a:ln w="88900" cap="sq">
-            <a:solidFill>
-              <a:srgbClr val="FFFFFF"/>
-            </a:solidFill>
-            <a:miter lim="800000"/>
-          </a:ln>
-          <a:effectLst>
-            <a:outerShdw blurRad="254000" algn="tl" rotWithShape="0">
-              <a:srgbClr val="000000">
-                <a:alpha val="43000"/>
-              </a:srgbClr>
-            </a:outerShdw>
-          </a:effectLst>
-        </p:spPr>
-      </p:pic>
+          </p:spPr>
+          <p:style>
+            <a:lnRef idx="2">
+              <a:schemeClr val="accent1">
+                <a:shade val="50000"/>
+              </a:schemeClr>
+            </a:lnRef>
+            <a:fillRef idx="1">
+              <a:schemeClr val="accent1"/>
+            </a:fillRef>
+            <a:effectRef idx="0">
+              <a:schemeClr val="accent1"/>
+            </a:effectRef>
+            <a:fontRef idx="minor">
+              <a:schemeClr val="lt1"/>
+            </a:fontRef>
+          </p:style>
+          <p:txBody>
+            <a:bodyPr rtlCol="0" anchor="ctr"/>
+            <a:lstStyle/>
+            <a:p>
+              <a:pPr algn="ctr"/>
+              <a:endParaRPr lang="pt-BR"/>
+            </a:p>
+          </p:txBody>
+        </p:sp>
+      </p:grpSp>
     </p:spTree>
     <p:extLst>
       <p:ext uri="{BB962C8B-B14F-4D97-AF65-F5344CB8AC3E}">
@@ -4204,7 +4169,7 @@
                   <a:srgbClr val="0070C0"/>
                 </a:solidFill>
               </a:rPr>
-              <a:t>Clique no ícone de telas bloqueadas </a:t>
+              <a:t>Clique no ícone de bloqueio de telas</a:t>
             </a:r>
           </a:p>
         </p:txBody>

--- a/help/help.pptx
+++ b/help/help.pptx
@@ -5,10 +5,17 @@
     <p:sldMasterId id="2147483648" r:id="rId1"/>
   </p:sldMasterIdLst>
   <p:sldIdLst>
-    <p:sldId id="256" r:id="rId2"/>
-    <p:sldId id="258" r:id="rId3"/>
-    <p:sldId id="257" r:id="rId4"/>
-    <p:sldId id="264" r:id="rId5"/>
+    <p:sldId id="268" r:id="rId2"/>
+    <p:sldId id="266" r:id="rId3"/>
+    <p:sldId id="265" r:id="rId4"/>
+    <p:sldId id="256" r:id="rId5"/>
+    <p:sldId id="258" r:id="rId6"/>
+    <p:sldId id="267" r:id="rId7"/>
+    <p:sldId id="269" r:id="rId8"/>
+    <p:sldId id="257" r:id="rId9"/>
+    <p:sldId id="264" r:id="rId10"/>
+    <p:sldId id="271" r:id="rId11"/>
+    <p:sldId id="270" r:id="rId12"/>
   </p:sldIdLst>
   <p:sldSz cx="12192000" cy="6858000"/>
   <p:notesSz cx="6858000" cy="9144000"/>
@@ -3329,12 +3336,51 @@
           <a:chExt cx="0" cy="0"/>
         </a:xfrm>
       </p:grpSpPr>
+      <p:sp>
+        <p:nvSpPr>
+          <p:cNvPr id="2" name="Título 1">
+            <a:extLst>
+              <a:ext uri="{FF2B5EF4-FFF2-40B4-BE49-F238E27FC236}">
+                <a16:creationId xmlns:a16="http://schemas.microsoft.com/office/drawing/2014/main" id="{2009FA45-A433-40F5-B779-C73FCEFAB943}"/>
+              </a:ext>
+            </a:extLst>
+          </p:cNvPr>
+          <p:cNvSpPr>
+            <a:spLocks noGrp="1"/>
+          </p:cNvSpPr>
+          <p:nvPr>
+            <p:ph type="ctrTitle"/>
+          </p:nvPr>
+        </p:nvSpPr>
+        <p:spPr>
+          <a:xfrm>
+            <a:off x="0" y="0"/>
+            <a:ext cx="12192000" cy="886265"/>
+          </a:xfrm>
+        </p:spPr>
+        <p:txBody>
+          <a:bodyPr>
+            <a:normAutofit fontScale="90000"/>
+          </a:bodyPr>
+          <a:lstStyle/>
+          <a:p>
+            <a:r>
+              <a:rPr lang="pt-BR" dirty="0">
+                <a:solidFill>
+                  <a:srgbClr val="0070C0"/>
+                </a:solidFill>
+              </a:rPr>
+              <a:t>Primeira Configuração</a:t>
+            </a:r>
+          </a:p>
+        </p:txBody>
+      </p:sp>
       <p:pic>
         <p:nvPicPr>
-          <p:cNvPr id="4" name="Imagem 3">
-            <a:extLst>
-              <a:ext uri="{FF2B5EF4-FFF2-40B4-BE49-F238E27FC236}">
-                <a16:creationId xmlns:a16="http://schemas.microsoft.com/office/drawing/2014/main" id="{077CAA98-C4D2-9209-350C-8E63D0122F00}"/>
+          <p:cNvPr id="10" name="Imagem 9">
+            <a:extLst>
+              <a:ext uri="{FF2B5EF4-FFF2-40B4-BE49-F238E27FC236}">
+                <a16:creationId xmlns:a16="http://schemas.microsoft.com/office/drawing/2014/main" id="{5DC1F3F6-D8F9-45D7-AF30-7F7F4BD88755}"/>
               </a:ext>
             </a:extLst>
           </p:cNvPr>
@@ -3343,15 +3389,1092 @@
           </p:cNvPicPr>
           <p:nvPr/>
         </p:nvPicPr>
-        <p:blipFill rotWithShape="1">
+        <p:blipFill>
           <a:blip r:embed="rId2"/>
-          <a:srcRect b="27975"/>
-          <a:stretch/>
+          <a:stretch>
+            <a:fillRect/>
+          </a:stretch>
         </p:blipFill>
         <p:spPr>
           <a:xfrm>
-            <a:off x="389480" y="2357046"/>
-            <a:ext cx="11413041" cy="3016314"/>
+            <a:off x="10654176" y="7830"/>
+            <a:ext cx="1486758" cy="265081"/>
+          </a:xfrm>
+          <a:prstGeom prst="rect">
+            <a:avLst/>
+          </a:prstGeom>
+        </p:spPr>
+      </p:pic>
+      <p:sp>
+        <p:nvSpPr>
+          <p:cNvPr id="13" name="Subtítulo 2">
+            <a:extLst>
+              <a:ext uri="{FF2B5EF4-FFF2-40B4-BE49-F238E27FC236}">
+                <a16:creationId xmlns:a16="http://schemas.microsoft.com/office/drawing/2014/main" id="{C4079966-AFFE-4305-B3D8-C80DCD152262}"/>
+              </a:ext>
+            </a:extLst>
+          </p:cNvPr>
+          <p:cNvSpPr txBox="1">
+            <a:spLocks/>
+          </p:cNvSpPr>
+          <p:nvPr/>
+        </p:nvSpPr>
+        <p:spPr>
+          <a:xfrm>
+            <a:off x="0" y="3650045"/>
+            <a:ext cx="12191999" cy="966494"/>
+          </a:xfrm>
+          <a:prstGeom prst="rect">
+            <a:avLst/>
+          </a:prstGeom>
+        </p:spPr>
+        <p:txBody>
+          <a:bodyPr vert="horz" lIns="91440" tIns="45720" rIns="91440" bIns="45720" rtlCol="0">
+            <a:normAutofit/>
+          </a:bodyPr>
+          <a:lstStyle>
+            <a:lvl1pPr marL="0" indent="0" algn="ctr" defTabSz="914400" rtl="0" eaLnBrk="1" latinLnBrk="0" hangingPunct="1">
+              <a:lnSpc>
+                <a:spcPct val="90000"/>
+              </a:lnSpc>
+              <a:spcBef>
+                <a:spcPts val="1000"/>
+              </a:spcBef>
+              <a:buFont typeface="Arial" panose="020B0604020202020204" pitchFamily="34" charset="0"/>
+              <a:buNone/>
+              <a:defRPr sz="2400" kern="1200">
+                <a:solidFill>
+                  <a:schemeClr val="tx1"/>
+                </a:solidFill>
+                <a:latin typeface="+mn-lt"/>
+                <a:ea typeface="+mn-ea"/>
+                <a:cs typeface="+mn-cs"/>
+              </a:defRPr>
+            </a:lvl1pPr>
+            <a:lvl2pPr marL="457200" indent="0" algn="ctr" defTabSz="914400" rtl="0" eaLnBrk="1" latinLnBrk="0" hangingPunct="1">
+              <a:lnSpc>
+                <a:spcPct val="90000"/>
+              </a:lnSpc>
+              <a:spcBef>
+                <a:spcPts val="500"/>
+              </a:spcBef>
+              <a:buFont typeface="Arial" panose="020B0604020202020204" pitchFamily="34" charset="0"/>
+              <a:buNone/>
+              <a:defRPr sz="2000" kern="1200">
+                <a:solidFill>
+                  <a:schemeClr val="tx1"/>
+                </a:solidFill>
+                <a:latin typeface="+mn-lt"/>
+                <a:ea typeface="+mn-ea"/>
+                <a:cs typeface="+mn-cs"/>
+              </a:defRPr>
+            </a:lvl2pPr>
+            <a:lvl3pPr marL="914400" indent="0" algn="ctr" defTabSz="914400" rtl="0" eaLnBrk="1" latinLnBrk="0" hangingPunct="1">
+              <a:lnSpc>
+                <a:spcPct val="90000"/>
+              </a:lnSpc>
+              <a:spcBef>
+                <a:spcPts val="500"/>
+              </a:spcBef>
+              <a:buFont typeface="Arial" panose="020B0604020202020204" pitchFamily="34" charset="0"/>
+              <a:buNone/>
+              <a:defRPr sz="1800" kern="1200">
+                <a:solidFill>
+                  <a:schemeClr val="tx1"/>
+                </a:solidFill>
+                <a:latin typeface="+mn-lt"/>
+                <a:ea typeface="+mn-ea"/>
+                <a:cs typeface="+mn-cs"/>
+              </a:defRPr>
+            </a:lvl3pPr>
+            <a:lvl4pPr marL="1371600" indent="0" algn="ctr" defTabSz="914400" rtl="0" eaLnBrk="1" latinLnBrk="0" hangingPunct="1">
+              <a:lnSpc>
+                <a:spcPct val="90000"/>
+              </a:lnSpc>
+              <a:spcBef>
+                <a:spcPts val="500"/>
+              </a:spcBef>
+              <a:buFont typeface="Arial" panose="020B0604020202020204" pitchFamily="34" charset="0"/>
+              <a:buNone/>
+              <a:defRPr sz="1600" kern="1200">
+                <a:solidFill>
+                  <a:schemeClr val="tx1"/>
+                </a:solidFill>
+                <a:latin typeface="+mn-lt"/>
+                <a:ea typeface="+mn-ea"/>
+                <a:cs typeface="+mn-cs"/>
+              </a:defRPr>
+            </a:lvl4pPr>
+            <a:lvl5pPr marL="1828800" indent="0" algn="ctr" defTabSz="914400" rtl="0" eaLnBrk="1" latinLnBrk="0" hangingPunct="1">
+              <a:lnSpc>
+                <a:spcPct val="90000"/>
+              </a:lnSpc>
+              <a:spcBef>
+                <a:spcPts val="500"/>
+              </a:spcBef>
+              <a:buFont typeface="Arial" panose="020B0604020202020204" pitchFamily="34" charset="0"/>
+              <a:buNone/>
+              <a:defRPr sz="1600" kern="1200">
+                <a:solidFill>
+                  <a:schemeClr val="tx1"/>
+                </a:solidFill>
+                <a:latin typeface="+mn-lt"/>
+                <a:ea typeface="+mn-ea"/>
+                <a:cs typeface="+mn-cs"/>
+              </a:defRPr>
+            </a:lvl5pPr>
+            <a:lvl6pPr marL="2286000" indent="0" algn="ctr" defTabSz="914400" rtl="0" eaLnBrk="1" latinLnBrk="0" hangingPunct="1">
+              <a:lnSpc>
+                <a:spcPct val="90000"/>
+              </a:lnSpc>
+              <a:spcBef>
+                <a:spcPts val="500"/>
+              </a:spcBef>
+              <a:buFont typeface="Arial" panose="020B0604020202020204" pitchFamily="34" charset="0"/>
+              <a:buNone/>
+              <a:defRPr sz="1600" kern="1200">
+                <a:solidFill>
+                  <a:schemeClr val="tx1"/>
+                </a:solidFill>
+                <a:latin typeface="+mn-lt"/>
+                <a:ea typeface="+mn-ea"/>
+                <a:cs typeface="+mn-cs"/>
+              </a:defRPr>
+            </a:lvl6pPr>
+            <a:lvl7pPr marL="2743200" indent="0" algn="ctr" defTabSz="914400" rtl="0" eaLnBrk="1" latinLnBrk="0" hangingPunct="1">
+              <a:lnSpc>
+                <a:spcPct val="90000"/>
+              </a:lnSpc>
+              <a:spcBef>
+                <a:spcPts val="500"/>
+              </a:spcBef>
+              <a:buFont typeface="Arial" panose="020B0604020202020204" pitchFamily="34" charset="0"/>
+              <a:buNone/>
+              <a:defRPr sz="1600" kern="1200">
+                <a:solidFill>
+                  <a:schemeClr val="tx1"/>
+                </a:solidFill>
+                <a:latin typeface="+mn-lt"/>
+                <a:ea typeface="+mn-ea"/>
+                <a:cs typeface="+mn-cs"/>
+              </a:defRPr>
+            </a:lvl7pPr>
+            <a:lvl8pPr marL="3200400" indent="0" algn="ctr" defTabSz="914400" rtl="0" eaLnBrk="1" latinLnBrk="0" hangingPunct="1">
+              <a:lnSpc>
+                <a:spcPct val="90000"/>
+              </a:lnSpc>
+              <a:spcBef>
+                <a:spcPts val="500"/>
+              </a:spcBef>
+              <a:buFont typeface="Arial" panose="020B0604020202020204" pitchFamily="34" charset="0"/>
+              <a:buNone/>
+              <a:defRPr sz="1600" kern="1200">
+                <a:solidFill>
+                  <a:schemeClr val="tx1"/>
+                </a:solidFill>
+                <a:latin typeface="+mn-lt"/>
+                <a:ea typeface="+mn-ea"/>
+                <a:cs typeface="+mn-cs"/>
+              </a:defRPr>
+            </a:lvl8pPr>
+            <a:lvl9pPr marL="3657600" indent="0" algn="ctr" defTabSz="914400" rtl="0" eaLnBrk="1" latinLnBrk="0" hangingPunct="1">
+              <a:lnSpc>
+                <a:spcPct val="90000"/>
+              </a:lnSpc>
+              <a:spcBef>
+                <a:spcPts val="500"/>
+              </a:spcBef>
+              <a:buFont typeface="Arial" panose="020B0604020202020204" pitchFamily="34" charset="0"/>
+              <a:buNone/>
+              <a:defRPr sz="1600" kern="1200">
+                <a:solidFill>
+                  <a:schemeClr val="tx1"/>
+                </a:solidFill>
+                <a:latin typeface="+mn-lt"/>
+                <a:ea typeface="+mn-ea"/>
+                <a:cs typeface="+mn-cs"/>
+              </a:defRPr>
+            </a:lvl9pPr>
+          </a:lstStyle>
+          <a:p>
+            <a:r>
+              <a:rPr lang="pt-BR" sz="2800" dirty="0">
+                <a:solidFill>
+                  <a:srgbClr val="0070C0"/>
+                </a:solidFill>
+              </a:rPr>
+              <a:t>Início da configuração</a:t>
+            </a:r>
+            <a:endParaRPr lang="pt-BR" sz="2800" b="1" u="sng" dirty="0">
+              <a:solidFill>
+                <a:srgbClr val="0070C0"/>
+              </a:solidFill>
+            </a:endParaRPr>
+          </a:p>
+        </p:txBody>
+      </p:sp>
+    </p:spTree>
+    <p:extLst>
+      <p:ext uri="{BB962C8B-B14F-4D97-AF65-F5344CB8AC3E}">
+        <p14:creationId xmlns:p14="http://schemas.microsoft.com/office/powerpoint/2010/main" val="1145182300"/>
+      </p:ext>
+    </p:extLst>
+  </p:cSld>
+  <p:clrMapOvr>
+    <a:masterClrMapping/>
+  </p:clrMapOvr>
+</p:sld>
+</file>
+
+<file path=ppt/slides/slide10.xml><?xml version="1.0" encoding="utf-8"?>
+<p:sld xmlns:a="http://schemas.openxmlformats.org/drawingml/2006/main" xmlns:r="http://schemas.openxmlformats.org/officeDocument/2006/relationships" xmlns:p="http://schemas.openxmlformats.org/presentationml/2006/main">
+  <p:cSld>
+    <p:spTree>
+      <p:nvGrpSpPr>
+        <p:cNvPr id="1" name=""/>
+        <p:cNvGrpSpPr/>
+        <p:nvPr/>
+      </p:nvGrpSpPr>
+      <p:grpSpPr>
+        <a:xfrm>
+          <a:off x="0" y="0"/>
+          <a:ext cx="0" cy="0"/>
+          <a:chOff x="0" y="0"/>
+          <a:chExt cx="0" cy="0"/>
+        </a:xfrm>
+      </p:grpSpPr>
+      <p:sp>
+        <p:nvSpPr>
+          <p:cNvPr id="2" name="Título 1">
+            <a:extLst>
+              <a:ext uri="{FF2B5EF4-FFF2-40B4-BE49-F238E27FC236}">
+                <a16:creationId xmlns:a16="http://schemas.microsoft.com/office/drawing/2014/main" id="{2009FA45-A433-40F5-B779-C73FCEFAB943}"/>
+              </a:ext>
+            </a:extLst>
+          </p:cNvPr>
+          <p:cNvSpPr>
+            <a:spLocks noGrp="1"/>
+          </p:cNvSpPr>
+          <p:nvPr>
+            <p:ph type="ctrTitle"/>
+          </p:nvPr>
+        </p:nvSpPr>
+        <p:spPr>
+          <a:xfrm>
+            <a:off x="0" y="0"/>
+            <a:ext cx="12192000" cy="886265"/>
+          </a:xfrm>
+        </p:spPr>
+        <p:txBody>
+          <a:bodyPr>
+            <a:normAutofit fontScale="90000"/>
+          </a:bodyPr>
+          <a:lstStyle/>
+          <a:p>
+            <a:r>
+              <a:rPr lang="pt-BR" dirty="0">
+                <a:solidFill>
+                  <a:srgbClr val="0070C0"/>
+                </a:solidFill>
+              </a:rPr>
+              <a:t>Tutorial</a:t>
+            </a:r>
+          </a:p>
+        </p:txBody>
+      </p:sp>
+      <p:pic>
+        <p:nvPicPr>
+          <p:cNvPr id="10" name="Imagem 9">
+            <a:extLst>
+              <a:ext uri="{FF2B5EF4-FFF2-40B4-BE49-F238E27FC236}">
+                <a16:creationId xmlns:a16="http://schemas.microsoft.com/office/drawing/2014/main" id="{5DC1F3F6-D8F9-45D7-AF30-7F7F4BD88755}"/>
+              </a:ext>
+            </a:extLst>
+          </p:cNvPr>
+          <p:cNvPicPr>
+            <a:picLocks noChangeAspect="1"/>
+          </p:cNvPicPr>
+          <p:nvPr/>
+        </p:nvPicPr>
+        <p:blipFill>
+          <a:blip r:embed="rId2"/>
+          <a:stretch>
+            <a:fillRect/>
+          </a:stretch>
+        </p:blipFill>
+        <p:spPr>
+          <a:xfrm>
+            <a:off x="10654176" y="7830"/>
+            <a:ext cx="1486758" cy="265081"/>
+          </a:xfrm>
+          <a:prstGeom prst="rect">
+            <a:avLst/>
+          </a:prstGeom>
+        </p:spPr>
+      </p:pic>
+      <p:pic>
+        <p:nvPicPr>
+          <p:cNvPr id="5" name="Imagem 4">
+            <a:extLst>
+              <a:ext uri="{FF2B5EF4-FFF2-40B4-BE49-F238E27FC236}">
+                <a16:creationId xmlns:a16="http://schemas.microsoft.com/office/drawing/2014/main" id="{8AD559C7-FC04-22F9-A3E8-EEF223BC8E27}"/>
+              </a:ext>
+            </a:extLst>
+          </p:cNvPr>
+          <p:cNvPicPr>
+            <a:picLocks noChangeAspect="1"/>
+          </p:cNvPicPr>
+          <p:nvPr/>
+        </p:nvPicPr>
+        <p:blipFill>
+          <a:blip r:embed="rId3"/>
+          <a:stretch>
+            <a:fillRect/>
+          </a:stretch>
+        </p:blipFill>
+        <p:spPr>
+          <a:xfrm>
+            <a:off x="2817065" y="1853096"/>
+            <a:ext cx="6557868" cy="4333494"/>
+          </a:xfrm>
+          <a:prstGeom prst="rect">
+            <a:avLst/>
+          </a:prstGeom>
+        </p:spPr>
+      </p:pic>
+      <p:sp>
+        <p:nvSpPr>
+          <p:cNvPr id="43" name="Subtítulo 2">
+            <a:extLst>
+              <a:ext uri="{FF2B5EF4-FFF2-40B4-BE49-F238E27FC236}">
+                <a16:creationId xmlns:a16="http://schemas.microsoft.com/office/drawing/2014/main" id="{21AEC23E-9813-E683-AC9B-6048CFBE0FAF}"/>
+              </a:ext>
+            </a:extLst>
+          </p:cNvPr>
+          <p:cNvSpPr txBox="1">
+            <a:spLocks/>
+          </p:cNvSpPr>
+          <p:nvPr/>
+        </p:nvSpPr>
+        <p:spPr>
+          <a:xfrm>
+            <a:off x="207172" y="893398"/>
+            <a:ext cx="10541133" cy="966494"/>
+          </a:xfrm>
+          <a:prstGeom prst="rect">
+            <a:avLst/>
+          </a:prstGeom>
+        </p:spPr>
+        <p:txBody>
+          <a:bodyPr vert="horz" lIns="91440" tIns="45720" rIns="91440" bIns="45720" rtlCol="0">
+            <a:normAutofit/>
+          </a:bodyPr>
+          <a:lstStyle>
+            <a:lvl1pPr marL="0" indent="0" algn="ctr" defTabSz="914400" rtl="0" eaLnBrk="1" latinLnBrk="0" hangingPunct="1">
+              <a:lnSpc>
+                <a:spcPct val="90000"/>
+              </a:lnSpc>
+              <a:spcBef>
+                <a:spcPts val="1000"/>
+              </a:spcBef>
+              <a:buFont typeface="Arial" panose="020B0604020202020204" pitchFamily="34" charset="0"/>
+              <a:buNone/>
+              <a:defRPr sz="2400" kern="1200">
+                <a:solidFill>
+                  <a:schemeClr val="tx1"/>
+                </a:solidFill>
+                <a:latin typeface="+mn-lt"/>
+                <a:ea typeface="+mn-ea"/>
+                <a:cs typeface="+mn-cs"/>
+              </a:defRPr>
+            </a:lvl1pPr>
+            <a:lvl2pPr marL="457200" indent="0" algn="ctr" defTabSz="914400" rtl="0" eaLnBrk="1" latinLnBrk="0" hangingPunct="1">
+              <a:lnSpc>
+                <a:spcPct val="90000"/>
+              </a:lnSpc>
+              <a:spcBef>
+                <a:spcPts val="500"/>
+              </a:spcBef>
+              <a:buFont typeface="Arial" panose="020B0604020202020204" pitchFamily="34" charset="0"/>
+              <a:buNone/>
+              <a:defRPr sz="2000" kern="1200">
+                <a:solidFill>
+                  <a:schemeClr val="tx1"/>
+                </a:solidFill>
+                <a:latin typeface="+mn-lt"/>
+                <a:ea typeface="+mn-ea"/>
+                <a:cs typeface="+mn-cs"/>
+              </a:defRPr>
+            </a:lvl2pPr>
+            <a:lvl3pPr marL="914400" indent="0" algn="ctr" defTabSz="914400" rtl="0" eaLnBrk="1" latinLnBrk="0" hangingPunct="1">
+              <a:lnSpc>
+                <a:spcPct val="90000"/>
+              </a:lnSpc>
+              <a:spcBef>
+                <a:spcPts val="500"/>
+              </a:spcBef>
+              <a:buFont typeface="Arial" panose="020B0604020202020204" pitchFamily="34" charset="0"/>
+              <a:buNone/>
+              <a:defRPr sz="1800" kern="1200">
+                <a:solidFill>
+                  <a:schemeClr val="tx1"/>
+                </a:solidFill>
+                <a:latin typeface="+mn-lt"/>
+                <a:ea typeface="+mn-ea"/>
+                <a:cs typeface="+mn-cs"/>
+              </a:defRPr>
+            </a:lvl3pPr>
+            <a:lvl4pPr marL="1371600" indent="0" algn="ctr" defTabSz="914400" rtl="0" eaLnBrk="1" latinLnBrk="0" hangingPunct="1">
+              <a:lnSpc>
+                <a:spcPct val="90000"/>
+              </a:lnSpc>
+              <a:spcBef>
+                <a:spcPts val="500"/>
+              </a:spcBef>
+              <a:buFont typeface="Arial" panose="020B0604020202020204" pitchFamily="34" charset="0"/>
+              <a:buNone/>
+              <a:defRPr sz="1600" kern="1200">
+                <a:solidFill>
+                  <a:schemeClr val="tx1"/>
+                </a:solidFill>
+                <a:latin typeface="+mn-lt"/>
+                <a:ea typeface="+mn-ea"/>
+                <a:cs typeface="+mn-cs"/>
+              </a:defRPr>
+            </a:lvl4pPr>
+            <a:lvl5pPr marL="1828800" indent="0" algn="ctr" defTabSz="914400" rtl="0" eaLnBrk="1" latinLnBrk="0" hangingPunct="1">
+              <a:lnSpc>
+                <a:spcPct val="90000"/>
+              </a:lnSpc>
+              <a:spcBef>
+                <a:spcPts val="500"/>
+              </a:spcBef>
+              <a:buFont typeface="Arial" panose="020B0604020202020204" pitchFamily="34" charset="0"/>
+              <a:buNone/>
+              <a:defRPr sz="1600" kern="1200">
+                <a:solidFill>
+                  <a:schemeClr val="tx1"/>
+                </a:solidFill>
+                <a:latin typeface="+mn-lt"/>
+                <a:ea typeface="+mn-ea"/>
+                <a:cs typeface="+mn-cs"/>
+              </a:defRPr>
+            </a:lvl5pPr>
+            <a:lvl6pPr marL="2286000" indent="0" algn="ctr" defTabSz="914400" rtl="0" eaLnBrk="1" latinLnBrk="0" hangingPunct="1">
+              <a:lnSpc>
+                <a:spcPct val="90000"/>
+              </a:lnSpc>
+              <a:spcBef>
+                <a:spcPts val="500"/>
+              </a:spcBef>
+              <a:buFont typeface="Arial" panose="020B0604020202020204" pitchFamily="34" charset="0"/>
+              <a:buNone/>
+              <a:defRPr sz="1600" kern="1200">
+                <a:solidFill>
+                  <a:schemeClr val="tx1"/>
+                </a:solidFill>
+                <a:latin typeface="+mn-lt"/>
+                <a:ea typeface="+mn-ea"/>
+                <a:cs typeface="+mn-cs"/>
+              </a:defRPr>
+            </a:lvl6pPr>
+            <a:lvl7pPr marL="2743200" indent="0" algn="ctr" defTabSz="914400" rtl="0" eaLnBrk="1" latinLnBrk="0" hangingPunct="1">
+              <a:lnSpc>
+                <a:spcPct val="90000"/>
+              </a:lnSpc>
+              <a:spcBef>
+                <a:spcPts val="500"/>
+              </a:spcBef>
+              <a:buFont typeface="Arial" panose="020B0604020202020204" pitchFamily="34" charset="0"/>
+              <a:buNone/>
+              <a:defRPr sz="1600" kern="1200">
+                <a:solidFill>
+                  <a:schemeClr val="tx1"/>
+                </a:solidFill>
+                <a:latin typeface="+mn-lt"/>
+                <a:ea typeface="+mn-ea"/>
+                <a:cs typeface="+mn-cs"/>
+              </a:defRPr>
+            </a:lvl7pPr>
+            <a:lvl8pPr marL="3200400" indent="0" algn="ctr" defTabSz="914400" rtl="0" eaLnBrk="1" latinLnBrk="0" hangingPunct="1">
+              <a:lnSpc>
+                <a:spcPct val="90000"/>
+              </a:lnSpc>
+              <a:spcBef>
+                <a:spcPts val="500"/>
+              </a:spcBef>
+              <a:buFont typeface="Arial" panose="020B0604020202020204" pitchFamily="34" charset="0"/>
+              <a:buNone/>
+              <a:defRPr sz="1600" kern="1200">
+                <a:solidFill>
+                  <a:schemeClr val="tx1"/>
+                </a:solidFill>
+                <a:latin typeface="+mn-lt"/>
+                <a:ea typeface="+mn-ea"/>
+                <a:cs typeface="+mn-cs"/>
+              </a:defRPr>
+            </a:lvl8pPr>
+            <a:lvl9pPr marL="3657600" indent="0" algn="ctr" defTabSz="914400" rtl="0" eaLnBrk="1" latinLnBrk="0" hangingPunct="1">
+              <a:lnSpc>
+                <a:spcPct val="90000"/>
+              </a:lnSpc>
+              <a:spcBef>
+                <a:spcPts val="500"/>
+              </a:spcBef>
+              <a:buFont typeface="Arial" panose="020B0604020202020204" pitchFamily="34" charset="0"/>
+              <a:buNone/>
+              <a:defRPr sz="1600" kern="1200">
+                <a:solidFill>
+                  <a:schemeClr val="tx1"/>
+                </a:solidFill>
+                <a:latin typeface="+mn-lt"/>
+                <a:ea typeface="+mn-ea"/>
+                <a:cs typeface="+mn-cs"/>
+              </a:defRPr>
+            </a:lvl9pPr>
+          </a:lstStyle>
+          <a:p>
+            <a:pPr marL="457200" indent="-457200" algn="l">
+              <a:buFont typeface="Arial" panose="020B0604020202020204" pitchFamily="34" charset="0"/>
+              <a:buAutoNum type="arabicPeriod"/>
+            </a:pPr>
+            <a:r>
+              <a:rPr lang="pt-BR" sz="2800" dirty="0">
+                <a:solidFill>
+                  <a:srgbClr val="0070C0"/>
+                </a:solidFill>
+              </a:rPr>
+              <a:t>Pesquise novamente quando exibir a mensagem “Não Encontrado”.</a:t>
+            </a:r>
+            <a:endParaRPr lang="pt-BR" sz="2800" b="1" u="sng" dirty="0">
+              <a:solidFill>
+                <a:srgbClr val="0070C0"/>
+              </a:solidFill>
+            </a:endParaRPr>
+          </a:p>
+        </p:txBody>
+      </p:sp>
+      <p:sp>
+        <p:nvSpPr>
+          <p:cNvPr id="45" name="Elipse 44">
+            <a:extLst>
+              <a:ext uri="{FF2B5EF4-FFF2-40B4-BE49-F238E27FC236}">
+                <a16:creationId xmlns:a16="http://schemas.microsoft.com/office/drawing/2014/main" id="{BC4F2106-5F5B-70F6-47F4-3DE7655DFE6C}"/>
+              </a:ext>
+            </a:extLst>
+          </p:cNvPr>
+          <p:cNvSpPr/>
+          <p:nvPr/>
+        </p:nvSpPr>
+        <p:spPr>
+          <a:xfrm>
+            <a:off x="3931706" y="4332186"/>
+            <a:ext cx="4424324" cy="1440598"/>
+          </a:xfrm>
+          <a:prstGeom prst="ellipse">
+            <a:avLst/>
+          </a:prstGeom>
+          <a:noFill/>
+          <a:ln w="28575">
+            <a:solidFill>
+              <a:srgbClr val="FF0000"/>
+            </a:solidFill>
+          </a:ln>
+        </p:spPr>
+        <p:style>
+          <a:lnRef idx="2">
+            <a:schemeClr val="accent1">
+              <a:shade val="50000"/>
+            </a:schemeClr>
+          </a:lnRef>
+          <a:fillRef idx="1">
+            <a:schemeClr val="accent1"/>
+          </a:fillRef>
+          <a:effectRef idx="0">
+            <a:schemeClr val="accent1"/>
+          </a:effectRef>
+          <a:fontRef idx="minor">
+            <a:schemeClr val="lt1"/>
+          </a:fontRef>
+        </p:style>
+        <p:txBody>
+          <a:bodyPr rtlCol="0" anchor="ctr"/>
+          <a:lstStyle/>
+          <a:p>
+            <a:pPr algn="ctr"/>
+            <a:endParaRPr lang="pt-BR"/>
+          </a:p>
+        </p:txBody>
+      </p:sp>
+      <p:sp>
+        <p:nvSpPr>
+          <p:cNvPr id="46" name="Elipse 45">
+            <a:extLst>
+              <a:ext uri="{FF2B5EF4-FFF2-40B4-BE49-F238E27FC236}">
+                <a16:creationId xmlns:a16="http://schemas.microsoft.com/office/drawing/2014/main" id="{3E6B8E5F-BE37-4AF6-34E4-D8D00C2FD369}"/>
+              </a:ext>
+            </a:extLst>
+          </p:cNvPr>
+          <p:cNvSpPr/>
+          <p:nvPr/>
+        </p:nvSpPr>
+        <p:spPr>
+          <a:xfrm>
+            <a:off x="3429548" y="4109085"/>
+            <a:ext cx="751840" cy="568960"/>
+          </a:xfrm>
+          <a:prstGeom prst="ellipse">
+            <a:avLst/>
+          </a:prstGeom>
+          <a:noFill/>
+          <a:ln w="28575">
+            <a:solidFill>
+              <a:srgbClr val="FF0000"/>
+            </a:solidFill>
+          </a:ln>
+        </p:spPr>
+        <p:style>
+          <a:lnRef idx="2">
+            <a:schemeClr val="accent1">
+              <a:shade val="50000"/>
+            </a:schemeClr>
+          </a:lnRef>
+          <a:fillRef idx="1">
+            <a:schemeClr val="accent1"/>
+          </a:fillRef>
+          <a:effectRef idx="0">
+            <a:schemeClr val="accent1"/>
+          </a:effectRef>
+          <a:fontRef idx="minor">
+            <a:schemeClr val="lt1"/>
+          </a:fontRef>
+        </p:style>
+        <p:txBody>
+          <a:bodyPr rtlCol="0" anchor="ctr"/>
+          <a:lstStyle/>
+          <a:p>
+            <a:pPr algn="ctr"/>
+            <a:r>
+              <a:rPr lang="pt-BR" b="1" dirty="0">
+                <a:solidFill>
+                  <a:srgbClr val="FF0000"/>
+                </a:solidFill>
+              </a:rPr>
+              <a:t>1</a:t>
+            </a:r>
+          </a:p>
+        </p:txBody>
+      </p:sp>
+      <p:sp>
+        <p:nvSpPr>
+          <p:cNvPr id="47" name="Seta: para a Direita 46">
+            <a:extLst>
+              <a:ext uri="{FF2B5EF4-FFF2-40B4-BE49-F238E27FC236}">
+                <a16:creationId xmlns:a16="http://schemas.microsoft.com/office/drawing/2014/main" id="{3DADF5CB-DBF9-1A51-3A53-9216A5B715D7}"/>
+              </a:ext>
+            </a:extLst>
+          </p:cNvPr>
+          <p:cNvSpPr/>
+          <p:nvPr/>
+        </p:nvSpPr>
+        <p:spPr>
+          <a:xfrm rot="508660">
+            <a:off x="4218021" y="4363474"/>
+            <a:ext cx="1162879" cy="308113"/>
+          </a:xfrm>
+          <a:prstGeom prst="rightArrow">
+            <a:avLst/>
+          </a:prstGeom>
+          <a:solidFill>
+            <a:srgbClr val="FF0000"/>
+          </a:solidFill>
+        </p:spPr>
+        <p:style>
+          <a:lnRef idx="2">
+            <a:schemeClr val="accent1">
+              <a:shade val="50000"/>
+            </a:schemeClr>
+          </a:lnRef>
+          <a:fillRef idx="1">
+            <a:schemeClr val="accent1"/>
+          </a:fillRef>
+          <a:effectRef idx="0">
+            <a:schemeClr val="accent1"/>
+          </a:effectRef>
+          <a:fontRef idx="minor">
+            <a:schemeClr val="lt1"/>
+          </a:fontRef>
+        </p:style>
+        <p:txBody>
+          <a:bodyPr rtlCol="0" anchor="ctr"/>
+          <a:lstStyle/>
+          <a:p>
+            <a:pPr algn="ctr"/>
+            <a:endParaRPr lang="pt-BR"/>
+          </a:p>
+        </p:txBody>
+      </p:sp>
+    </p:spTree>
+    <p:extLst>
+      <p:ext uri="{BB962C8B-B14F-4D97-AF65-F5344CB8AC3E}">
+        <p14:creationId xmlns:p14="http://schemas.microsoft.com/office/powerpoint/2010/main" val="2011423586"/>
+      </p:ext>
+    </p:extLst>
+  </p:cSld>
+  <p:clrMapOvr>
+    <a:masterClrMapping/>
+  </p:clrMapOvr>
+</p:sld>
+</file>
+
+<file path=ppt/slides/slide11.xml><?xml version="1.0" encoding="utf-8"?>
+<p:sld xmlns:a="http://schemas.openxmlformats.org/drawingml/2006/main" xmlns:r="http://schemas.openxmlformats.org/officeDocument/2006/relationships" xmlns:p="http://schemas.openxmlformats.org/presentationml/2006/main">
+  <p:cSld>
+    <p:spTree>
+      <p:nvGrpSpPr>
+        <p:cNvPr id="1" name=""/>
+        <p:cNvGrpSpPr/>
+        <p:nvPr/>
+      </p:nvGrpSpPr>
+      <p:grpSpPr>
+        <a:xfrm>
+          <a:off x="0" y="0"/>
+          <a:ext cx="0" cy="0"/>
+          <a:chOff x="0" y="0"/>
+          <a:chExt cx="0" cy="0"/>
+        </a:xfrm>
+      </p:grpSpPr>
+      <p:pic>
+        <p:nvPicPr>
+          <p:cNvPr id="10" name="Imagem 9">
+            <a:extLst>
+              <a:ext uri="{FF2B5EF4-FFF2-40B4-BE49-F238E27FC236}">
+                <a16:creationId xmlns:a16="http://schemas.microsoft.com/office/drawing/2014/main" id="{5DC1F3F6-D8F9-45D7-AF30-7F7F4BD88755}"/>
+              </a:ext>
+            </a:extLst>
+          </p:cNvPr>
+          <p:cNvPicPr>
+            <a:picLocks noChangeAspect="1"/>
+          </p:cNvPicPr>
+          <p:nvPr/>
+        </p:nvPicPr>
+        <p:blipFill>
+          <a:blip r:embed="rId2"/>
+          <a:stretch>
+            <a:fillRect/>
+          </a:stretch>
+        </p:blipFill>
+        <p:spPr>
+          <a:xfrm>
+            <a:off x="10654176" y="7830"/>
+            <a:ext cx="1486758" cy="265081"/>
+          </a:xfrm>
+          <a:prstGeom prst="rect">
+            <a:avLst/>
+          </a:prstGeom>
+        </p:spPr>
+      </p:pic>
+      <p:sp>
+        <p:nvSpPr>
+          <p:cNvPr id="13" name="Subtítulo 2">
+            <a:extLst>
+              <a:ext uri="{FF2B5EF4-FFF2-40B4-BE49-F238E27FC236}">
+                <a16:creationId xmlns:a16="http://schemas.microsoft.com/office/drawing/2014/main" id="{C4079966-AFFE-4305-B3D8-C80DCD152262}"/>
+              </a:ext>
+            </a:extLst>
+          </p:cNvPr>
+          <p:cNvSpPr txBox="1">
+            <a:spLocks/>
+          </p:cNvSpPr>
+          <p:nvPr/>
+        </p:nvSpPr>
+        <p:spPr>
+          <a:xfrm>
+            <a:off x="0" y="3650045"/>
+            <a:ext cx="12191999" cy="966494"/>
+          </a:xfrm>
+          <a:prstGeom prst="rect">
+            <a:avLst/>
+          </a:prstGeom>
+        </p:spPr>
+        <p:txBody>
+          <a:bodyPr vert="horz" lIns="91440" tIns="45720" rIns="91440" bIns="45720" rtlCol="0">
+            <a:normAutofit/>
+          </a:bodyPr>
+          <a:lstStyle>
+            <a:lvl1pPr marL="0" indent="0" algn="ctr" defTabSz="914400" rtl="0" eaLnBrk="1" latinLnBrk="0" hangingPunct="1">
+              <a:lnSpc>
+                <a:spcPct val="90000"/>
+              </a:lnSpc>
+              <a:spcBef>
+                <a:spcPts val="1000"/>
+              </a:spcBef>
+              <a:buFont typeface="Arial" panose="020B0604020202020204" pitchFamily="34" charset="0"/>
+              <a:buNone/>
+              <a:defRPr sz="2400" kern="1200">
+                <a:solidFill>
+                  <a:schemeClr val="tx1"/>
+                </a:solidFill>
+                <a:latin typeface="+mn-lt"/>
+                <a:ea typeface="+mn-ea"/>
+                <a:cs typeface="+mn-cs"/>
+              </a:defRPr>
+            </a:lvl1pPr>
+            <a:lvl2pPr marL="457200" indent="0" algn="ctr" defTabSz="914400" rtl="0" eaLnBrk="1" latinLnBrk="0" hangingPunct="1">
+              <a:lnSpc>
+                <a:spcPct val="90000"/>
+              </a:lnSpc>
+              <a:spcBef>
+                <a:spcPts val="500"/>
+              </a:spcBef>
+              <a:buFont typeface="Arial" panose="020B0604020202020204" pitchFamily="34" charset="0"/>
+              <a:buNone/>
+              <a:defRPr sz="2000" kern="1200">
+                <a:solidFill>
+                  <a:schemeClr val="tx1"/>
+                </a:solidFill>
+                <a:latin typeface="+mn-lt"/>
+                <a:ea typeface="+mn-ea"/>
+                <a:cs typeface="+mn-cs"/>
+              </a:defRPr>
+            </a:lvl2pPr>
+            <a:lvl3pPr marL="914400" indent="0" algn="ctr" defTabSz="914400" rtl="0" eaLnBrk="1" latinLnBrk="0" hangingPunct="1">
+              <a:lnSpc>
+                <a:spcPct val="90000"/>
+              </a:lnSpc>
+              <a:spcBef>
+                <a:spcPts val="500"/>
+              </a:spcBef>
+              <a:buFont typeface="Arial" panose="020B0604020202020204" pitchFamily="34" charset="0"/>
+              <a:buNone/>
+              <a:defRPr sz="1800" kern="1200">
+                <a:solidFill>
+                  <a:schemeClr val="tx1"/>
+                </a:solidFill>
+                <a:latin typeface="+mn-lt"/>
+                <a:ea typeface="+mn-ea"/>
+                <a:cs typeface="+mn-cs"/>
+              </a:defRPr>
+            </a:lvl3pPr>
+            <a:lvl4pPr marL="1371600" indent="0" algn="ctr" defTabSz="914400" rtl="0" eaLnBrk="1" latinLnBrk="0" hangingPunct="1">
+              <a:lnSpc>
+                <a:spcPct val="90000"/>
+              </a:lnSpc>
+              <a:spcBef>
+                <a:spcPts val="500"/>
+              </a:spcBef>
+              <a:buFont typeface="Arial" panose="020B0604020202020204" pitchFamily="34" charset="0"/>
+              <a:buNone/>
+              <a:defRPr sz="1600" kern="1200">
+                <a:solidFill>
+                  <a:schemeClr val="tx1"/>
+                </a:solidFill>
+                <a:latin typeface="+mn-lt"/>
+                <a:ea typeface="+mn-ea"/>
+                <a:cs typeface="+mn-cs"/>
+              </a:defRPr>
+            </a:lvl4pPr>
+            <a:lvl5pPr marL="1828800" indent="0" algn="ctr" defTabSz="914400" rtl="0" eaLnBrk="1" latinLnBrk="0" hangingPunct="1">
+              <a:lnSpc>
+                <a:spcPct val="90000"/>
+              </a:lnSpc>
+              <a:spcBef>
+                <a:spcPts val="500"/>
+              </a:spcBef>
+              <a:buFont typeface="Arial" panose="020B0604020202020204" pitchFamily="34" charset="0"/>
+              <a:buNone/>
+              <a:defRPr sz="1600" kern="1200">
+                <a:solidFill>
+                  <a:schemeClr val="tx1"/>
+                </a:solidFill>
+                <a:latin typeface="+mn-lt"/>
+                <a:ea typeface="+mn-ea"/>
+                <a:cs typeface="+mn-cs"/>
+              </a:defRPr>
+            </a:lvl5pPr>
+            <a:lvl6pPr marL="2286000" indent="0" algn="ctr" defTabSz="914400" rtl="0" eaLnBrk="1" latinLnBrk="0" hangingPunct="1">
+              <a:lnSpc>
+                <a:spcPct val="90000"/>
+              </a:lnSpc>
+              <a:spcBef>
+                <a:spcPts val="500"/>
+              </a:spcBef>
+              <a:buFont typeface="Arial" panose="020B0604020202020204" pitchFamily="34" charset="0"/>
+              <a:buNone/>
+              <a:defRPr sz="1600" kern="1200">
+                <a:solidFill>
+                  <a:schemeClr val="tx1"/>
+                </a:solidFill>
+                <a:latin typeface="+mn-lt"/>
+                <a:ea typeface="+mn-ea"/>
+                <a:cs typeface="+mn-cs"/>
+              </a:defRPr>
+            </a:lvl6pPr>
+            <a:lvl7pPr marL="2743200" indent="0" algn="ctr" defTabSz="914400" rtl="0" eaLnBrk="1" latinLnBrk="0" hangingPunct="1">
+              <a:lnSpc>
+                <a:spcPct val="90000"/>
+              </a:lnSpc>
+              <a:spcBef>
+                <a:spcPts val="500"/>
+              </a:spcBef>
+              <a:buFont typeface="Arial" panose="020B0604020202020204" pitchFamily="34" charset="0"/>
+              <a:buNone/>
+              <a:defRPr sz="1600" kern="1200">
+                <a:solidFill>
+                  <a:schemeClr val="tx1"/>
+                </a:solidFill>
+                <a:latin typeface="+mn-lt"/>
+                <a:ea typeface="+mn-ea"/>
+                <a:cs typeface="+mn-cs"/>
+              </a:defRPr>
+            </a:lvl7pPr>
+            <a:lvl8pPr marL="3200400" indent="0" algn="ctr" defTabSz="914400" rtl="0" eaLnBrk="1" latinLnBrk="0" hangingPunct="1">
+              <a:lnSpc>
+                <a:spcPct val="90000"/>
+              </a:lnSpc>
+              <a:spcBef>
+                <a:spcPts val="500"/>
+              </a:spcBef>
+              <a:buFont typeface="Arial" panose="020B0604020202020204" pitchFamily="34" charset="0"/>
+              <a:buNone/>
+              <a:defRPr sz="1600" kern="1200">
+                <a:solidFill>
+                  <a:schemeClr val="tx1"/>
+                </a:solidFill>
+                <a:latin typeface="+mn-lt"/>
+                <a:ea typeface="+mn-ea"/>
+                <a:cs typeface="+mn-cs"/>
+              </a:defRPr>
+            </a:lvl8pPr>
+            <a:lvl9pPr marL="3657600" indent="0" algn="ctr" defTabSz="914400" rtl="0" eaLnBrk="1" latinLnBrk="0" hangingPunct="1">
+              <a:lnSpc>
+                <a:spcPct val="90000"/>
+              </a:lnSpc>
+              <a:spcBef>
+                <a:spcPts val="500"/>
+              </a:spcBef>
+              <a:buFont typeface="Arial" panose="020B0604020202020204" pitchFamily="34" charset="0"/>
+              <a:buNone/>
+              <a:defRPr sz="1600" kern="1200">
+                <a:solidFill>
+                  <a:schemeClr val="tx1"/>
+                </a:solidFill>
+                <a:latin typeface="+mn-lt"/>
+                <a:ea typeface="+mn-ea"/>
+                <a:cs typeface="+mn-cs"/>
+              </a:defRPr>
+            </a:lvl9pPr>
+          </a:lstStyle>
+          <a:p>
+            <a:r>
+              <a:rPr lang="pt-BR" sz="2800" dirty="0">
+                <a:solidFill>
+                  <a:srgbClr val="0070C0"/>
+                </a:solidFill>
+              </a:rPr>
+              <a:t>Fim do Tutorial</a:t>
+            </a:r>
+            <a:endParaRPr lang="pt-BR" sz="2800" b="1" u="sng" dirty="0">
+              <a:solidFill>
+                <a:srgbClr val="0070C0"/>
+              </a:solidFill>
+            </a:endParaRPr>
+          </a:p>
+        </p:txBody>
+      </p:sp>
+      <p:sp>
+        <p:nvSpPr>
+          <p:cNvPr id="7" name="Título 1">
+            <a:extLst>
+              <a:ext uri="{FF2B5EF4-FFF2-40B4-BE49-F238E27FC236}">
+                <a16:creationId xmlns:a16="http://schemas.microsoft.com/office/drawing/2014/main" id="{10AB1B46-B484-0609-7577-1D5BCF71B878}"/>
+              </a:ext>
+            </a:extLst>
+          </p:cNvPr>
+          <p:cNvSpPr>
+            <a:spLocks noGrp="1"/>
+          </p:cNvSpPr>
+          <p:nvPr>
+            <p:ph type="ctrTitle"/>
+          </p:nvPr>
+        </p:nvSpPr>
+        <p:spPr>
+          <a:xfrm>
+            <a:off x="0" y="-4275"/>
+            <a:ext cx="12192000" cy="886265"/>
+          </a:xfrm>
+        </p:spPr>
+        <p:txBody>
+          <a:bodyPr>
+            <a:normAutofit fontScale="90000"/>
+          </a:bodyPr>
+          <a:lstStyle/>
+          <a:p>
+            <a:r>
+              <a:rPr lang="pt-BR" dirty="0">
+                <a:solidFill>
+                  <a:srgbClr val="0070C0"/>
+                </a:solidFill>
+              </a:rPr>
+              <a:t>Tutorial</a:t>
+            </a:r>
+          </a:p>
+        </p:txBody>
+      </p:sp>
+    </p:spTree>
+    <p:extLst>
+      <p:ext uri="{BB962C8B-B14F-4D97-AF65-F5344CB8AC3E}">
+        <p14:creationId xmlns:p14="http://schemas.microsoft.com/office/powerpoint/2010/main" val="3519798265"/>
+      </p:ext>
+    </p:extLst>
+  </p:cSld>
+  <p:clrMapOvr>
+    <a:masterClrMapping/>
+  </p:clrMapOvr>
+</p:sld>
+</file>
+
+<file path=ppt/slides/slide2.xml><?xml version="1.0" encoding="utf-8"?>
+<p:sld xmlns:a="http://schemas.openxmlformats.org/drawingml/2006/main" xmlns:r="http://schemas.openxmlformats.org/officeDocument/2006/relationships" xmlns:p="http://schemas.openxmlformats.org/presentationml/2006/main">
+  <p:cSld>
+    <p:spTree>
+      <p:nvGrpSpPr>
+        <p:cNvPr id="1" name=""/>
+        <p:cNvGrpSpPr/>
+        <p:nvPr/>
+      </p:nvGrpSpPr>
+      <p:grpSpPr>
+        <a:xfrm>
+          <a:off x="0" y="0"/>
+          <a:ext cx="0" cy="0"/>
+          <a:chOff x="0" y="0"/>
+          <a:chExt cx="0" cy="0"/>
+        </a:xfrm>
+      </p:grpSpPr>
+      <p:pic>
+        <p:nvPicPr>
+          <p:cNvPr id="8" name="Imagem 7">
+            <a:extLst>
+              <a:ext uri="{FF2B5EF4-FFF2-40B4-BE49-F238E27FC236}">
+                <a16:creationId xmlns:a16="http://schemas.microsoft.com/office/drawing/2014/main" id="{8E7A117D-AC79-72AC-0570-CB7C0F0DBE25}"/>
+              </a:ext>
+            </a:extLst>
+          </p:cNvPr>
+          <p:cNvPicPr>
+            <a:picLocks noChangeAspect="1"/>
+          </p:cNvPicPr>
+          <p:nvPr/>
+        </p:nvPicPr>
+        <p:blipFill>
+          <a:blip r:embed="rId2"/>
+          <a:stretch>
+            <a:fillRect/>
+          </a:stretch>
+        </p:blipFill>
+        <p:spPr>
+          <a:xfrm>
+            <a:off x="2538412" y="1859892"/>
+            <a:ext cx="7115175" cy="4886325"/>
           </a:xfrm>
           <a:prstGeom prst="rect">
             <a:avLst/>
@@ -3443,7 +4566,7 @@
         </p:nvSpPr>
         <p:spPr>
           <a:xfrm>
-            <a:off x="113043" y="1484640"/>
+            <a:off x="207172" y="893398"/>
             <a:ext cx="10541133" cy="966494"/>
           </a:xfrm>
           <a:prstGeom prst="rect">
@@ -3629,10 +4752,10 @@
                   <a:srgbClr val="0070C0"/>
                 </a:solidFill>
               </a:rPr>
-              <a:t>Abra o navegador internet (recomendado usar Edge ou Chrome): </a:t>
-            </a:r>
-            <a:r>
-              <a:rPr lang="pt-BR" sz="2800" b="1" u="sng" dirty="0">
+              <a:t>Abra o navegador internet (recomendado usar o Edge ou o Chrome): </a:t>
+            </a:r>
+            <a:r>
+              <a:rPr lang="pt-BR" sz="2800" u="sng" dirty="0">
                 <a:solidFill>
                   <a:srgbClr val="0070C0"/>
                 </a:solidFill>
@@ -3640,7 +4763,7 @@
               </a:rPr>
               <a:t>https://datashowcloud.github.io/datashow/</a:t>
             </a:r>
-            <a:endParaRPr lang="pt-BR" sz="2800" b="1" u="sng" dirty="0">
+            <a:endParaRPr lang="pt-BR" sz="2800" u="sng" dirty="0">
               <a:solidFill>
                 <a:srgbClr val="0070C0"/>
               </a:solidFill>
@@ -3650,10 +4773,10 @@
       </p:sp>
       <p:grpSp>
         <p:nvGrpSpPr>
-          <p:cNvPr id="6" name="Agrupar 5">
-            <a:extLst>
-              <a:ext uri="{FF2B5EF4-FFF2-40B4-BE49-F238E27FC236}">
-                <a16:creationId xmlns:a16="http://schemas.microsoft.com/office/drawing/2014/main" id="{9EC4B004-8481-B561-F270-E1DF7B5FEF8B}"/>
+          <p:cNvPr id="12" name="Agrupar 11">
+            <a:extLst>
+              <a:ext uri="{FF2B5EF4-FFF2-40B4-BE49-F238E27FC236}">
+                <a16:creationId xmlns:a16="http://schemas.microsoft.com/office/drawing/2014/main" id="{7FFAAC74-C1D4-BD8A-D054-E29055B54C50}"/>
               </a:ext>
             </a:extLst>
           </p:cNvPr>
@@ -3662,10 +4785,10 @@
         </p:nvGrpSpPr>
         <p:grpSpPr>
           <a:xfrm>
-            <a:off x="1999769" y="2937437"/>
-            <a:ext cx="5035383" cy="1788485"/>
-            <a:chOff x="1999769" y="2937437"/>
-            <a:chExt cx="5035383" cy="1788485"/>
+            <a:off x="3013813" y="2074787"/>
+            <a:ext cx="3763506" cy="2114623"/>
+            <a:chOff x="3013813" y="2074787"/>
+            <a:chExt cx="3763506" cy="2114623"/>
           </a:xfrm>
         </p:grpSpPr>
         <p:sp>
@@ -3682,8 +4805,8 @@
           </p:nvSpPr>
           <p:spPr>
             <a:xfrm>
-              <a:off x="2610828" y="2937437"/>
-              <a:ext cx="4424324" cy="701366"/>
+              <a:off x="3490293" y="2074787"/>
+              <a:ext cx="3287026" cy="701366"/>
             </a:xfrm>
             <a:prstGeom prst="ellipse">
               <a:avLst/>
@@ -3734,7 +4857,7 @@
           </p:nvSpPr>
           <p:spPr>
             <a:xfrm>
-              <a:off x="1999769" y="4156962"/>
+              <a:off x="3013813" y="3620450"/>
               <a:ext cx="751840" cy="568960"/>
             </a:xfrm>
             <a:prstGeom prst="ellipse">
@@ -3792,8 +4915,1697 @@
             <p:nvPr/>
           </p:nvSpPr>
           <p:spPr>
-            <a:xfrm rot="18931443">
-              <a:off x="2552205" y="3687389"/>
+            <a:xfrm rot="17471615">
+              <a:off x="3197661" y="2914640"/>
+              <a:ext cx="1162879" cy="308113"/>
+            </a:xfrm>
+            <a:prstGeom prst="rightArrow">
+              <a:avLst/>
+            </a:prstGeom>
+            <a:solidFill>
+              <a:srgbClr val="FF0000"/>
+            </a:solidFill>
+          </p:spPr>
+          <p:style>
+            <a:lnRef idx="2">
+              <a:schemeClr val="accent1">
+                <a:shade val="50000"/>
+              </a:schemeClr>
+            </a:lnRef>
+            <a:fillRef idx="1">
+              <a:schemeClr val="accent1"/>
+            </a:fillRef>
+            <a:effectRef idx="0">
+              <a:schemeClr val="accent1"/>
+            </a:effectRef>
+            <a:fontRef idx="minor">
+              <a:schemeClr val="lt1"/>
+            </a:fontRef>
+          </p:style>
+          <p:txBody>
+            <a:bodyPr rtlCol="0" anchor="ctr"/>
+            <a:lstStyle/>
+            <a:p>
+              <a:pPr algn="ctr"/>
+              <a:endParaRPr lang="pt-BR"/>
+            </a:p>
+          </p:txBody>
+        </p:sp>
+      </p:grpSp>
+    </p:spTree>
+    <p:extLst>
+      <p:ext uri="{BB962C8B-B14F-4D97-AF65-F5344CB8AC3E}">
+        <p14:creationId xmlns:p14="http://schemas.microsoft.com/office/powerpoint/2010/main" val="1076487112"/>
+      </p:ext>
+    </p:extLst>
+  </p:cSld>
+  <p:clrMapOvr>
+    <a:masterClrMapping/>
+  </p:clrMapOvr>
+</p:sld>
+</file>
+
+<file path=ppt/slides/slide3.xml><?xml version="1.0" encoding="utf-8"?>
+<p:sld xmlns:a="http://schemas.openxmlformats.org/drawingml/2006/main" xmlns:r="http://schemas.openxmlformats.org/officeDocument/2006/relationships" xmlns:p="http://schemas.openxmlformats.org/presentationml/2006/main">
+  <p:cSld>
+    <p:spTree>
+      <p:nvGrpSpPr>
+        <p:cNvPr id="1" name=""/>
+        <p:cNvGrpSpPr/>
+        <p:nvPr/>
+      </p:nvGrpSpPr>
+      <p:grpSpPr>
+        <a:xfrm>
+          <a:off x="0" y="0"/>
+          <a:ext cx="0" cy="0"/>
+          <a:chOff x="0" y="0"/>
+          <a:chExt cx="0" cy="0"/>
+        </a:xfrm>
+      </p:grpSpPr>
+      <p:pic>
+        <p:nvPicPr>
+          <p:cNvPr id="12" name="Imagem 11">
+            <a:extLst>
+              <a:ext uri="{FF2B5EF4-FFF2-40B4-BE49-F238E27FC236}">
+                <a16:creationId xmlns:a16="http://schemas.microsoft.com/office/drawing/2014/main" id="{7EBAA135-6DA7-10C4-8589-0EF6B1484966}"/>
+              </a:ext>
+            </a:extLst>
+          </p:cNvPr>
+          <p:cNvPicPr>
+            <a:picLocks noChangeAspect="1"/>
+          </p:cNvPicPr>
+          <p:nvPr/>
+        </p:nvPicPr>
+        <p:blipFill>
+          <a:blip r:embed="rId2"/>
+          <a:stretch>
+            <a:fillRect/>
+          </a:stretch>
+        </p:blipFill>
+        <p:spPr>
+          <a:xfrm>
+            <a:off x="5576042" y="2432516"/>
+            <a:ext cx="5894142" cy="3834541"/>
+          </a:xfrm>
+          <a:prstGeom prst="rect">
+            <a:avLst/>
+          </a:prstGeom>
+        </p:spPr>
+      </p:pic>
+      <p:pic>
+        <p:nvPicPr>
+          <p:cNvPr id="26" name="Imagem 25">
+            <a:extLst>
+              <a:ext uri="{FF2B5EF4-FFF2-40B4-BE49-F238E27FC236}">
+                <a16:creationId xmlns:a16="http://schemas.microsoft.com/office/drawing/2014/main" id="{4E8777D6-88CE-13B7-B0C6-6FC29E89DABE}"/>
+              </a:ext>
+            </a:extLst>
+          </p:cNvPr>
+          <p:cNvPicPr>
+            <a:picLocks noChangeAspect="1"/>
+          </p:cNvPicPr>
+          <p:nvPr/>
+        </p:nvPicPr>
+        <p:blipFill>
+          <a:blip r:embed="rId3"/>
+          <a:stretch>
+            <a:fillRect/>
+          </a:stretch>
+        </p:blipFill>
+        <p:spPr>
+          <a:xfrm>
+            <a:off x="7345010" y="3396283"/>
+            <a:ext cx="4125173" cy="2865390"/>
+          </a:xfrm>
+          <a:prstGeom prst="rect">
+            <a:avLst/>
+          </a:prstGeom>
+        </p:spPr>
+      </p:pic>
+      <p:sp>
+        <p:nvSpPr>
+          <p:cNvPr id="2" name="Título 1">
+            <a:extLst>
+              <a:ext uri="{FF2B5EF4-FFF2-40B4-BE49-F238E27FC236}">
+                <a16:creationId xmlns:a16="http://schemas.microsoft.com/office/drawing/2014/main" id="{2009FA45-A433-40F5-B779-C73FCEFAB943}"/>
+              </a:ext>
+            </a:extLst>
+          </p:cNvPr>
+          <p:cNvSpPr>
+            <a:spLocks noGrp="1"/>
+          </p:cNvSpPr>
+          <p:nvPr>
+            <p:ph type="ctrTitle"/>
+          </p:nvPr>
+        </p:nvSpPr>
+        <p:spPr>
+          <a:xfrm>
+            <a:off x="0" y="0"/>
+            <a:ext cx="12192000" cy="886265"/>
+          </a:xfrm>
+        </p:spPr>
+        <p:txBody>
+          <a:bodyPr>
+            <a:normAutofit fontScale="90000"/>
+          </a:bodyPr>
+          <a:lstStyle/>
+          <a:p>
+            <a:r>
+              <a:rPr lang="pt-BR" dirty="0">
+                <a:solidFill>
+                  <a:srgbClr val="0070C0"/>
+                </a:solidFill>
+              </a:rPr>
+              <a:t>Primeira Configuração</a:t>
+            </a:r>
+          </a:p>
+        </p:txBody>
+      </p:sp>
+      <p:pic>
+        <p:nvPicPr>
+          <p:cNvPr id="10" name="Imagem 9">
+            <a:extLst>
+              <a:ext uri="{FF2B5EF4-FFF2-40B4-BE49-F238E27FC236}">
+                <a16:creationId xmlns:a16="http://schemas.microsoft.com/office/drawing/2014/main" id="{5DC1F3F6-D8F9-45D7-AF30-7F7F4BD88755}"/>
+              </a:ext>
+            </a:extLst>
+          </p:cNvPr>
+          <p:cNvPicPr>
+            <a:picLocks noChangeAspect="1"/>
+          </p:cNvPicPr>
+          <p:nvPr/>
+        </p:nvPicPr>
+        <p:blipFill>
+          <a:blip r:embed="rId4"/>
+          <a:stretch>
+            <a:fillRect/>
+          </a:stretch>
+        </p:blipFill>
+        <p:spPr>
+          <a:xfrm>
+            <a:off x="10654176" y="7830"/>
+            <a:ext cx="1486758" cy="265081"/>
+          </a:xfrm>
+          <a:prstGeom prst="rect">
+            <a:avLst/>
+          </a:prstGeom>
+        </p:spPr>
+      </p:pic>
+      <p:sp>
+        <p:nvSpPr>
+          <p:cNvPr id="13" name="Subtítulo 2">
+            <a:extLst>
+              <a:ext uri="{FF2B5EF4-FFF2-40B4-BE49-F238E27FC236}">
+                <a16:creationId xmlns:a16="http://schemas.microsoft.com/office/drawing/2014/main" id="{C4079966-AFFE-4305-B3D8-C80DCD152262}"/>
+              </a:ext>
+            </a:extLst>
+          </p:cNvPr>
+          <p:cNvSpPr txBox="1">
+            <a:spLocks/>
+          </p:cNvSpPr>
+          <p:nvPr/>
+        </p:nvSpPr>
+        <p:spPr>
+          <a:xfrm>
+            <a:off x="752448" y="886264"/>
+            <a:ext cx="7277167" cy="1754917"/>
+          </a:xfrm>
+          <a:prstGeom prst="rect">
+            <a:avLst/>
+          </a:prstGeom>
+        </p:spPr>
+        <p:txBody>
+          <a:bodyPr vert="horz" lIns="91440" tIns="45720" rIns="91440" bIns="45720" rtlCol="0">
+            <a:normAutofit fontScale="92500" lnSpcReduction="10000"/>
+          </a:bodyPr>
+          <a:lstStyle>
+            <a:lvl1pPr marL="0" indent="0" algn="ctr" defTabSz="914400" rtl="0" eaLnBrk="1" latinLnBrk="0" hangingPunct="1">
+              <a:lnSpc>
+                <a:spcPct val="90000"/>
+              </a:lnSpc>
+              <a:spcBef>
+                <a:spcPts val="1000"/>
+              </a:spcBef>
+              <a:buFont typeface="Arial" panose="020B0604020202020204" pitchFamily="34" charset="0"/>
+              <a:buNone/>
+              <a:defRPr sz="2400" kern="1200">
+                <a:solidFill>
+                  <a:schemeClr val="tx1"/>
+                </a:solidFill>
+                <a:latin typeface="+mn-lt"/>
+                <a:ea typeface="+mn-ea"/>
+                <a:cs typeface="+mn-cs"/>
+              </a:defRPr>
+            </a:lvl1pPr>
+            <a:lvl2pPr marL="457200" indent="0" algn="ctr" defTabSz="914400" rtl="0" eaLnBrk="1" latinLnBrk="0" hangingPunct="1">
+              <a:lnSpc>
+                <a:spcPct val="90000"/>
+              </a:lnSpc>
+              <a:spcBef>
+                <a:spcPts val="500"/>
+              </a:spcBef>
+              <a:buFont typeface="Arial" panose="020B0604020202020204" pitchFamily="34" charset="0"/>
+              <a:buNone/>
+              <a:defRPr sz="2000" kern="1200">
+                <a:solidFill>
+                  <a:schemeClr val="tx1"/>
+                </a:solidFill>
+                <a:latin typeface="+mn-lt"/>
+                <a:ea typeface="+mn-ea"/>
+                <a:cs typeface="+mn-cs"/>
+              </a:defRPr>
+            </a:lvl2pPr>
+            <a:lvl3pPr marL="914400" indent="0" algn="ctr" defTabSz="914400" rtl="0" eaLnBrk="1" latinLnBrk="0" hangingPunct="1">
+              <a:lnSpc>
+                <a:spcPct val="90000"/>
+              </a:lnSpc>
+              <a:spcBef>
+                <a:spcPts val="500"/>
+              </a:spcBef>
+              <a:buFont typeface="Arial" panose="020B0604020202020204" pitchFamily="34" charset="0"/>
+              <a:buNone/>
+              <a:defRPr sz="1800" kern="1200">
+                <a:solidFill>
+                  <a:schemeClr val="tx1"/>
+                </a:solidFill>
+                <a:latin typeface="+mn-lt"/>
+                <a:ea typeface="+mn-ea"/>
+                <a:cs typeface="+mn-cs"/>
+              </a:defRPr>
+            </a:lvl3pPr>
+            <a:lvl4pPr marL="1371600" indent="0" algn="ctr" defTabSz="914400" rtl="0" eaLnBrk="1" latinLnBrk="0" hangingPunct="1">
+              <a:lnSpc>
+                <a:spcPct val="90000"/>
+              </a:lnSpc>
+              <a:spcBef>
+                <a:spcPts val="500"/>
+              </a:spcBef>
+              <a:buFont typeface="Arial" panose="020B0604020202020204" pitchFamily="34" charset="0"/>
+              <a:buNone/>
+              <a:defRPr sz="1600" kern="1200">
+                <a:solidFill>
+                  <a:schemeClr val="tx1"/>
+                </a:solidFill>
+                <a:latin typeface="+mn-lt"/>
+                <a:ea typeface="+mn-ea"/>
+                <a:cs typeface="+mn-cs"/>
+              </a:defRPr>
+            </a:lvl4pPr>
+            <a:lvl5pPr marL="1828800" indent="0" algn="ctr" defTabSz="914400" rtl="0" eaLnBrk="1" latinLnBrk="0" hangingPunct="1">
+              <a:lnSpc>
+                <a:spcPct val="90000"/>
+              </a:lnSpc>
+              <a:spcBef>
+                <a:spcPts val="500"/>
+              </a:spcBef>
+              <a:buFont typeface="Arial" panose="020B0604020202020204" pitchFamily="34" charset="0"/>
+              <a:buNone/>
+              <a:defRPr sz="1600" kern="1200">
+                <a:solidFill>
+                  <a:schemeClr val="tx1"/>
+                </a:solidFill>
+                <a:latin typeface="+mn-lt"/>
+                <a:ea typeface="+mn-ea"/>
+                <a:cs typeface="+mn-cs"/>
+              </a:defRPr>
+            </a:lvl5pPr>
+            <a:lvl6pPr marL="2286000" indent="0" algn="ctr" defTabSz="914400" rtl="0" eaLnBrk="1" latinLnBrk="0" hangingPunct="1">
+              <a:lnSpc>
+                <a:spcPct val="90000"/>
+              </a:lnSpc>
+              <a:spcBef>
+                <a:spcPts val="500"/>
+              </a:spcBef>
+              <a:buFont typeface="Arial" panose="020B0604020202020204" pitchFamily="34" charset="0"/>
+              <a:buNone/>
+              <a:defRPr sz="1600" kern="1200">
+                <a:solidFill>
+                  <a:schemeClr val="tx1"/>
+                </a:solidFill>
+                <a:latin typeface="+mn-lt"/>
+                <a:ea typeface="+mn-ea"/>
+                <a:cs typeface="+mn-cs"/>
+              </a:defRPr>
+            </a:lvl6pPr>
+            <a:lvl7pPr marL="2743200" indent="0" algn="ctr" defTabSz="914400" rtl="0" eaLnBrk="1" latinLnBrk="0" hangingPunct="1">
+              <a:lnSpc>
+                <a:spcPct val="90000"/>
+              </a:lnSpc>
+              <a:spcBef>
+                <a:spcPts val="500"/>
+              </a:spcBef>
+              <a:buFont typeface="Arial" panose="020B0604020202020204" pitchFamily="34" charset="0"/>
+              <a:buNone/>
+              <a:defRPr sz="1600" kern="1200">
+                <a:solidFill>
+                  <a:schemeClr val="tx1"/>
+                </a:solidFill>
+                <a:latin typeface="+mn-lt"/>
+                <a:ea typeface="+mn-ea"/>
+                <a:cs typeface="+mn-cs"/>
+              </a:defRPr>
+            </a:lvl7pPr>
+            <a:lvl8pPr marL="3200400" indent="0" algn="ctr" defTabSz="914400" rtl="0" eaLnBrk="1" latinLnBrk="0" hangingPunct="1">
+              <a:lnSpc>
+                <a:spcPct val="90000"/>
+              </a:lnSpc>
+              <a:spcBef>
+                <a:spcPts val="500"/>
+              </a:spcBef>
+              <a:buFont typeface="Arial" panose="020B0604020202020204" pitchFamily="34" charset="0"/>
+              <a:buNone/>
+              <a:defRPr sz="1600" kern="1200">
+                <a:solidFill>
+                  <a:schemeClr val="tx1"/>
+                </a:solidFill>
+                <a:latin typeface="+mn-lt"/>
+                <a:ea typeface="+mn-ea"/>
+                <a:cs typeface="+mn-cs"/>
+              </a:defRPr>
+            </a:lvl8pPr>
+            <a:lvl9pPr marL="3657600" indent="0" algn="ctr" defTabSz="914400" rtl="0" eaLnBrk="1" latinLnBrk="0" hangingPunct="1">
+              <a:lnSpc>
+                <a:spcPct val="90000"/>
+              </a:lnSpc>
+              <a:spcBef>
+                <a:spcPts val="500"/>
+              </a:spcBef>
+              <a:buFont typeface="Arial" panose="020B0604020202020204" pitchFamily="34" charset="0"/>
+              <a:buNone/>
+              <a:defRPr sz="1600" kern="1200">
+                <a:solidFill>
+                  <a:schemeClr val="tx1"/>
+                </a:solidFill>
+                <a:latin typeface="+mn-lt"/>
+                <a:ea typeface="+mn-ea"/>
+                <a:cs typeface="+mn-cs"/>
+              </a:defRPr>
+            </a:lvl9pPr>
+          </a:lstStyle>
+          <a:p>
+            <a:pPr marL="457200" indent="-457200" algn="l">
+              <a:buFont typeface="Arial" panose="020B0604020202020204" pitchFamily="34" charset="0"/>
+              <a:buAutoNum type="arabicPeriod"/>
+            </a:pPr>
+            <a:r>
+              <a:rPr lang="pt-BR" sz="2800" dirty="0">
+                <a:solidFill>
+                  <a:srgbClr val="0070C0"/>
+                </a:solidFill>
+              </a:rPr>
+              <a:t>Clique no ícone de bloqueio de telas</a:t>
+            </a:r>
+          </a:p>
+          <a:p>
+            <a:pPr marL="457200" indent="-457200" algn="l">
+              <a:buFont typeface="Arial" panose="020B0604020202020204" pitchFamily="34" charset="0"/>
+              <a:buAutoNum type="arabicPeriod"/>
+            </a:pPr>
+            <a:r>
+              <a:rPr lang="pt-BR" sz="2800" dirty="0">
+                <a:solidFill>
+                  <a:srgbClr val="0070C0"/>
+                </a:solidFill>
+              </a:rPr>
+              <a:t>Clique em “Sempre permitir pop-ups...”.</a:t>
+            </a:r>
+          </a:p>
+          <a:p>
+            <a:pPr marL="457200" indent="-457200" algn="l">
+              <a:buFont typeface="Arial" panose="020B0604020202020204" pitchFamily="34" charset="0"/>
+              <a:buAutoNum type="arabicPeriod"/>
+            </a:pPr>
+            <a:r>
+              <a:rPr lang="pt-BR" sz="2800" dirty="0">
+                <a:solidFill>
+                  <a:srgbClr val="0070C0"/>
+                </a:solidFill>
+              </a:rPr>
+              <a:t>Clique em “Concluído”.</a:t>
+            </a:r>
+          </a:p>
+          <a:p>
+            <a:pPr marL="457200" indent="-457200" algn="l">
+              <a:buFont typeface="Arial" panose="020B0604020202020204" pitchFamily="34" charset="0"/>
+              <a:buAutoNum type="arabicPeriod"/>
+            </a:pPr>
+            <a:r>
+              <a:rPr lang="pt-BR" sz="2800" dirty="0">
+                <a:solidFill>
+                  <a:srgbClr val="0070C0"/>
+                </a:solidFill>
+              </a:rPr>
+              <a:t>Clique em atualizar página.</a:t>
+            </a:r>
+          </a:p>
+        </p:txBody>
+      </p:sp>
+      <p:sp>
+        <p:nvSpPr>
+          <p:cNvPr id="8" name="Seta: Curva para a Esquerda 7">
+            <a:extLst>
+              <a:ext uri="{FF2B5EF4-FFF2-40B4-BE49-F238E27FC236}">
+                <a16:creationId xmlns:a16="http://schemas.microsoft.com/office/drawing/2014/main" id="{861007C9-AE03-41A0-8CFB-3A225B8B1FFE}"/>
+              </a:ext>
+            </a:extLst>
+          </p:cNvPr>
+          <p:cNvSpPr/>
+          <p:nvPr/>
+        </p:nvSpPr>
+        <p:spPr>
+          <a:xfrm rot="18215005">
+            <a:off x="9399627" y="771161"/>
+            <a:ext cx="1164222" cy="2606495"/>
+          </a:xfrm>
+          <a:prstGeom prst="curvedLeftArrow">
+            <a:avLst/>
+          </a:prstGeom>
+          <a:solidFill>
+            <a:srgbClr val="FF0000"/>
+          </a:solidFill>
+        </p:spPr>
+        <p:style>
+          <a:lnRef idx="2">
+            <a:schemeClr val="accent1">
+              <a:shade val="50000"/>
+            </a:schemeClr>
+          </a:lnRef>
+          <a:fillRef idx="1">
+            <a:schemeClr val="accent1"/>
+          </a:fillRef>
+          <a:effectRef idx="0">
+            <a:schemeClr val="accent1"/>
+          </a:effectRef>
+          <a:fontRef idx="minor">
+            <a:schemeClr val="lt1"/>
+          </a:fontRef>
+        </p:style>
+        <p:txBody>
+          <a:bodyPr rtlCol="0" anchor="ctr"/>
+          <a:lstStyle/>
+          <a:p>
+            <a:pPr algn="ctr"/>
+            <a:endParaRPr lang="pt-BR">
+              <a:solidFill>
+                <a:schemeClr val="tx1"/>
+              </a:solidFill>
+            </a:endParaRPr>
+          </a:p>
+        </p:txBody>
+      </p:sp>
+      <p:sp>
+        <p:nvSpPr>
+          <p:cNvPr id="16" name="Elipse 15">
+            <a:extLst>
+              <a:ext uri="{FF2B5EF4-FFF2-40B4-BE49-F238E27FC236}">
+                <a16:creationId xmlns:a16="http://schemas.microsoft.com/office/drawing/2014/main" id="{D7991089-E4FA-4B6B-9D02-55CA89486622}"/>
+              </a:ext>
+            </a:extLst>
+          </p:cNvPr>
+          <p:cNvSpPr/>
+          <p:nvPr/>
+        </p:nvSpPr>
+        <p:spPr>
+          <a:xfrm>
+            <a:off x="9970841" y="2923989"/>
+            <a:ext cx="751840" cy="568960"/>
+          </a:xfrm>
+          <a:prstGeom prst="ellipse">
+            <a:avLst/>
+          </a:prstGeom>
+          <a:noFill/>
+          <a:ln w="28575">
+            <a:solidFill>
+              <a:srgbClr val="FF0000"/>
+            </a:solidFill>
+          </a:ln>
+        </p:spPr>
+        <p:style>
+          <a:lnRef idx="2">
+            <a:schemeClr val="accent1">
+              <a:shade val="50000"/>
+            </a:schemeClr>
+          </a:lnRef>
+          <a:fillRef idx="1">
+            <a:schemeClr val="accent1"/>
+          </a:fillRef>
+          <a:effectRef idx="0">
+            <a:schemeClr val="accent1"/>
+          </a:effectRef>
+          <a:fontRef idx="minor">
+            <a:schemeClr val="lt1"/>
+          </a:fontRef>
+        </p:style>
+        <p:txBody>
+          <a:bodyPr rtlCol="0" anchor="ctr"/>
+          <a:lstStyle/>
+          <a:p>
+            <a:pPr algn="ctr"/>
+            <a:endParaRPr lang="pt-BR"/>
+          </a:p>
+        </p:txBody>
+      </p:sp>
+      <p:sp>
+        <p:nvSpPr>
+          <p:cNvPr id="17" name="Elipse 16">
+            <a:extLst>
+              <a:ext uri="{FF2B5EF4-FFF2-40B4-BE49-F238E27FC236}">
+                <a16:creationId xmlns:a16="http://schemas.microsoft.com/office/drawing/2014/main" id="{7546F585-F8E9-4667-BBA9-879FCBC8C3EC}"/>
+              </a:ext>
+            </a:extLst>
+          </p:cNvPr>
+          <p:cNvSpPr/>
+          <p:nvPr/>
+        </p:nvSpPr>
+        <p:spPr>
+          <a:xfrm>
+            <a:off x="8044254" y="1882520"/>
+            <a:ext cx="751840" cy="568960"/>
+          </a:xfrm>
+          <a:prstGeom prst="ellipse">
+            <a:avLst/>
+          </a:prstGeom>
+          <a:noFill/>
+          <a:ln w="28575">
+            <a:solidFill>
+              <a:srgbClr val="FF0000"/>
+            </a:solidFill>
+          </a:ln>
+        </p:spPr>
+        <p:style>
+          <a:lnRef idx="2">
+            <a:schemeClr val="accent1">
+              <a:shade val="50000"/>
+            </a:schemeClr>
+          </a:lnRef>
+          <a:fillRef idx="1">
+            <a:schemeClr val="accent1"/>
+          </a:fillRef>
+          <a:effectRef idx="0">
+            <a:schemeClr val="accent1"/>
+          </a:effectRef>
+          <a:fontRef idx="minor">
+            <a:schemeClr val="lt1"/>
+          </a:fontRef>
+        </p:style>
+        <p:txBody>
+          <a:bodyPr rtlCol="0" anchor="ctr"/>
+          <a:lstStyle/>
+          <a:p>
+            <a:pPr algn="ctr"/>
+            <a:r>
+              <a:rPr lang="pt-BR" b="1" dirty="0">
+                <a:solidFill>
+                  <a:srgbClr val="FF0000"/>
+                </a:solidFill>
+              </a:rPr>
+              <a:t>1</a:t>
+            </a:r>
+          </a:p>
+        </p:txBody>
+      </p:sp>
+      <p:sp>
+        <p:nvSpPr>
+          <p:cNvPr id="18" name="Elipse 17">
+            <a:extLst>
+              <a:ext uri="{FF2B5EF4-FFF2-40B4-BE49-F238E27FC236}">
+                <a16:creationId xmlns:a16="http://schemas.microsoft.com/office/drawing/2014/main" id="{B8472303-1D29-4BF3-8E8D-325B609B1335}"/>
+              </a:ext>
+            </a:extLst>
+          </p:cNvPr>
+          <p:cNvSpPr/>
+          <p:nvPr/>
+        </p:nvSpPr>
+        <p:spPr>
+          <a:xfrm>
+            <a:off x="6101451" y="5532516"/>
+            <a:ext cx="751840" cy="568960"/>
+          </a:xfrm>
+          <a:prstGeom prst="ellipse">
+            <a:avLst/>
+          </a:prstGeom>
+          <a:noFill/>
+          <a:ln w="28575">
+            <a:solidFill>
+              <a:srgbClr val="FF0000"/>
+            </a:solidFill>
+          </a:ln>
+        </p:spPr>
+        <p:style>
+          <a:lnRef idx="2">
+            <a:schemeClr val="accent1">
+              <a:shade val="50000"/>
+            </a:schemeClr>
+          </a:lnRef>
+          <a:fillRef idx="1">
+            <a:schemeClr val="accent1"/>
+          </a:fillRef>
+          <a:effectRef idx="0">
+            <a:schemeClr val="accent1"/>
+          </a:effectRef>
+          <a:fontRef idx="minor">
+            <a:schemeClr val="lt1"/>
+          </a:fontRef>
+        </p:style>
+        <p:txBody>
+          <a:bodyPr rtlCol="0" anchor="ctr"/>
+          <a:lstStyle/>
+          <a:p>
+            <a:pPr algn="ctr"/>
+            <a:r>
+              <a:rPr lang="pt-BR" b="1" dirty="0">
+                <a:solidFill>
+                  <a:srgbClr val="FF0000"/>
+                </a:solidFill>
+              </a:rPr>
+              <a:t>2</a:t>
+            </a:r>
+          </a:p>
+        </p:txBody>
+      </p:sp>
+      <p:sp>
+        <p:nvSpPr>
+          <p:cNvPr id="19" name="Elipse 18">
+            <a:extLst>
+              <a:ext uri="{FF2B5EF4-FFF2-40B4-BE49-F238E27FC236}">
+                <a16:creationId xmlns:a16="http://schemas.microsoft.com/office/drawing/2014/main" id="{04FE720D-208E-4A1F-91B8-722AB6B3FB5A}"/>
+              </a:ext>
+            </a:extLst>
+          </p:cNvPr>
+          <p:cNvSpPr/>
+          <p:nvPr/>
+        </p:nvSpPr>
+        <p:spPr>
+          <a:xfrm>
+            <a:off x="10234252" y="4756410"/>
+            <a:ext cx="751840" cy="568960"/>
+          </a:xfrm>
+          <a:prstGeom prst="ellipse">
+            <a:avLst/>
+          </a:prstGeom>
+          <a:noFill/>
+          <a:ln w="28575">
+            <a:solidFill>
+              <a:srgbClr val="FF0000"/>
+            </a:solidFill>
+          </a:ln>
+        </p:spPr>
+        <p:style>
+          <a:lnRef idx="2">
+            <a:schemeClr val="accent1">
+              <a:shade val="50000"/>
+            </a:schemeClr>
+          </a:lnRef>
+          <a:fillRef idx="1">
+            <a:schemeClr val="accent1"/>
+          </a:fillRef>
+          <a:effectRef idx="0">
+            <a:schemeClr val="accent1"/>
+          </a:effectRef>
+          <a:fontRef idx="minor">
+            <a:schemeClr val="lt1"/>
+          </a:fontRef>
+        </p:style>
+        <p:txBody>
+          <a:bodyPr rtlCol="0" anchor="ctr"/>
+          <a:lstStyle/>
+          <a:p>
+            <a:pPr algn="ctr"/>
+            <a:r>
+              <a:rPr lang="pt-BR" b="1" dirty="0">
+                <a:solidFill>
+                  <a:srgbClr val="FF0000"/>
+                </a:solidFill>
+              </a:rPr>
+              <a:t>3</a:t>
+            </a:r>
+          </a:p>
+        </p:txBody>
+      </p:sp>
+      <p:sp>
+        <p:nvSpPr>
+          <p:cNvPr id="20" name="Elipse 19">
+            <a:extLst>
+              <a:ext uri="{FF2B5EF4-FFF2-40B4-BE49-F238E27FC236}">
+                <a16:creationId xmlns:a16="http://schemas.microsoft.com/office/drawing/2014/main" id="{C68C2029-3045-419F-BFD9-FA5C358D812F}"/>
+              </a:ext>
+            </a:extLst>
+          </p:cNvPr>
+          <p:cNvSpPr/>
+          <p:nvPr/>
+        </p:nvSpPr>
+        <p:spPr>
+          <a:xfrm>
+            <a:off x="5053924" y="4035693"/>
+            <a:ext cx="751840" cy="568960"/>
+          </a:xfrm>
+          <a:prstGeom prst="ellipse">
+            <a:avLst/>
+          </a:prstGeom>
+          <a:noFill/>
+          <a:ln w="28575">
+            <a:solidFill>
+              <a:srgbClr val="FF0000"/>
+            </a:solidFill>
+          </a:ln>
+        </p:spPr>
+        <p:style>
+          <a:lnRef idx="2">
+            <a:schemeClr val="accent1">
+              <a:shade val="50000"/>
+            </a:schemeClr>
+          </a:lnRef>
+          <a:fillRef idx="1">
+            <a:schemeClr val="accent1"/>
+          </a:fillRef>
+          <a:effectRef idx="0">
+            <a:schemeClr val="accent1"/>
+          </a:effectRef>
+          <a:fontRef idx="minor">
+            <a:schemeClr val="lt1"/>
+          </a:fontRef>
+        </p:style>
+        <p:txBody>
+          <a:bodyPr rtlCol="0" anchor="ctr"/>
+          <a:lstStyle/>
+          <a:p>
+            <a:pPr algn="ctr"/>
+            <a:r>
+              <a:rPr lang="pt-BR" b="1" dirty="0">
+                <a:solidFill>
+                  <a:srgbClr val="FF0000"/>
+                </a:solidFill>
+              </a:rPr>
+              <a:t>4</a:t>
+            </a:r>
+          </a:p>
+        </p:txBody>
+      </p:sp>
+      <p:sp>
+        <p:nvSpPr>
+          <p:cNvPr id="21" name="Seta: para a Direita 20">
+            <a:extLst>
+              <a:ext uri="{FF2B5EF4-FFF2-40B4-BE49-F238E27FC236}">
+                <a16:creationId xmlns:a16="http://schemas.microsoft.com/office/drawing/2014/main" id="{C7FF41A4-91A8-4180-BD20-3D02936CFA63}"/>
+              </a:ext>
+            </a:extLst>
+          </p:cNvPr>
+          <p:cNvSpPr/>
+          <p:nvPr/>
+        </p:nvSpPr>
+        <p:spPr>
+          <a:xfrm rot="19008016">
+            <a:off x="5621642" y="3565312"/>
+            <a:ext cx="1162879" cy="308113"/>
+          </a:xfrm>
+          <a:prstGeom prst="rightArrow">
+            <a:avLst/>
+          </a:prstGeom>
+          <a:solidFill>
+            <a:srgbClr val="FF0000"/>
+          </a:solidFill>
+        </p:spPr>
+        <p:style>
+          <a:lnRef idx="2">
+            <a:schemeClr val="accent1">
+              <a:shade val="50000"/>
+            </a:schemeClr>
+          </a:lnRef>
+          <a:fillRef idx="1">
+            <a:schemeClr val="accent1"/>
+          </a:fillRef>
+          <a:effectRef idx="0">
+            <a:schemeClr val="accent1"/>
+          </a:effectRef>
+          <a:fontRef idx="minor">
+            <a:schemeClr val="lt1"/>
+          </a:fontRef>
+        </p:style>
+        <p:txBody>
+          <a:bodyPr rtlCol="0" anchor="ctr"/>
+          <a:lstStyle/>
+          <a:p>
+            <a:pPr algn="ctr"/>
+            <a:endParaRPr lang="pt-BR"/>
+          </a:p>
+        </p:txBody>
+      </p:sp>
+      <p:sp>
+        <p:nvSpPr>
+          <p:cNvPr id="23" name="Subtítulo 2">
+            <a:extLst>
+              <a:ext uri="{FF2B5EF4-FFF2-40B4-BE49-F238E27FC236}">
+                <a16:creationId xmlns:a16="http://schemas.microsoft.com/office/drawing/2014/main" id="{764494C6-0634-4466-A790-DD642DCAA2A7}"/>
+              </a:ext>
+            </a:extLst>
+          </p:cNvPr>
+          <p:cNvSpPr txBox="1">
+            <a:spLocks/>
+          </p:cNvSpPr>
+          <p:nvPr/>
+        </p:nvSpPr>
+        <p:spPr>
+          <a:xfrm>
+            <a:off x="5701096" y="4204533"/>
+            <a:ext cx="2192322" cy="333591"/>
+          </a:xfrm>
+          <a:prstGeom prst="rect">
+            <a:avLst/>
+          </a:prstGeom>
+        </p:spPr>
+        <p:txBody>
+          <a:bodyPr vert="horz" lIns="91440" tIns="45720" rIns="91440" bIns="45720" rtlCol="0">
+            <a:normAutofit lnSpcReduction="10000"/>
+          </a:bodyPr>
+          <a:lstStyle>
+            <a:lvl1pPr marL="0" indent="0" algn="ctr" defTabSz="914400" rtl="0" eaLnBrk="1" latinLnBrk="0" hangingPunct="1">
+              <a:lnSpc>
+                <a:spcPct val="90000"/>
+              </a:lnSpc>
+              <a:spcBef>
+                <a:spcPts val="1000"/>
+              </a:spcBef>
+              <a:buFont typeface="Arial" panose="020B0604020202020204" pitchFamily="34" charset="0"/>
+              <a:buNone/>
+              <a:defRPr sz="2400" kern="1200">
+                <a:solidFill>
+                  <a:schemeClr val="tx1"/>
+                </a:solidFill>
+                <a:latin typeface="+mn-lt"/>
+                <a:ea typeface="+mn-ea"/>
+                <a:cs typeface="+mn-cs"/>
+              </a:defRPr>
+            </a:lvl1pPr>
+            <a:lvl2pPr marL="457200" indent="0" algn="ctr" defTabSz="914400" rtl="0" eaLnBrk="1" latinLnBrk="0" hangingPunct="1">
+              <a:lnSpc>
+                <a:spcPct val="90000"/>
+              </a:lnSpc>
+              <a:spcBef>
+                <a:spcPts val="500"/>
+              </a:spcBef>
+              <a:buFont typeface="Arial" panose="020B0604020202020204" pitchFamily="34" charset="0"/>
+              <a:buNone/>
+              <a:defRPr sz="2000" kern="1200">
+                <a:solidFill>
+                  <a:schemeClr val="tx1"/>
+                </a:solidFill>
+                <a:latin typeface="+mn-lt"/>
+                <a:ea typeface="+mn-ea"/>
+                <a:cs typeface="+mn-cs"/>
+              </a:defRPr>
+            </a:lvl2pPr>
+            <a:lvl3pPr marL="914400" indent="0" algn="ctr" defTabSz="914400" rtl="0" eaLnBrk="1" latinLnBrk="0" hangingPunct="1">
+              <a:lnSpc>
+                <a:spcPct val="90000"/>
+              </a:lnSpc>
+              <a:spcBef>
+                <a:spcPts val="500"/>
+              </a:spcBef>
+              <a:buFont typeface="Arial" panose="020B0604020202020204" pitchFamily="34" charset="0"/>
+              <a:buNone/>
+              <a:defRPr sz="1800" kern="1200">
+                <a:solidFill>
+                  <a:schemeClr val="tx1"/>
+                </a:solidFill>
+                <a:latin typeface="+mn-lt"/>
+                <a:ea typeface="+mn-ea"/>
+                <a:cs typeface="+mn-cs"/>
+              </a:defRPr>
+            </a:lvl3pPr>
+            <a:lvl4pPr marL="1371600" indent="0" algn="ctr" defTabSz="914400" rtl="0" eaLnBrk="1" latinLnBrk="0" hangingPunct="1">
+              <a:lnSpc>
+                <a:spcPct val="90000"/>
+              </a:lnSpc>
+              <a:spcBef>
+                <a:spcPts val="500"/>
+              </a:spcBef>
+              <a:buFont typeface="Arial" panose="020B0604020202020204" pitchFamily="34" charset="0"/>
+              <a:buNone/>
+              <a:defRPr sz="1600" kern="1200">
+                <a:solidFill>
+                  <a:schemeClr val="tx1"/>
+                </a:solidFill>
+                <a:latin typeface="+mn-lt"/>
+                <a:ea typeface="+mn-ea"/>
+                <a:cs typeface="+mn-cs"/>
+              </a:defRPr>
+            </a:lvl4pPr>
+            <a:lvl5pPr marL="1828800" indent="0" algn="ctr" defTabSz="914400" rtl="0" eaLnBrk="1" latinLnBrk="0" hangingPunct="1">
+              <a:lnSpc>
+                <a:spcPct val="90000"/>
+              </a:lnSpc>
+              <a:spcBef>
+                <a:spcPts val="500"/>
+              </a:spcBef>
+              <a:buFont typeface="Arial" panose="020B0604020202020204" pitchFamily="34" charset="0"/>
+              <a:buNone/>
+              <a:defRPr sz="1600" kern="1200">
+                <a:solidFill>
+                  <a:schemeClr val="tx1"/>
+                </a:solidFill>
+                <a:latin typeface="+mn-lt"/>
+                <a:ea typeface="+mn-ea"/>
+                <a:cs typeface="+mn-cs"/>
+              </a:defRPr>
+            </a:lvl5pPr>
+            <a:lvl6pPr marL="2286000" indent="0" algn="ctr" defTabSz="914400" rtl="0" eaLnBrk="1" latinLnBrk="0" hangingPunct="1">
+              <a:lnSpc>
+                <a:spcPct val="90000"/>
+              </a:lnSpc>
+              <a:spcBef>
+                <a:spcPts val="500"/>
+              </a:spcBef>
+              <a:buFont typeface="Arial" panose="020B0604020202020204" pitchFamily="34" charset="0"/>
+              <a:buNone/>
+              <a:defRPr sz="1600" kern="1200">
+                <a:solidFill>
+                  <a:schemeClr val="tx1"/>
+                </a:solidFill>
+                <a:latin typeface="+mn-lt"/>
+                <a:ea typeface="+mn-ea"/>
+                <a:cs typeface="+mn-cs"/>
+              </a:defRPr>
+            </a:lvl6pPr>
+            <a:lvl7pPr marL="2743200" indent="0" algn="ctr" defTabSz="914400" rtl="0" eaLnBrk="1" latinLnBrk="0" hangingPunct="1">
+              <a:lnSpc>
+                <a:spcPct val="90000"/>
+              </a:lnSpc>
+              <a:spcBef>
+                <a:spcPts val="500"/>
+              </a:spcBef>
+              <a:buFont typeface="Arial" panose="020B0604020202020204" pitchFamily="34" charset="0"/>
+              <a:buNone/>
+              <a:defRPr sz="1600" kern="1200">
+                <a:solidFill>
+                  <a:schemeClr val="tx1"/>
+                </a:solidFill>
+                <a:latin typeface="+mn-lt"/>
+                <a:ea typeface="+mn-ea"/>
+                <a:cs typeface="+mn-cs"/>
+              </a:defRPr>
+            </a:lvl7pPr>
+            <a:lvl8pPr marL="3200400" indent="0" algn="ctr" defTabSz="914400" rtl="0" eaLnBrk="1" latinLnBrk="0" hangingPunct="1">
+              <a:lnSpc>
+                <a:spcPct val="90000"/>
+              </a:lnSpc>
+              <a:spcBef>
+                <a:spcPts val="500"/>
+              </a:spcBef>
+              <a:buFont typeface="Arial" panose="020B0604020202020204" pitchFamily="34" charset="0"/>
+              <a:buNone/>
+              <a:defRPr sz="1600" kern="1200">
+                <a:solidFill>
+                  <a:schemeClr val="tx1"/>
+                </a:solidFill>
+                <a:latin typeface="+mn-lt"/>
+                <a:ea typeface="+mn-ea"/>
+                <a:cs typeface="+mn-cs"/>
+              </a:defRPr>
+            </a:lvl8pPr>
+            <a:lvl9pPr marL="3657600" indent="0" algn="ctr" defTabSz="914400" rtl="0" eaLnBrk="1" latinLnBrk="0" hangingPunct="1">
+              <a:lnSpc>
+                <a:spcPct val="90000"/>
+              </a:lnSpc>
+              <a:spcBef>
+                <a:spcPts val="500"/>
+              </a:spcBef>
+              <a:buFont typeface="Arial" panose="020B0604020202020204" pitchFamily="34" charset="0"/>
+              <a:buNone/>
+              <a:defRPr sz="1600" kern="1200">
+                <a:solidFill>
+                  <a:schemeClr val="tx1"/>
+                </a:solidFill>
+                <a:latin typeface="+mn-lt"/>
+                <a:ea typeface="+mn-ea"/>
+                <a:cs typeface="+mn-cs"/>
+              </a:defRPr>
+            </a:lvl9pPr>
+          </a:lstStyle>
+          <a:p>
+            <a:r>
+              <a:rPr lang="pt-BR" sz="1800" dirty="0">
+                <a:solidFill>
+                  <a:srgbClr val="FF0000"/>
+                </a:solidFill>
+              </a:rPr>
+              <a:t>Clique em atualizar</a:t>
+            </a:r>
+          </a:p>
+        </p:txBody>
+      </p:sp>
+      <p:sp>
+        <p:nvSpPr>
+          <p:cNvPr id="14" name="Seta: para a Direita 13">
+            <a:extLst>
+              <a:ext uri="{FF2B5EF4-FFF2-40B4-BE49-F238E27FC236}">
+                <a16:creationId xmlns:a16="http://schemas.microsoft.com/office/drawing/2014/main" id="{3F6C82DF-7D5F-4D72-9B7A-0449AFB0AE34}"/>
+              </a:ext>
+            </a:extLst>
+          </p:cNvPr>
+          <p:cNvSpPr/>
+          <p:nvPr/>
+        </p:nvSpPr>
+        <p:spPr>
+          <a:xfrm rot="18898284">
+            <a:off x="6654516" y="5055103"/>
+            <a:ext cx="1162879" cy="308113"/>
+          </a:xfrm>
+          <a:prstGeom prst="rightArrow">
+            <a:avLst/>
+          </a:prstGeom>
+          <a:solidFill>
+            <a:srgbClr val="FF0000"/>
+          </a:solidFill>
+        </p:spPr>
+        <p:style>
+          <a:lnRef idx="2">
+            <a:schemeClr val="accent1">
+              <a:shade val="50000"/>
+            </a:schemeClr>
+          </a:lnRef>
+          <a:fillRef idx="1">
+            <a:schemeClr val="accent1"/>
+          </a:fillRef>
+          <a:effectRef idx="0">
+            <a:schemeClr val="accent1"/>
+          </a:effectRef>
+          <a:fontRef idx="minor">
+            <a:schemeClr val="lt1"/>
+          </a:fontRef>
+        </p:style>
+        <p:txBody>
+          <a:bodyPr rtlCol="0" anchor="ctr"/>
+          <a:lstStyle/>
+          <a:p>
+            <a:pPr algn="ctr"/>
+            <a:endParaRPr lang="pt-BR"/>
+          </a:p>
+        </p:txBody>
+      </p:sp>
+      <p:sp>
+        <p:nvSpPr>
+          <p:cNvPr id="22" name="Seta: para a Direita 21">
+            <a:extLst>
+              <a:ext uri="{FF2B5EF4-FFF2-40B4-BE49-F238E27FC236}">
+                <a16:creationId xmlns:a16="http://schemas.microsoft.com/office/drawing/2014/main" id="{438DA6BC-2B47-4F70-B24D-30AB0C83794E}"/>
+              </a:ext>
+            </a:extLst>
+          </p:cNvPr>
+          <p:cNvSpPr/>
+          <p:nvPr/>
+        </p:nvSpPr>
+        <p:spPr>
+          <a:xfrm rot="5400000">
+            <a:off x="10470979" y="5343886"/>
+            <a:ext cx="278385" cy="308113"/>
+          </a:xfrm>
+          <a:prstGeom prst="rightArrow">
+            <a:avLst/>
+          </a:prstGeom>
+          <a:solidFill>
+            <a:srgbClr val="FF0000"/>
+          </a:solidFill>
+        </p:spPr>
+        <p:style>
+          <a:lnRef idx="2">
+            <a:schemeClr val="accent1">
+              <a:shade val="50000"/>
+            </a:schemeClr>
+          </a:lnRef>
+          <a:fillRef idx="1">
+            <a:schemeClr val="accent1"/>
+          </a:fillRef>
+          <a:effectRef idx="0">
+            <a:schemeClr val="accent1"/>
+          </a:effectRef>
+          <a:fontRef idx="minor">
+            <a:schemeClr val="lt1"/>
+          </a:fontRef>
+        </p:style>
+        <p:txBody>
+          <a:bodyPr rtlCol="0" anchor="ctr"/>
+          <a:lstStyle/>
+          <a:p>
+            <a:pPr algn="ctr"/>
+            <a:endParaRPr lang="pt-BR"/>
+          </a:p>
+        </p:txBody>
+      </p:sp>
+      <p:sp>
+        <p:nvSpPr>
+          <p:cNvPr id="24" name="Elipse 23">
+            <a:extLst>
+              <a:ext uri="{FF2B5EF4-FFF2-40B4-BE49-F238E27FC236}">
+                <a16:creationId xmlns:a16="http://schemas.microsoft.com/office/drawing/2014/main" id="{084C11E3-98EA-2C8E-0B3C-13EEE4A8B96B}"/>
+              </a:ext>
+            </a:extLst>
+          </p:cNvPr>
+          <p:cNvSpPr/>
+          <p:nvPr/>
+        </p:nvSpPr>
+        <p:spPr>
+          <a:xfrm>
+            <a:off x="6286388" y="2894428"/>
+            <a:ext cx="827024" cy="688443"/>
+          </a:xfrm>
+          <a:prstGeom prst="ellipse">
+            <a:avLst/>
+          </a:prstGeom>
+          <a:noFill/>
+          <a:ln w="28575">
+            <a:solidFill>
+              <a:srgbClr val="FF0000"/>
+            </a:solidFill>
+          </a:ln>
+        </p:spPr>
+        <p:style>
+          <a:lnRef idx="2">
+            <a:schemeClr val="accent1">
+              <a:shade val="50000"/>
+            </a:schemeClr>
+          </a:lnRef>
+          <a:fillRef idx="1">
+            <a:schemeClr val="accent1"/>
+          </a:fillRef>
+          <a:effectRef idx="0">
+            <a:schemeClr val="accent1"/>
+          </a:effectRef>
+          <a:fontRef idx="minor">
+            <a:schemeClr val="lt1"/>
+          </a:fontRef>
+        </p:style>
+        <p:txBody>
+          <a:bodyPr rtlCol="0" anchor="ctr"/>
+          <a:lstStyle/>
+          <a:p>
+            <a:pPr algn="ctr"/>
+            <a:endParaRPr lang="pt-BR"/>
+          </a:p>
+        </p:txBody>
+      </p:sp>
+    </p:spTree>
+    <p:extLst>
+      <p:ext uri="{BB962C8B-B14F-4D97-AF65-F5344CB8AC3E}">
+        <p14:creationId xmlns:p14="http://schemas.microsoft.com/office/powerpoint/2010/main" val="2972816195"/>
+      </p:ext>
+    </p:extLst>
+  </p:cSld>
+  <p:clrMapOvr>
+    <a:masterClrMapping/>
+  </p:clrMapOvr>
+</p:sld>
+</file>
+
+<file path=ppt/slides/slide4.xml><?xml version="1.0" encoding="utf-8"?>
+<p:sld xmlns:a="http://schemas.openxmlformats.org/drawingml/2006/main" xmlns:r="http://schemas.openxmlformats.org/officeDocument/2006/relationships" xmlns:p="http://schemas.openxmlformats.org/presentationml/2006/main">
+  <p:cSld>
+    <p:spTree>
+      <p:nvGrpSpPr>
+        <p:cNvPr id="1" name=""/>
+        <p:cNvGrpSpPr/>
+        <p:nvPr/>
+      </p:nvGrpSpPr>
+      <p:grpSpPr>
+        <a:xfrm>
+          <a:off x="0" y="0"/>
+          <a:ext cx="0" cy="0"/>
+          <a:chOff x="0" y="0"/>
+          <a:chExt cx="0" cy="0"/>
+        </a:xfrm>
+      </p:grpSpPr>
+      <p:pic>
+        <p:nvPicPr>
+          <p:cNvPr id="8" name="Imagem 7">
+            <a:extLst>
+              <a:ext uri="{FF2B5EF4-FFF2-40B4-BE49-F238E27FC236}">
+                <a16:creationId xmlns:a16="http://schemas.microsoft.com/office/drawing/2014/main" id="{8E7A117D-AC79-72AC-0570-CB7C0F0DBE25}"/>
+              </a:ext>
+            </a:extLst>
+          </p:cNvPr>
+          <p:cNvPicPr>
+            <a:picLocks noChangeAspect="1"/>
+          </p:cNvPicPr>
+          <p:nvPr/>
+        </p:nvPicPr>
+        <p:blipFill>
+          <a:blip r:embed="rId2"/>
+          <a:stretch>
+            <a:fillRect/>
+          </a:stretch>
+        </p:blipFill>
+        <p:spPr>
+          <a:xfrm>
+            <a:off x="2538412" y="1859892"/>
+            <a:ext cx="7115175" cy="4886325"/>
+          </a:xfrm>
+          <a:prstGeom prst="rect">
+            <a:avLst/>
+          </a:prstGeom>
+        </p:spPr>
+      </p:pic>
+      <p:sp>
+        <p:nvSpPr>
+          <p:cNvPr id="2" name="Título 1">
+            <a:extLst>
+              <a:ext uri="{FF2B5EF4-FFF2-40B4-BE49-F238E27FC236}">
+                <a16:creationId xmlns:a16="http://schemas.microsoft.com/office/drawing/2014/main" id="{2009FA45-A433-40F5-B779-C73FCEFAB943}"/>
+              </a:ext>
+            </a:extLst>
+          </p:cNvPr>
+          <p:cNvSpPr>
+            <a:spLocks noGrp="1"/>
+          </p:cNvSpPr>
+          <p:nvPr>
+            <p:ph type="ctrTitle"/>
+          </p:nvPr>
+        </p:nvSpPr>
+        <p:spPr>
+          <a:xfrm>
+            <a:off x="0" y="0"/>
+            <a:ext cx="12192000" cy="886265"/>
+          </a:xfrm>
+        </p:spPr>
+        <p:txBody>
+          <a:bodyPr>
+            <a:normAutofit fontScale="90000"/>
+          </a:bodyPr>
+          <a:lstStyle/>
+          <a:p>
+            <a:r>
+              <a:rPr lang="pt-BR" dirty="0">
+                <a:solidFill>
+                  <a:srgbClr val="0070C0"/>
+                </a:solidFill>
+              </a:rPr>
+              <a:t>Primeira Configuração</a:t>
+            </a:r>
+          </a:p>
+        </p:txBody>
+      </p:sp>
+      <p:pic>
+        <p:nvPicPr>
+          <p:cNvPr id="10" name="Imagem 9">
+            <a:extLst>
+              <a:ext uri="{FF2B5EF4-FFF2-40B4-BE49-F238E27FC236}">
+                <a16:creationId xmlns:a16="http://schemas.microsoft.com/office/drawing/2014/main" id="{5DC1F3F6-D8F9-45D7-AF30-7F7F4BD88755}"/>
+              </a:ext>
+            </a:extLst>
+          </p:cNvPr>
+          <p:cNvPicPr>
+            <a:picLocks noChangeAspect="1"/>
+          </p:cNvPicPr>
+          <p:nvPr/>
+        </p:nvPicPr>
+        <p:blipFill>
+          <a:blip r:embed="rId3"/>
+          <a:stretch>
+            <a:fillRect/>
+          </a:stretch>
+        </p:blipFill>
+        <p:spPr>
+          <a:xfrm>
+            <a:off x="10654176" y="7830"/>
+            <a:ext cx="1486758" cy="265081"/>
+          </a:xfrm>
+          <a:prstGeom prst="rect">
+            <a:avLst/>
+          </a:prstGeom>
+        </p:spPr>
+      </p:pic>
+      <p:sp>
+        <p:nvSpPr>
+          <p:cNvPr id="13" name="Subtítulo 2">
+            <a:extLst>
+              <a:ext uri="{FF2B5EF4-FFF2-40B4-BE49-F238E27FC236}">
+                <a16:creationId xmlns:a16="http://schemas.microsoft.com/office/drawing/2014/main" id="{C4079966-AFFE-4305-B3D8-C80DCD152262}"/>
+              </a:ext>
+            </a:extLst>
+          </p:cNvPr>
+          <p:cNvSpPr txBox="1">
+            <a:spLocks/>
+          </p:cNvSpPr>
+          <p:nvPr/>
+        </p:nvSpPr>
+        <p:spPr>
+          <a:xfrm>
+            <a:off x="207172" y="893398"/>
+            <a:ext cx="10541133" cy="966494"/>
+          </a:xfrm>
+          <a:prstGeom prst="rect">
+            <a:avLst/>
+          </a:prstGeom>
+        </p:spPr>
+        <p:txBody>
+          <a:bodyPr vert="horz" lIns="91440" tIns="45720" rIns="91440" bIns="45720" rtlCol="0">
+            <a:normAutofit/>
+          </a:bodyPr>
+          <a:lstStyle>
+            <a:lvl1pPr marL="0" indent="0" algn="ctr" defTabSz="914400" rtl="0" eaLnBrk="1" latinLnBrk="0" hangingPunct="1">
+              <a:lnSpc>
+                <a:spcPct val="90000"/>
+              </a:lnSpc>
+              <a:spcBef>
+                <a:spcPts val="1000"/>
+              </a:spcBef>
+              <a:buFont typeface="Arial" panose="020B0604020202020204" pitchFamily="34" charset="0"/>
+              <a:buNone/>
+              <a:defRPr sz="2400" kern="1200">
+                <a:solidFill>
+                  <a:schemeClr val="tx1"/>
+                </a:solidFill>
+                <a:latin typeface="+mn-lt"/>
+                <a:ea typeface="+mn-ea"/>
+                <a:cs typeface="+mn-cs"/>
+              </a:defRPr>
+            </a:lvl1pPr>
+            <a:lvl2pPr marL="457200" indent="0" algn="ctr" defTabSz="914400" rtl="0" eaLnBrk="1" latinLnBrk="0" hangingPunct="1">
+              <a:lnSpc>
+                <a:spcPct val="90000"/>
+              </a:lnSpc>
+              <a:spcBef>
+                <a:spcPts val="500"/>
+              </a:spcBef>
+              <a:buFont typeface="Arial" panose="020B0604020202020204" pitchFamily="34" charset="0"/>
+              <a:buNone/>
+              <a:defRPr sz="2000" kern="1200">
+                <a:solidFill>
+                  <a:schemeClr val="tx1"/>
+                </a:solidFill>
+                <a:latin typeface="+mn-lt"/>
+                <a:ea typeface="+mn-ea"/>
+                <a:cs typeface="+mn-cs"/>
+              </a:defRPr>
+            </a:lvl2pPr>
+            <a:lvl3pPr marL="914400" indent="0" algn="ctr" defTabSz="914400" rtl="0" eaLnBrk="1" latinLnBrk="0" hangingPunct="1">
+              <a:lnSpc>
+                <a:spcPct val="90000"/>
+              </a:lnSpc>
+              <a:spcBef>
+                <a:spcPts val="500"/>
+              </a:spcBef>
+              <a:buFont typeface="Arial" panose="020B0604020202020204" pitchFamily="34" charset="0"/>
+              <a:buNone/>
+              <a:defRPr sz="1800" kern="1200">
+                <a:solidFill>
+                  <a:schemeClr val="tx1"/>
+                </a:solidFill>
+                <a:latin typeface="+mn-lt"/>
+                <a:ea typeface="+mn-ea"/>
+                <a:cs typeface="+mn-cs"/>
+              </a:defRPr>
+            </a:lvl3pPr>
+            <a:lvl4pPr marL="1371600" indent="0" algn="ctr" defTabSz="914400" rtl="0" eaLnBrk="1" latinLnBrk="0" hangingPunct="1">
+              <a:lnSpc>
+                <a:spcPct val="90000"/>
+              </a:lnSpc>
+              <a:spcBef>
+                <a:spcPts val="500"/>
+              </a:spcBef>
+              <a:buFont typeface="Arial" panose="020B0604020202020204" pitchFamily="34" charset="0"/>
+              <a:buNone/>
+              <a:defRPr sz="1600" kern="1200">
+                <a:solidFill>
+                  <a:schemeClr val="tx1"/>
+                </a:solidFill>
+                <a:latin typeface="+mn-lt"/>
+                <a:ea typeface="+mn-ea"/>
+                <a:cs typeface="+mn-cs"/>
+              </a:defRPr>
+            </a:lvl4pPr>
+            <a:lvl5pPr marL="1828800" indent="0" algn="ctr" defTabSz="914400" rtl="0" eaLnBrk="1" latinLnBrk="0" hangingPunct="1">
+              <a:lnSpc>
+                <a:spcPct val="90000"/>
+              </a:lnSpc>
+              <a:spcBef>
+                <a:spcPts val="500"/>
+              </a:spcBef>
+              <a:buFont typeface="Arial" panose="020B0604020202020204" pitchFamily="34" charset="0"/>
+              <a:buNone/>
+              <a:defRPr sz="1600" kern="1200">
+                <a:solidFill>
+                  <a:schemeClr val="tx1"/>
+                </a:solidFill>
+                <a:latin typeface="+mn-lt"/>
+                <a:ea typeface="+mn-ea"/>
+                <a:cs typeface="+mn-cs"/>
+              </a:defRPr>
+            </a:lvl5pPr>
+            <a:lvl6pPr marL="2286000" indent="0" algn="ctr" defTabSz="914400" rtl="0" eaLnBrk="1" latinLnBrk="0" hangingPunct="1">
+              <a:lnSpc>
+                <a:spcPct val="90000"/>
+              </a:lnSpc>
+              <a:spcBef>
+                <a:spcPts val="500"/>
+              </a:spcBef>
+              <a:buFont typeface="Arial" panose="020B0604020202020204" pitchFamily="34" charset="0"/>
+              <a:buNone/>
+              <a:defRPr sz="1600" kern="1200">
+                <a:solidFill>
+                  <a:schemeClr val="tx1"/>
+                </a:solidFill>
+                <a:latin typeface="+mn-lt"/>
+                <a:ea typeface="+mn-ea"/>
+                <a:cs typeface="+mn-cs"/>
+              </a:defRPr>
+            </a:lvl6pPr>
+            <a:lvl7pPr marL="2743200" indent="0" algn="ctr" defTabSz="914400" rtl="0" eaLnBrk="1" latinLnBrk="0" hangingPunct="1">
+              <a:lnSpc>
+                <a:spcPct val="90000"/>
+              </a:lnSpc>
+              <a:spcBef>
+                <a:spcPts val="500"/>
+              </a:spcBef>
+              <a:buFont typeface="Arial" panose="020B0604020202020204" pitchFamily="34" charset="0"/>
+              <a:buNone/>
+              <a:defRPr sz="1600" kern="1200">
+                <a:solidFill>
+                  <a:schemeClr val="tx1"/>
+                </a:solidFill>
+                <a:latin typeface="+mn-lt"/>
+                <a:ea typeface="+mn-ea"/>
+                <a:cs typeface="+mn-cs"/>
+              </a:defRPr>
+            </a:lvl7pPr>
+            <a:lvl8pPr marL="3200400" indent="0" algn="ctr" defTabSz="914400" rtl="0" eaLnBrk="1" latinLnBrk="0" hangingPunct="1">
+              <a:lnSpc>
+                <a:spcPct val="90000"/>
+              </a:lnSpc>
+              <a:spcBef>
+                <a:spcPts val="500"/>
+              </a:spcBef>
+              <a:buFont typeface="Arial" panose="020B0604020202020204" pitchFamily="34" charset="0"/>
+              <a:buNone/>
+              <a:defRPr sz="1600" kern="1200">
+                <a:solidFill>
+                  <a:schemeClr val="tx1"/>
+                </a:solidFill>
+                <a:latin typeface="+mn-lt"/>
+                <a:ea typeface="+mn-ea"/>
+                <a:cs typeface="+mn-cs"/>
+              </a:defRPr>
+            </a:lvl8pPr>
+            <a:lvl9pPr marL="3657600" indent="0" algn="ctr" defTabSz="914400" rtl="0" eaLnBrk="1" latinLnBrk="0" hangingPunct="1">
+              <a:lnSpc>
+                <a:spcPct val="90000"/>
+              </a:lnSpc>
+              <a:spcBef>
+                <a:spcPts val="500"/>
+              </a:spcBef>
+              <a:buFont typeface="Arial" panose="020B0604020202020204" pitchFamily="34" charset="0"/>
+              <a:buNone/>
+              <a:defRPr sz="1600" kern="1200">
+                <a:solidFill>
+                  <a:schemeClr val="tx1"/>
+                </a:solidFill>
+                <a:latin typeface="+mn-lt"/>
+                <a:ea typeface="+mn-ea"/>
+                <a:cs typeface="+mn-cs"/>
+              </a:defRPr>
+            </a:lvl9pPr>
+          </a:lstStyle>
+          <a:p>
+            <a:pPr marL="457200" indent="-457200" algn="l">
+              <a:buFont typeface="Arial" panose="020B0604020202020204" pitchFamily="34" charset="0"/>
+              <a:buAutoNum type="arabicPeriod"/>
+            </a:pPr>
+            <a:r>
+              <a:rPr lang="pt-BR" sz="2800" dirty="0">
+                <a:solidFill>
+                  <a:srgbClr val="0070C0"/>
+                </a:solidFill>
+              </a:rPr>
+              <a:t>Clique em “Configurar </a:t>
+            </a:r>
+            <a:r>
+              <a:rPr lang="pt-BR" sz="2800" dirty="0" err="1">
+                <a:solidFill>
+                  <a:srgbClr val="0070C0"/>
+                </a:solidFill>
+              </a:rPr>
+              <a:t>DataShow</a:t>
+            </a:r>
+            <a:r>
+              <a:rPr lang="pt-BR" sz="2800" dirty="0">
+                <a:solidFill>
+                  <a:srgbClr val="0070C0"/>
+                </a:solidFill>
+              </a:rPr>
+              <a:t>...”</a:t>
+            </a:r>
+            <a:endParaRPr lang="pt-BR" sz="2800" b="1" u="sng" dirty="0">
+              <a:solidFill>
+                <a:srgbClr val="0070C0"/>
+              </a:solidFill>
+            </a:endParaRPr>
+          </a:p>
+        </p:txBody>
+      </p:sp>
+      <p:grpSp>
+        <p:nvGrpSpPr>
+          <p:cNvPr id="14" name="Agrupar 13">
+            <a:extLst>
+              <a:ext uri="{FF2B5EF4-FFF2-40B4-BE49-F238E27FC236}">
+                <a16:creationId xmlns:a16="http://schemas.microsoft.com/office/drawing/2014/main" id="{E168CCB5-3F07-3734-0430-D7A7E2557343}"/>
+              </a:ext>
+            </a:extLst>
+          </p:cNvPr>
+          <p:cNvGrpSpPr/>
+          <p:nvPr/>
+        </p:nvGrpSpPr>
+        <p:grpSpPr>
+          <a:xfrm>
+            <a:off x="2784092" y="5471376"/>
+            <a:ext cx="5571938" cy="1179960"/>
+            <a:chOff x="2784092" y="5471376"/>
+            <a:chExt cx="5571938" cy="1179960"/>
+          </a:xfrm>
+        </p:grpSpPr>
+        <p:sp>
+          <p:nvSpPr>
+            <p:cNvPr id="20" name="Elipse 19">
+              <a:extLst>
+                <a:ext uri="{FF2B5EF4-FFF2-40B4-BE49-F238E27FC236}">
+                  <a16:creationId xmlns:a16="http://schemas.microsoft.com/office/drawing/2014/main" id="{C127159D-3178-55B2-E063-34D87240D76C}"/>
+                </a:ext>
+              </a:extLst>
+            </p:cNvPr>
+            <p:cNvSpPr/>
+            <p:nvPr/>
+          </p:nvSpPr>
+          <p:spPr>
+            <a:xfrm>
+              <a:off x="3931706" y="5949970"/>
+              <a:ext cx="4424324" cy="701366"/>
+            </a:xfrm>
+            <a:prstGeom prst="ellipse">
+              <a:avLst/>
+            </a:prstGeom>
+            <a:noFill/>
+            <a:ln w="28575">
+              <a:solidFill>
+                <a:srgbClr val="FF0000"/>
+              </a:solidFill>
+            </a:ln>
+          </p:spPr>
+          <p:style>
+            <a:lnRef idx="2">
+              <a:schemeClr val="accent1">
+                <a:shade val="50000"/>
+              </a:schemeClr>
+            </a:lnRef>
+            <a:fillRef idx="1">
+              <a:schemeClr val="accent1"/>
+            </a:fillRef>
+            <a:effectRef idx="0">
+              <a:schemeClr val="accent1"/>
+            </a:effectRef>
+            <a:fontRef idx="minor">
+              <a:schemeClr val="lt1"/>
+            </a:fontRef>
+          </p:style>
+          <p:txBody>
+            <a:bodyPr rtlCol="0" anchor="ctr"/>
+            <a:lstStyle/>
+            <a:p>
+              <a:pPr algn="ctr"/>
+              <a:endParaRPr lang="pt-BR"/>
+            </a:p>
+          </p:txBody>
+        </p:sp>
+        <p:sp>
+          <p:nvSpPr>
+            <p:cNvPr id="21" name="Elipse 20">
+              <a:extLst>
+                <a:ext uri="{FF2B5EF4-FFF2-40B4-BE49-F238E27FC236}">
+                  <a16:creationId xmlns:a16="http://schemas.microsoft.com/office/drawing/2014/main" id="{07906658-EB3E-774A-1DDC-234DBBDA4513}"/>
+                </a:ext>
+              </a:extLst>
+            </p:cNvPr>
+            <p:cNvSpPr/>
+            <p:nvPr/>
+          </p:nvSpPr>
+          <p:spPr>
+            <a:xfrm>
+              <a:off x="2784092" y="5471376"/>
+              <a:ext cx="751840" cy="568960"/>
+            </a:xfrm>
+            <a:prstGeom prst="ellipse">
+              <a:avLst/>
+            </a:prstGeom>
+            <a:noFill/>
+            <a:ln w="28575">
+              <a:solidFill>
+                <a:srgbClr val="FF0000"/>
+              </a:solidFill>
+            </a:ln>
+          </p:spPr>
+          <p:style>
+            <a:lnRef idx="2">
+              <a:schemeClr val="accent1">
+                <a:shade val="50000"/>
+              </a:schemeClr>
+            </a:lnRef>
+            <a:fillRef idx="1">
+              <a:schemeClr val="accent1"/>
+            </a:fillRef>
+            <a:effectRef idx="0">
+              <a:schemeClr val="accent1"/>
+            </a:effectRef>
+            <a:fontRef idx="minor">
+              <a:schemeClr val="lt1"/>
+            </a:fontRef>
+          </p:style>
+          <p:txBody>
+            <a:bodyPr rtlCol="0" anchor="ctr"/>
+            <a:lstStyle/>
+            <a:p>
+              <a:pPr algn="ctr"/>
+              <a:r>
+                <a:rPr lang="pt-BR" b="1" dirty="0">
+                  <a:solidFill>
+                    <a:srgbClr val="FF0000"/>
+                  </a:solidFill>
+                </a:rPr>
+                <a:t>1</a:t>
+              </a:r>
+            </a:p>
+          </p:txBody>
+        </p:sp>
+        <p:sp>
+          <p:nvSpPr>
+            <p:cNvPr id="22" name="Seta: para a Direita 21">
+              <a:extLst>
+                <a:ext uri="{FF2B5EF4-FFF2-40B4-BE49-F238E27FC236}">
+                  <a16:creationId xmlns:a16="http://schemas.microsoft.com/office/drawing/2014/main" id="{B70B90B1-A211-81CF-5D9E-1F3F37095678}"/>
+                </a:ext>
+              </a:extLst>
+            </p:cNvPr>
+            <p:cNvSpPr/>
+            <p:nvPr/>
+          </p:nvSpPr>
+          <p:spPr>
+            <a:xfrm rot="1335309">
+              <a:off x="3505329" y="5914023"/>
               <a:ext cx="1162879" cy="308113"/>
             </a:xfrm>
             <a:prstGeom prst="rightArrow">
@@ -3842,7 +6654,7 @@
 </p:sld>
 </file>
 
-<file path=ppt/slides/slide2.xml><?xml version="1.0" encoding="utf-8"?>
+<file path=ppt/slides/slide5.xml><?xml version="1.0" encoding="utf-8"?>
 <p:sld xmlns:a="http://schemas.openxmlformats.org/drawingml/2006/main" xmlns:r="http://schemas.openxmlformats.org/officeDocument/2006/relationships" xmlns:p="http://schemas.openxmlformats.org/presentationml/2006/main">
   <p:cSld>
     <p:spTree>
@@ -3861,10 +6673,10 @@
       </p:grpSpPr>
       <p:pic>
         <p:nvPicPr>
-          <p:cNvPr id="15" name="Imagem 14">
-            <a:extLst>
-              <a:ext uri="{FF2B5EF4-FFF2-40B4-BE49-F238E27FC236}">
-                <a16:creationId xmlns:a16="http://schemas.microsoft.com/office/drawing/2014/main" id="{28268436-A1A7-494E-AED2-6BAF71895F7B}"/>
+          <p:cNvPr id="12" name="Imagem 11">
+            <a:extLst>
+              <a:ext uri="{FF2B5EF4-FFF2-40B4-BE49-F238E27FC236}">
+                <a16:creationId xmlns:a16="http://schemas.microsoft.com/office/drawing/2014/main" id="{22DF1EA1-5B17-4F89-E1EC-9D1535E343B2}"/>
               </a:ext>
             </a:extLst>
           </p:cNvPr>
@@ -3873,15 +6685,16 @@
           </p:cNvPicPr>
           <p:nvPr/>
         </p:nvPicPr>
-        <p:blipFill rotWithShape="1">
+        <p:blipFill>
           <a:blip r:embed="rId2"/>
-          <a:srcRect r="14881" b="32547"/>
-          <a:stretch/>
+          <a:stretch>
+            <a:fillRect/>
+          </a:stretch>
         </p:blipFill>
         <p:spPr>
           <a:xfrm>
-            <a:off x="1149003" y="2667023"/>
-            <a:ext cx="9899333" cy="3514408"/>
+            <a:off x="231537" y="886265"/>
+            <a:ext cx="4914900" cy="5838825"/>
           </a:xfrm>
           <a:prstGeom prst="rect">
             <a:avLst/>
@@ -3983,8 +6796,8 @@
         </p:nvSpPr>
         <p:spPr>
           <a:xfrm>
-            <a:off x="844563" y="2002800"/>
-            <a:ext cx="7277167" cy="966494"/>
+            <a:off x="5208783" y="5205639"/>
+            <a:ext cx="3350919" cy="966494"/>
           </a:xfrm>
           <a:prstGeom prst="rect">
             <a:avLst/>
@@ -3992,7 +6805,7 @@
         </p:spPr>
         <p:txBody>
           <a:bodyPr vert="horz" lIns="91440" tIns="45720" rIns="91440" bIns="45720" rtlCol="0">
-            <a:normAutofit/>
+            <a:normAutofit fontScale="62500" lnSpcReduction="20000"/>
           </a:bodyPr>
           <a:lstStyle>
             <a:lvl1pPr marL="0" indent="0" algn="ctr" defTabSz="914400" rtl="0" eaLnBrk="1" latinLnBrk="0" hangingPunct="1">
@@ -4169,122 +6982,491 @@
                   <a:srgbClr val="0070C0"/>
                 </a:solidFill>
               </a:rPr>
-              <a:t>Clique no ícone de bloqueio de telas</a:t>
-            </a:r>
-          </a:p>
-        </p:txBody>
-      </p:sp>
-      <p:sp>
-        <p:nvSpPr>
-          <p:cNvPr id="8" name="Seta: Curva para a Esquerda 7">
-            <a:extLst>
-              <a:ext uri="{FF2B5EF4-FFF2-40B4-BE49-F238E27FC236}">
-                <a16:creationId xmlns:a16="http://schemas.microsoft.com/office/drawing/2014/main" id="{861007C9-AE03-41A0-8CFB-3A225B8B1FFE}"/>
-              </a:ext>
-            </a:extLst>
-          </p:cNvPr>
-          <p:cNvSpPr/>
+              <a:t>Preencha seu “Nome Curto”.</a:t>
+            </a:r>
+          </a:p>
+          <a:p>
+            <a:pPr marL="457200" indent="-457200" algn="l">
+              <a:buFont typeface="Arial" panose="020B0604020202020204" pitchFamily="34" charset="0"/>
+              <a:buAutoNum type="arabicPeriod"/>
+            </a:pPr>
+            <a:r>
+              <a:rPr lang="pt-BR" sz="2800" dirty="0">
+                <a:solidFill>
+                  <a:srgbClr val="0070C0"/>
+                </a:solidFill>
+              </a:rPr>
+              <a:t>Atualize o Logotipo.</a:t>
+            </a:r>
+          </a:p>
+          <a:p>
+            <a:pPr marL="457200" indent="-457200" algn="l">
+              <a:buFont typeface="Arial" panose="020B0604020202020204" pitchFamily="34" charset="0"/>
+              <a:buAutoNum type="arabicPeriod"/>
+            </a:pPr>
+            <a:r>
+              <a:rPr lang="pt-BR" sz="2800" dirty="0">
+                <a:solidFill>
+                  <a:srgbClr val="0070C0"/>
+                </a:solidFill>
+              </a:rPr>
+              <a:t>Atualize o Plano de Fundo.</a:t>
+            </a:r>
+          </a:p>
+        </p:txBody>
+      </p:sp>
+      <p:pic>
+        <p:nvPicPr>
+          <p:cNvPr id="6" name="Imagem 5">
+            <a:extLst>
+              <a:ext uri="{FF2B5EF4-FFF2-40B4-BE49-F238E27FC236}">
+                <a16:creationId xmlns:a16="http://schemas.microsoft.com/office/drawing/2014/main" id="{749FCCA7-7509-39AF-483E-5AF14FA299D1}"/>
+              </a:ext>
+            </a:extLst>
+          </p:cNvPr>
+          <p:cNvPicPr>
+            <a:picLocks noChangeAspect="1"/>
+          </p:cNvPicPr>
           <p:nvPr/>
-        </p:nvSpPr>
+        </p:nvPicPr>
+        <p:blipFill>
+          <a:blip r:embed="rId4"/>
+          <a:stretch>
+            <a:fillRect/>
+          </a:stretch>
+        </p:blipFill>
         <p:spPr>
-          <a:xfrm rot="18215005">
-            <a:off x="8633148" y="798055"/>
-            <a:ext cx="1164222" cy="2606495"/>
+          <a:xfrm>
+            <a:off x="7149405" y="1172469"/>
+            <a:ext cx="4248150" cy="2524125"/>
           </a:xfrm>
-          <a:prstGeom prst="curvedLeftArrow">
+          <a:prstGeom prst="rect">
             <a:avLst/>
           </a:prstGeom>
-          <a:solidFill>
-            <a:srgbClr val="FF0000"/>
-          </a:solidFill>
         </p:spPr>
-        <p:style>
-          <a:lnRef idx="2">
-            <a:schemeClr val="accent1">
-              <a:shade val="50000"/>
-            </a:schemeClr>
-          </a:lnRef>
-          <a:fillRef idx="1">
-            <a:schemeClr val="accent1"/>
-          </a:fillRef>
-          <a:effectRef idx="0">
-            <a:schemeClr val="accent1"/>
-          </a:effectRef>
-          <a:fontRef idx="minor">
-            <a:schemeClr val="lt1"/>
-          </a:fontRef>
-        </p:style>
-        <p:txBody>
-          <a:bodyPr rtlCol="0" anchor="ctr"/>
-          <a:lstStyle/>
-          <a:p>
-            <a:pPr algn="ctr"/>
-            <a:endParaRPr lang="pt-BR">
+      </p:pic>
+      <p:grpSp>
+        <p:nvGrpSpPr>
+          <p:cNvPr id="28" name="Agrupar 27">
+            <a:extLst>
+              <a:ext uri="{FF2B5EF4-FFF2-40B4-BE49-F238E27FC236}">
+                <a16:creationId xmlns:a16="http://schemas.microsoft.com/office/drawing/2014/main" id="{8AF931DE-D173-BF16-7487-47A50DF9D738}"/>
+              </a:ext>
+            </a:extLst>
+          </p:cNvPr>
+          <p:cNvGrpSpPr/>
+          <p:nvPr/>
+        </p:nvGrpSpPr>
+        <p:grpSpPr>
+          <a:xfrm>
+            <a:off x="918985" y="4139920"/>
+            <a:ext cx="4459842" cy="1163249"/>
+            <a:chOff x="6741560" y="4139920"/>
+            <a:chExt cx="4459842" cy="1163249"/>
+          </a:xfrm>
+        </p:grpSpPr>
+        <p:sp>
+          <p:nvSpPr>
+            <p:cNvPr id="25" name="Elipse 24">
+              <a:extLst>
+                <a:ext uri="{FF2B5EF4-FFF2-40B4-BE49-F238E27FC236}">
+                  <a16:creationId xmlns:a16="http://schemas.microsoft.com/office/drawing/2014/main" id="{6CB98A3D-EAD4-3F94-EA1C-9FF439E65C6B}"/>
+                </a:ext>
+              </a:extLst>
+            </p:cNvPr>
+            <p:cNvSpPr/>
+            <p:nvPr/>
+          </p:nvSpPr>
+          <p:spPr>
+            <a:xfrm>
+              <a:off x="7914376" y="4139920"/>
+              <a:ext cx="3287026" cy="512762"/>
+            </a:xfrm>
+            <a:prstGeom prst="ellipse">
+              <a:avLst/>
+            </a:prstGeom>
+            <a:noFill/>
+            <a:ln w="28575">
               <a:solidFill>
-                <a:schemeClr val="tx1"/>
+                <a:srgbClr val="FF0000"/>
               </a:solidFill>
-            </a:endParaRPr>
-          </a:p>
-        </p:txBody>
-      </p:sp>
-      <p:sp>
-        <p:nvSpPr>
-          <p:cNvPr id="16" name="Elipse 15">
-            <a:extLst>
-              <a:ext uri="{FF2B5EF4-FFF2-40B4-BE49-F238E27FC236}">
-                <a16:creationId xmlns:a16="http://schemas.microsoft.com/office/drawing/2014/main" id="{D7991089-E4FA-4B6B-9D02-55CA89486622}"/>
-              </a:ext>
-            </a:extLst>
-          </p:cNvPr>
-          <p:cNvSpPr/>
-          <p:nvPr/>
-        </p:nvSpPr>
-        <p:spPr>
-          <a:xfrm>
-            <a:off x="9123680" y="3098800"/>
-            <a:ext cx="751840" cy="568960"/>
-          </a:xfrm>
-          <a:prstGeom prst="ellipse">
-            <a:avLst/>
-          </a:prstGeom>
-          <a:noFill/>
-          <a:ln w="28575">
+            </a:ln>
+          </p:spPr>
+          <p:style>
+            <a:lnRef idx="2">
+              <a:schemeClr val="accent1">
+                <a:shade val="50000"/>
+              </a:schemeClr>
+            </a:lnRef>
+            <a:fillRef idx="1">
+              <a:schemeClr val="accent1"/>
+            </a:fillRef>
+            <a:effectRef idx="0">
+              <a:schemeClr val="accent1"/>
+            </a:effectRef>
+            <a:fontRef idx="minor">
+              <a:schemeClr val="lt1"/>
+            </a:fontRef>
+          </p:style>
+          <p:txBody>
+            <a:bodyPr rtlCol="0" anchor="ctr"/>
+            <a:lstStyle/>
+            <a:p>
+              <a:pPr algn="ctr"/>
+              <a:endParaRPr lang="pt-BR"/>
+            </a:p>
+          </p:txBody>
+        </p:sp>
+        <p:sp>
+          <p:nvSpPr>
+            <p:cNvPr id="26" name="Elipse 25">
+              <a:extLst>
+                <a:ext uri="{FF2B5EF4-FFF2-40B4-BE49-F238E27FC236}">
+                  <a16:creationId xmlns:a16="http://schemas.microsoft.com/office/drawing/2014/main" id="{93F625BA-9F7A-5F8B-E891-33E7EC6554D7}"/>
+                </a:ext>
+              </a:extLst>
+            </p:cNvPr>
+            <p:cNvSpPr/>
+            <p:nvPr/>
+          </p:nvSpPr>
+          <p:spPr>
+            <a:xfrm>
+              <a:off x="6741560" y="4734209"/>
+              <a:ext cx="751840" cy="568960"/>
+            </a:xfrm>
+            <a:prstGeom prst="ellipse">
+              <a:avLst/>
+            </a:prstGeom>
+            <a:noFill/>
+            <a:ln w="28575">
+              <a:solidFill>
+                <a:srgbClr val="FF0000"/>
+              </a:solidFill>
+            </a:ln>
+          </p:spPr>
+          <p:style>
+            <a:lnRef idx="2">
+              <a:schemeClr val="accent1">
+                <a:shade val="50000"/>
+              </a:schemeClr>
+            </a:lnRef>
+            <a:fillRef idx="1">
+              <a:schemeClr val="accent1"/>
+            </a:fillRef>
+            <a:effectRef idx="0">
+              <a:schemeClr val="accent1"/>
+            </a:effectRef>
+            <a:fontRef idx="minor">
+              <a:schemeClr val="lt1"/>
+            </a:fontRef>
+          </p:style>
+          <p:txBody>
+            <a:bodyPr rtlCol="0" anchor="ctr"/>
+            <a:lstStyle/>
+            <a:p>
+              <a:pPr algn="ctr"/>
+              <a:r>
+                <a:rPr lang="pt-BR" b="1" dirty="0">
+                  <a:solidFill>
+                    <a:srgbClr val="FF0000"/>
+                  </a:solidFill>
+                </a:rPr>
+                <a:t>1</a:t>
+              </a:r>
+            </a:p>
+          </p:txBody>
+        </p:sp>
+        <p:sp>
+          <p:nvSpPr>
+            <p:cNvPr id="27" name="Seta: para a Direita 26">
+              <a:extLst>
+                <a:ext uri="{FF2B5EF4-FFF2-40B4-BE49-F238E27FC236}">
+                  <a16:creationId xmlns:a16="http://schemas.microsoft.com/office/drawing/2014/main" id="{EF8C9680-5254-3A65-2014-C82E43F03CDD}"/>
+                </a:ext>
+              </a:extLst>
+            </p:cNvPr>
+            <p:cNvSpPr/>
+            <p:nvPr/>
+          </p:nvSpPr>
+          <p:spPr>
+            <a:xfrm rot="20022884">
+              <a:off x="7447714" y="4493075"/>
+              <a:ext cx="1162879" cy="308113"/>
+            </a:xfrm>
+            <a:prstGeom prst="rightArrow">
+              <a:avLst/>
+            </a:prstGeom>
             <a:solidFill>
               <a:srgbClr val="FF0000"/>
             </a:solidFill>
-          </a:ln>
+          </p:spPr>
+          <p:style>
+            <a:lnRef idx="2">
+              <a:schemeClr val="accent1">
+                <a:shade val="50000"/>
+              </a:schemeClr>
+            </a:lnRef>
+            <a:fillRef idx="1">
+              <a:schemeClr val="accent1"/>
+            </a:fillRef>
+            <a:effectRef idx="0">
+              <a:schemeClr val="accent1"/>
+            </a:effectRef>
+            <a:fontRef idx="minor">
+              <a:schemeClr val="lt1"/>
+            </a:fontRef>
+          </p:style>
+          <p:txBody>
+            <a:bodyPr rtlCol="0" anchor="ctr"/>
+            <a:lstStyle/>
+            <a:p>
+              <a:pPr algn="ctr"/>
+              <a:endParaRPr lang="pt-BR"/>
+            </a:p>
+          </p:txBody>
+        </p:sp>
+      </p:grpSp>
+      <p:sp>
+        <p:nvSpPr>
+          <p:cNvPr id="29" name="Subtítulo 2">
+            <a:extLst>
+              <a:ext uri="{FF2B5EF4-FFF2-40B4-BE49-F238E27FC236}">
+                <a16:creationId xmlns:a16="http://schemas.microsoft.com/office/drawing/2014/main" id="{E228A08E-2B16-FBCA-06F8-0393E3379BD5}"/>
+              </a:ext>
+            </a:extLst>
+          </p:cNvPr>
+          <p:cNvSpPr txBox="1">
+            <a:spLocks/>
+          </p:cNvSpPr>
+          <p:nvPr/>
+        </p:nvSpPr>
+        <p:spPr>
+          <a:xfrm>
+            <a:off x="7079832" y="3766304"/>
+            <a:ext cx="4317723" cy="886265"/>
+          </a:xfrm>
+          <a:prstGeom prst="rect">
+            <a:avLst/>
+          </a:prstGeom>
         </p:spPr>
-        <p:style>
-          <a:lnRef idx="2">
-            <a:schemeClr val="accent1">
-              <a:shade val="50000"/>
-            </a:schemeClr>
-          </a:lnRef>
-          <a:fillRef idx="1">
-            <a:schemeClr val="accent1"/>
-          </a:fillRef>
-          <a:effectRef idx="0">
-            <a:schemeClr val="accent1"/>
-          </a:effectRef>
-          <a:fontRef idx="minor">
-            <a:schemeClr val="lt1"/>
-          </a:fontRef>
-        </p:style>
-        <p:txBody>
-          <a:bodyPr rtlCol="0" anchor="ctr"/>
-          <a:lstStyle/>
-          <a:p>
-            <a:pPr algn="ctr"/>
-            <a:endParaRPr lang="pt-BR"/>
-          </a:p>
-        </p:txBody>
-      </p:sp>
-      <p:sp>
-        <p:nvSpPr>
-          <p:cNvPr id="17" name="Elipse 16">
-            <a:extLst>
-              <a:ext uri="{FF2B5EF4-FFF2-40B4-BE49-F238E27FC236}">
-                <a16:creationId xmlns:a16="http://schemas.microsoft.com/office/drawing/2014/main" id="{7546F585-F8E9-4667-BBA9-879FCBC8C3EC}"/>
+        <p:txBody>
+          <a:bodyPr vert="horz" lIns="91440" tIns="45720" rIns="91440" bIns="45720" rtlCol="0">
+            <a:normAutofit fontScale="55000" lnSpcReduction="20000"/>
+          </a:bodyPr>
+          <a:lstStyle>
+            <a:lvl1pPr marL="0" indent="0" algn="ctr" defTabSz="914400" rtl="0" eaLnBrk="1" latinLnBrk="0" hangingPunct="1">
+              <a:lnSpc>
+                <a:spcPct val="90000"/>
+              </a:lnSpc>
+              <a:spcBef>
+                <a:spcPts val="1000"/>
+              </a:spcBef>
+              <a:buFont typeface="Arial" panose="020B0604020202020204" pitchFamily="34" charset="0"/>
+              <a:buNone/>
+              <a:defRPr sz="2400" kern="1200">
+                <a:solidFill>
+                  <a:schemeClr val="tx1"/>
+                </a:solidFill>
+                <a:latin typeface="+mn-lt"/>
+                <a:ea typeface="+mn-ea"/>
+                <a:cs typeface="+mn-cs"/>
+              </a:defRPr>
+            </a:lvl1pPr>
+            <a:lvl2pPr marL="457200" indent="0" algn="ctr" defTabSz="914400" rtl="0" eaLnBrk="1" latinLnBrk="0" hangingPunct="1">
+              <a:lnSpc>
+                <a:spcPct val="90000"/>
+              </a:lnSpc>
+              <a:spcBef>
+                <a:spcPts val="500"/>
+              </a:spcBef>
+              <a:buFont typeface="Arial" panose="020B0604020202020204" pitchFamily="34" charset="0"/>
+              <a:buNone/>
+              <a:defRPr sz="2000" kern="1200">
+                <a:solidFill>
+                  <a:schemeClr val="tx1"/>
+                </a:solidFill>
+                <a:latin typeface="+mn-lt"/>
+                <a:ea typeface="+mn-ea"/>
+                <a:cs typeface="+mn-cs"/>
+              </a:defRPr>
+            </a:lvl2pPr>
+            <a:lvl3pPr marL="914400" indent="0" algn="ctr" defTabSz="914400" rtl="0" eaLnBrk="1" latinLnBrk="0" hangingPunct="1">
+              <a:lnSpc>
+                <a:spcPct val="90000"/>
+              </a:lnSpc>
+              <a:spcBef>
+                <a:spcPts val="500"/>
+              </a:spcBef>
+              <a:buFont typeface="Arial" panose="020B0604020202020204" pitchFamily="34" charset="0"/>
+              <a:buNone/>
+              <a:defRPr sz="1800" kern="1200">
+                <a:solidFill>
+                  <a:schemeClr val="tx1"/>
+                </a:solidFill>
+                <a:latin typeface="+mn-lt"/>
+                <a:ea typeface="+mn-ea"/>
+                <a:cs typeface="+mn-cs"/>
+              </a:defRPr>
+            </a:lvl3pPr>
+            <a:lvl4pPr marL="1371600" indent="0" algn="ctr" defTabSz="914400" rtl="0" eaLnBrk="1" latinLnBrk="0" hangingPunct="1">
+              <a:lnSpc>
+                <a:spcPct val="90000"/>
+              </a:lnSpc>
+              <a:spcBef>
+                <a:spcPts val="500"/>
+              </a:spcBef>
+              <a:buFont typeface="Arial" panose="020B0604020202020204" pitchFamily="34" charset="0"/>
+              <a:buNone/>
+              <a:defRPr sz="1600" kern="1200">
+                <a:solidFill>
+                  <a:schemeClr val="tx1"/>
+                </a:solidFill>
+                <a:latin typeface="+mn-lt"/>
+                <a:ea typeface="+mn-ea"/>
+                <a:cs typeface="+mn-cs"/>
+              </a:defRPr>
+            </a:lvl4pPr>
+            <a:lvl5pPr marL="1828800" indent="0" algn="ctr" defTabSz="914400" rtl="0" eaLnBrk="1" latinLnBrk="0" hangingPunct="1">
+              <a:lnSpc>
+                <a:spcPct val="90000"/>
+              </a:lnSpc>
+              <a:spcBef>
+                <a:spcPts val="500"/>
+              </a:spcBef>
+              <a:buFont typeface="Arial" panose="020B0604020202020204" pitchFamily="34" charset="0"/>
+              <a:buNone/>
+              <a:defRPr sz="1600" kern="1200">
+                <a:solidFill>
+                  <a:schemeClr val="tx1"/>
+                </a:solidFill>
+                <a:latin typeface="+mn-lt"/>
+                <a:ea typeface="+mn-ea"/>
+                <a:cs typeface="+mn-cs"/>
+              </a:defRPr>
+            </a:lvl5pPr>
+            <a:lvl6pPr marL="2286000" indent="0" algn="ctr" defTabSz="914400" rtl="0" eaLnBrk="1" latinLnBrk="0" hangingPunct="1">
+              <a:lnSpc>
+                <a:spcPct val="90000"/>
+              </a:lnSpc>
+              <a:spcBef>
+                <a:spcPts val="500"/>
+              </a:spcBef>
+              <a:buFont typeface="Arial" panose="020B0604020202020204" pitchFamily="34" charset="0"/>
+              <a:buNone/>
+              <a:defRPr sz="1600" kern="1200">
+                <a:solidFill>
+                  <a:schemeClr val="tx1"/>
+                </a:solidFill>
+                <a:latin typeface="+mn-lt"/>
+                <a:ea typeface="+mn-ea"/>
+                <a:cs typeface="+mn-cs"/>
+              </a:defRPr>
+            </a:lvl6pPr>
+            <a:lvl7pPr marL="2743200" indent="0" algn="ctr" defTabSz="914400" rtl="0" eaLnBrk="1" latinLnBrk="0" hangingPunct="1">
+              <a:lnSpc>
+                <a:spcPct val="90000"/>
+              </a:lnSpc>
+              <a:spcBef>
+                <a:spcPts val="500"/>
+              </a:spcBef>
+              <a:buFont typeface="Arial" panose="020B0604020202020204" pitchFamily="34" charset="0"/>
+              <a:buNone/>
+              <a:defRPr sz="1600" kern="1200">
+                <a:solidFill>
+                  <a:schemeClr val="tx1"/>
+                </a:solidFill>
+                <a:latin typeface="+mn-lt"/>
+                <a:ea typeface="+mn-ea"/>
+                <a:cs typeface="+mn-cs"/>
+              </a:defRPr>
+            </a:lvl7pPr>
+            <a:lvl8pPr marL="3200400" indent="0" algn="ctr" defTabSz="914400" rtl="0" eaLnBrk="1" latinLnBrk="0" hangingPunct="1">
+              <a:lnSpc>
+                <a:spcPct val="90000"/>
+              </a:lnSpc>
+              <a:spcBef>
+                <a:spcPts val="500"/>
+              </a:spcBef>
+              <a:buFont typeface="Arial" panose="020B0604020202020204" pitchFamily="34" charset="0"/>
+              <a:buNone/>
+              <a:defRPr sz="1600" kern="1200">
+                <a:solidFill>
+                  <a:schemeClr val="tx1"/>
+                </a:solidFill>
+                <a:latin typeface="+mn-lt"/>
+                <a:ea typeface="+mn-ea"/>
+                <a:cs typeface="+mn-cs"/>
+              </a:defRPr>
+            </a:lvl8pPr>
+            <a:lvl9pPr marL="3657600" indent="0" algn="ctr" defTabSz="914400" rtl="0" eaLnBrk="1" latinLnBrk="0" hangingPunct="1">
+              <a:lnSpc>
+                <a:spcPct val="90000"/>
+              </a:lnSpc>
+              <a:spcBef>
+                <a:spcPts val="500"/>
+              </a:spcBef>
+              <a:buFont typeface="Arial" panose="020B0604020202020204" pitchFamily="34" charset="0"/>
+              <a:buNone/>
+              <a:defRPr sz="1600" kern="1200">
+                <a:solidFill>
+                  <a:schemeClr val="tx1"/>
+                </a:solidFill>
+                <a:latin typeface="+mn-lt"/>
+                <a:ea typeface="+mn-ea"/>
+                <a:cs typeface="+mn-cs"/>
+              </a:defRPr>
+            </a:lvl9pPr>
+          </a:lstStyle>
+          <a:p>
+            <a:pPr marL="457200" indent="-457200" algn="just">
+              <a:buFont typeface="Arial" panose="020B0604020202020204" pitchFamily="34" charset="0"/>
+              <a:buAutoNum type="arabicPeriod"/>
+            </a:pPr>
+            <a:r>
+              <a:rPr lang="pt-BR" sz="2800" dirty="0">
+                <a:solidFill>
+                  <a:srgbClr val="FF0000"/>
+                </a:solidFill>
+              </a:rPr>
+              <a:t>Não feche esta janela.</a:t>
+            </a:r>
+          </a:p>
+          <a:p>
+            <a:pPr marL="457200" indent="-457200" algn="just">
+              <a:buFont typeface="Arial" panose="020B0604020202020204" pitchFamily="34" charset="0"/>
+              <a:buAutoNum type="arabicPeriod"/>
+            </a:pPr>
+            <a:r>
+              <a:rPr lang="pt-BR" sz="2800" dirty="0">
+                <a:solidFill>
+                  <a:srgbClr val="FF0000"/>
+                </a:solidFill>
+              </a:rPr>
+              <a:t>Esta janela faz a atualização completa.</a:t>
+            </a:r>
+          </a:p>
+          <a:p>
+            <a:pPr marL="457200" indent="-457200" algn="just">
+              <a:buFont typeface="Arial" panose="020B0604020202020204" pitchFamily="34" charset="0"/>
+              <a:buAutoNum type="arabicPeriod"/>
+            </a:pPr>
+            <a:r>
+              <a:rPr lang="pt-BR" sz="2800" dirty="0">
+                <a:solidFill>
+                  <a:srgbClr val="FF0000"/>
+                </a:solidFill>
+              </a:rPr>
+              <a:t>Espere o botão “Continuar” aparecer.</a:t>
+            </a:r>
+          </a:p>
+        </p:txBody>
+      </p:sp>
+      <p:sp>
+        <p:nvSpPr>
+          <p:cNvPr id="30" name="Seta: para a Direita 29">
+            <a:extLst>
+              <a:ext uri="{FF2B5EF4-FFF2-40B4-BE49-F238E27FC236}">
+                <a16:creationId xmlns:a16="http://schemas.microsoft.com/office/drawing/2014/main" id="{CAE175EE-AFE6-5F38-302A-A1F665BD639F}"/>
               </a:ext>
             </a:extLst>
           </p:cNvPr>
@@ -4292,245 +7474,9 @@
           <p:nvPr/>
         </p:nvSpPr>
         <p:spPr>
-          <a:xfrm>
-            <a:off x="7277775" y="1909414"/>
-            <a:ext cx="751840" cy="568960"/>
-          </a:xfrm>
-          <a:prstGeom prst="ellipse">
-            <a:avLst/>
-          </a:prstGeom>
-          <a:noFill/>
-          <a:ln w="28575">
-            <a:solidFill>
-              <a:srgbClr val="FF0000"/>
-            </a:solidFill>
-          </a:ln>
-        </p:spPr>
-        <p:style>
-          <a:lnRef idx="2">
-            <a:schemeClr val="accent1">
-              <a:shade val="50000"/>
-            </a:schemeClr>
-          </a:lnRef>
-          <a:fillRef idx="1">
-            <a:schemeClr val="accent1"/>
-          </a:fillRef>
-          <a:effectRef idx="0">
-            <a:schemeClr val="accent1"/>
-          </a:effectRef>
-          <a:fontRef idx="minor">
-            <a:schemeClr val="lt1"/>
-          </a:fontRef>
-        </p:style>
-        <p:txBody>
-          <a:bodyPr rtlCol="0" anchor="ctr"/>
-          <a:lstStyle/>
-          <a:p>
-            <a:pPr algn="ctr"/>
-            <a:r>
-              <a:rPr lang="pt-BR" b="1" dirty="0">
-                <a:solidFill>
-                  <a:srgbClr val="FF0000"/>
-                </a:solidFill>
-              </a:rPr>
-              <a:t>1</a:t>
-            </a:r>
-          </a:p>
-        </p:txBody>
-      </p:sp>
-      <p:sp>
-        <p:nvSpPr>
-          <p:cNvPr id="18" name="Elipse 17">
-            <a:extLst>
-              <a:ext uri="{FF2B5EF4-FFF2-40B4-BE49-F238E27FC236}">
-                <a16:creationId xmlns:a16="http://schemas.microsoft.com/office/drawing/2014/main" id="{B8472303-1D29-4BF3-8E8D-325B609B1335}"/>
-              </a:ext>
-            </a:extLst>
-          </p:cNvPr>
-          <p:cNvSpPr/>
-          <p:nvPr/>
-        </p:nvSpPr>
-        <p:spPr>
-          <a:xfrm>
-            <a:off x="5108743" y="4569772"/>
-            <a:ext cx="751840" cy="568960"/>
-          </a:xfrm>
-          <a:prstGeom prst="ellipse">
-            <a:avLst/>
-          </a:prstGeom>
-          <a:noFill/>
-          <a:ln w="28575">
-            <a:solidFill>
-              <a:srgbClr val="FF0000"/>
-            </a:solidFill>
-          </a:ln>
-        </p:spPr>
-        <p:style>
-          <a:lnRef idx="2">
-            <a:schemeClr val="accent1">
-              <a:shade val="50000"/>
-            </a:schemeClr>
-          </a:lnRef>
-          <a:fillRef idx="1">
-            <a:schemeClr val="accent1"/>
-          </a:fillRef>
-          <a:effectRef idx="0">
-            <a:schemeClr val="accent1"/>
-          </a:effectRef>
-          <a:fontRef idx="minor">
-            <a:schemeClr val="lt1"/>
-          </a:fontRef>
-        </p:style>
-        <p:txBody>
-          <a:bodyPr rtlCol="0" anchor="ctr"/>
-          <a:lstStyle/>
-          <a:p>
-            <a:pPr algn="ctr"/>
-            <a:r>
-              <a:rPr lang="pt-BR" b="1" dirty="0">
-                <a:solidFill>
-                  <a:srgbClr val="FF0000"/>
-                </a:solidFill>
-              </a:rPr>
-              <a:t>2</a:t>
-            </a:r>
-          </a:p>
-        </p:txBody>
-      </p:sp>
-      <p:sp>
-        <p:nvSpPr>
-          <p:cNvPr id="19" name="Elipse 18">
-            <a:extLst>
-              <a:ext uri="{FF2B5EF4-FFF2-40B4-BE49-F238E27FC236}">
-                <a16:creationId xmlns:a16="http://schemas.microsoft.com/office/drawing/2014/main" id="{04FE720D-208E-4A1F-91B8-722AB6B3FB5A}"/>
-              </a:ext>
-            </a:extLst>
-          </p:cNvPr>
-          <p:cNvSpPr/>
-          <p:nvPr/>
-        </p:nvSpPr>
-        <p:spPr>
-          <a:xfrm>
-            <a:off x="9561902" y="4635387"/>
-            <a:ext cx="751840" cy="568960"/>
-          </a:xfrm>
-          <a:prstGeom prst="ellipse">
-            <a:avLst/>
-          </a:prstGeom>
-          <a:noFill/>
-          <a:ln w="28575">
-            <a:solidFill>
-              <a:srgbClr val="FF0000"/>
-            </a:solidFill>
-          </a:ln>
-        </p:spPr>
-        <p:style>
-          <a:lnRef idx="2">
-            <a:schemeClr val="accent1">
-              <a:shade val="50000"/>
-            </a:schemeClr>
-          </a:lnRef>
-          <a:fillRef idx="1">
-            <a:schemeClr val="accent1"/>
-          </a:fillRef>
-          <a:effectRef idx="0">
-            <a:schemeClr val="accent1"/>
-          </a:effectRef>
-          <a:fontRef idx="minor">
-            <a:schemeClr val="lt1"/>
-          </a:fontRef>
-        </p:style>
-        <p:txBody>
-          <a:bodyPr rtlCol="0" anchor="ctr"/>
-          <a:lstStyle/>
-          <a:p>
-            <a:pPr algn="ctr"/>
-            <a:r>
-              <a:rPr lang="pt-BR" b="1" dirty="0">
-                <a:solidFill>
-                  <a:srgbClr val="FF0000"/>
-                </a:solidFill>
-              </a:rPr>
-              <a:t>3</a:t>
-            </a:r>
-          </a:p>
-        </p:txBody>
-      </p:sp>
-      <p:sp>
-        <p:nvSpPr>
-          <p:cNvPr id="20" name="Elipse 19">
-            <a:extLst>
-              <a:ext uri="{FF2B5EF4-FFF2-40B4-BE49-F238E27FC236}">
-                <a16:creationId xmlns:a16="http://schemas.microsoft.com/office/drawing/2014/main" id="{C68C2029-3045-419F-BFD9-FA5C358D812F}"/>
-              </a:ext>
-            </a:extLst>
-          </p:cNvPr>
-          <p:cNvSpPr/>
-          <p:nvPr/>
-        </p:nvSpPr>
-        <p:spPr>
-          <a:xfrm>
-            <a:off x="1100494" y="4452551"/>
-            <a:ext cx="751840" cy="568960"/>
-          </a:xfrm>
-          <a:prstGeom prst="ellipse">
-            <a:avLst/>
-          </a:prstGeom>
-          <a:noFill/>
-          <a:ln w="28575">
-            <a:solidFill>
-              <a:srgbClr val="FF0000"/>
-            </a:solidFill>
-          </a:ln>
-        </p:spPr>
-        <p:style>
-          <a:lnRef idx="2">
-            <a:schemeClr val="accent1">
-              <a:shade val="50000"/>
-            </a:schemeClr>
-          </a:lnRef>
-          <a:fillRef idx="1">
-            <a:schemeClr val="accent1"/>
-          </a:fillRef>
-          <a:effectRef idx="0">
-            <a:schemeClr val="accent1"/>
-          </a:effectRef>
-          <a:fontRef idx="minor">
-            <a:schemeClr val="lt1"/>
-          </a:fontRef>
-        </p:style>
-        <p:txBody>
-          <a:bodyPr rtlCol="0" anchor="ctr"/>
-          <a:lstStyle/>
-          <a:p>
-            <a:pPr algn="ctr"/>
-            <a:r>
-              <a:rPr lang="pt-BR" b="1" dirty="0">
-                <a:solidFill>
-                  <a:srgbClr val="FF0000"/>
-                </a:solidFill>
-              </a:rPr>
-              <a:t>4</a:t>
-            </a:r>
-          </a:p>
-        </p:txBody>
-      </p:sp>
-      <p:sp>
-        <p:nvSpPr>
-          <p:cNvPr id="21" name="Seta: para a Direita 20">
-            <a:extLst>
-              <a:ext uri="{FF2B5EF4-FFF2-40B4-BE49-F238E27FC236}">
-                <a16:creationId xmlns:a16="http://schemas.microsoft.com/office/drawing/2014/main" id="{C7FF41A4-91A8-4180-BD20-3D02936CFA63}"/>
-              </a:ext>
-            </a:extLst>
-          </p:cNvPr>
-          <p:cNvSpPr/>
-          <p:nvPr/>
-        </p:nvSpPr>
-        <p:spPr>
-          <a:xfrm rot="18242890">
-            <a:off x="1491835" y="3853291"/>
-            <a:ext cx="1162879" cy="308113"/>
+          <a:xfrm rot="10800000">
+            <a:off x="5417936" y="4290345"/>
+            <a:ext cx="1702571" cy="308113"/>
           </a:xfrm>
           <a:prstGeom prst="rightArrow">
             <a:avLst/>
@@ -4564,307 +7510,6 @@
           </a:p>
         </p:txBody>
       </p:sp>
-      <p:sp>
-        <p:nvSpPr>
-          <p:cNvPr id="23" name="Subtítulo 2">
-            <a:extLst>
-              <a:ext uri="{FF2B5EF4-FFF2-40B4-BE49-F238E27FC236}">
-                <a16:creationId xmlns:a16="http://schemas.microsoft.com/office/drawing/2014/main" id="{764494C6-0634-4466-A790-DD642DCAA2A7}"/>
-              </a:ext>
-            </a:extLst>
-          </p:cNvPr>
-          <p:cNvSpPr txBox="1">
-            <a:spLocks/>
-          </p:cNvSpPr>
-          <p:nvPr/>
-        </p:nvSpPr>
-        <p:spPr>
-          <a:xfrm>
-            <a:off x="1761114" y="4648287"/>
-            <a:ext cx="1754926" cy="264350"/>
-          </a:xfrm>
-          <a:prstGeom prst="rect">
-            <a:avLst/>
-          </a:prstGeom>
-        </p:spPr>
-        <p:txBody>
-          <a:bodyPr vert="horz" lIns="91440" tIns="45720" rIns="91440" bIns="45720" rtlCol="0">
-            <a:normAutofit fontScale="55000" lnSpcReduction="20000"/>
-          </a:bodyPr>
-          <a:lstStyle>
-            <a:lvl1pPr marL="0" indent="0" algn="ctr" defTabSz="914400" rtl="0" eaLnBrk="1" latinLnBrk="0" hangingPunct="1">
-              <a:lnSpc>
-                <a:spcPct val="90000"/>
-              </a:lnSpc>
-              <a:spcBef>
-                <a:spcPts val="1000"/>
-              </a:spcBef>
-              <a:buFont typeface="Arial" panose="020B0604020202020204" pitchFamily="34" charset="0"/>
-              <a:buNone/>
-              <a:defRPr sz="2400" kern="1200">
-                <a:solidFill>
-                  <a:schemeClr val="tx1"/>
-                </a:solidFill>
-                <a:latin typeface="+mn-lt"/>
-                <a:ea typeface="+mn-ea"/>
-                <a:cs typeface="+mn-cs"/>
-              </a:defRPr>
-            </a:lvl1pPr>
-            <a:lvl2pPr marL="457200" indent="0" algn="ctr" defTabSz="914400" rtl="0" eaLnBrk="1" latinLnBrk="0" hangingPunct="1">
-              <a:lnSpc>
-                <a:spcPct val="90000"/>
-              </a:lnSpc>
-              <a:spcBef>
-                <a:spcPts val="500"/>
-              </a:spcBef>
-              <a:buFont typeface="Arial" panose="020B0604020202020204" pitchFamily="34" charset="0"/>
-              <a:buNone/>
-              <a:defRPr sz="2000" kern="1200">
-                <a:solidFill>
-                  <a:schemeClr val="tx1"/>
-                </a:solidFill>
-                <a:latin typeface="+mn-lt"/>
-                <a:ea typeface="+mn-ea"/>
-                <a:cs typeface="+mn-cs"/>
-              </a:defRPr>
-            </a:lvl2pPr>
-            <a:lvl3pPr marL="914400" indent="0" algn="ctr" defTabSz="914400" rtl="0" eaLnBrk="1" latinLnBrk="0" hangingPunct="1">
-              <a:lnSpc>
-                <a:spcPct val="90000"/>
-              </a:lnSpc>
-              <a:spcBef>
-                <a:spcPts val="500"/>
-              </a:spcBef>
-              <a:buFont typeface="Arial" panose="020B0604020202020204" pitchFamily="34" charset="0"/>
-              <a:buNone/>
-              <a:defRPr sz="1800" kern="1200">
-                <a:solidFill>
-                  <a:schemeClr val="tx1"/>
-                </a:solidFill>
-                <a:latin typeface="+mn-lt"/>
-                <a:ea typeface="+mn-ea"/>
-                <a:cs typeface="+mn-cs"/>
-              </a:defRPr>
-            </a:lvl3pPr>
-            <a:lvl4pPr marL="1371600" indent="0" algn="ctr" defTabSz="914400" rtl="0" eaLnBrk="1" latinLnBrk="0" hangingPunct="1">
-              <a:lnSpc>
-                <a:spcPct val="90000"/>
-              </a:lnSpc>
-              <a:spcBef>
-                <a:spcPts val="500"/>
-              </a:spcBef>
-              <a:buFont typeface="Arial" panose="020B0604020202020204" pitchFamily="34" charset="0"/>
-              <a:buNone/>
-              <a:defRPr sz="1600" kern="1200">
-                <a:solidFill>
-                  <a:schemeClr val="tx1"/>
-                </a:solidFill>
-                <a:latin typeface="+mn-lt"/>
-                <a:ea typeface="+mn-ea"/>
-                <a:cs typeface="+mn-cs"/>
-              </a:defRPr>
-            </a:lvl4pPr>
-            <a:lvl5pPr marL="1828800" indent="0" algn="ctr" defTabSz="914400" rtl="0" eaLnBrk="1" latinLnBrk="0" hangingPunct="1">
-              <a:lnSpc>
-                <a:spcPct val="90000"/>
-              </a:lnSpc>
-              <a:spcBef>
-                <a:spcPts val="500"/>
-              </a:spcBef>
-              <a:buFont typeface="Arial" panose="020B0604020202020204" pitchFamily="34" charset="0"/>
-              <a:buNone/>
-              <a:defRPr sz="1600" kern="1200">
-                <a:solidFill>
-                  <a:schemeClr val="tx1"/>
-                </a:solidFill>
-                <a:latin typeface="+mn-lt"/>
-                <a:ea typeface="+mn-ea"/>
-                <a:cs typeface="+mn-cs"/>
-              </a:defRPr>
-            </a:lvl5pPr>
-            <a:lvl6pPr marL="2286000" indent="0" algn="ctr" defTabSz="914400" rtl="0" eaLnBrk="1" latinLnBrk="0" hangingPunct="1">
-              <a:lnSpc>
-                <a:spcPct val="90000"/>
-              </a:lnSpc>
-              <a:spcBef>
-                <a:spcPts val="500"/>
-              </a:spcBef>
-              <a:buFont typeface="Arial" panose="020B0604020202020204" pitchFamily="34" charset="0"/>
-              <a:buNone/>
-              <a:defRPr sz="1600" kern="1200">
-                <a:solidFill>
-                  <a:schemeClr val="tx1"/>
-                </a:solidFill>
-                <a:latin typeface="+mn-lt"/>
-                <a:ea typeface="+mn-ea"/>
-                <a:cs typeface="+mn-cs"/>
-              </a:defRPr>
-            </a:lvl6pPr>
-            <a:lvl7pPr marL="2743200" indent="0" algn="ctr" defTabSz="914400" rtl="0" eaLnBrk="1" latinLnBrk="0" hangingPunct="1">
-              <a:lnSpc>
-                <a:spcPct val="90000"/>
-              </a:lnSpc>
-              <a:spcBef>
-                <a:spcPts val="500"/>
-              </a:spcBef>
-              <a:buFont typeface="Arial" panose="020B0604020202020204" pitchFamily="34" charset="0"/>
-              <a:buNone/>
-              <a:defRPr sz="1600" kern="1200">
-                <a:solidFill>
-                  <a:schemeClr val="tx1"/>
-                </a:solidFill>
-                <a:latin typeface="+mn-lt"/>
-                <a:ea typeface="+mn-ea"/>
-                <a:cs typeface="+mn-cs"/>
-              </a:defRPr>
-            </a:lvl7pPr>
-            <a:lvl8pPr marL="3200400" indent="0" algn="ctr" defTabSz="914400" rtl="0" eaLnBrk="1" latinLnBrk="0" hangingPunct="1">
-              <a:lnSpc>
-                <a:spcPct val="90000"/>
-              </a:lnSpc>
-              <a:spcBef>
-                <a:spcPts val="500"/>
-              </a:spcBef>
-              <a:buFont typeface="Arial" panose="020B0604020202020204" pitchFamily="34" charset="0"/>
-              <a:buNone/>
-              <a:defRPr sz="1600" kern="1200">
-                <a:solidFill>
-                  <a:schemeClr val="tx1"/>
-                </a:solidFill>
-                <a:latin typeface="+mn-lt"/>
-                <a:ea typeface="+mn-ea"/>
-                <a:cs typeface="+mn-cs"/>
-              </a:defRPr>
-            </a:lvl8pPr>
-            <a:lvl9pPr marL="3657600" indent="0" algn="ctr" defTabSz="914400" rtl="0" eaLnBrk="1" latinLnBrk="0" hangingPunct="1">
-              <a:lnSpc>
-                <a:spcPct val="90000"/>
-              </a:lnSpc>
-              <a:spcBef>
-                <a:spcPts val="500"/>
-              </a:spcBef>
-              <a:buFont typeface="Arial" panose="020B0604020202020204" pitchFamily="34" charset="0"/>
-              <a:buNone/>
-              <a:defRPr sz="1600" kern="1200">
-                <a:solidFill>
-                  <a:schemeClr val="tx1"/>
-                </a:solidFill>
-                <a:latin typeface="+mn-lt"/>
-                <a:ea typeface="+mn-ea"/>
-                <a:cs typeface="+mn-cs"/>
-              </a:defRPr>
-            </a:lvl9pPr>
-          </a:lstStyle>
-          <a:p>
-            <a:r>
-              <a:rPr lang="pt-BR" sz="2800" dirty="0">
-                <a:solidFill>
-                  <a:srgbClr val="FF0000"/>
-                </a:solidFill>
-              </a:rPr>
-              <a:t>Clique em atualizar</a:t>
-            </a:r>
-          </a:p>
-        </p:txBody>
-      </p:sp>
-      <p:sp>
-        <p:nvSpPr>
-          <p:cNvPr id="14" name="Seta: para a Direita 13">
-            <a:extLst>
-              <a:ext uri="{FF2B5EF4-FFF2-40B4-BE49-F238E27FC236}">
-                <a16:creationId xmlns:a16="http://schemas.microsoft.com/office/drawing/2014/main" id="{3F6C82DF-7D5F-4D72-9B7A-0449AFB0AE34}"/>
-              </a:ext>
-            </a:extLst>
-          </p:cNvPr>
-          <p:cNvSpPr/>
-          <p:nvPr/>
-        </p:nvSpPr>
-        <p:spPr>
-          <a:xfrm rot="21306847">
-            <a:off x="5901484" y="4624800"/>
-            <a:ext cx="1162879" cy="308113"/>
-          </a:xfrm>
-          <a:prstGeom prst="rightArrow">
-            <a:avLst/>
-          </a:prstGeom>
-          <a:solidFill>
-            <a:srgbClr val="FF0000"/>
-          </a:solidFill>
-        </p:spPr>
-        <p:style>
-          <a:lnRef idx="2">
-            <a:schemeClr val="accent1">
-              <a:shade val="50000"/>
-            </a:schemeClr>
-          </a:lnRef>
-          <a:fillRef idx="1">
-            <a:schemeClr val="accent1"/>
-          </a:fillRef>
-          <a:effectRef idx="0">
-            <a:schemeClr val="accent1"/>
-          </a:effectRef>
-          <a:fontRef idx="minor">
-            <a:schemeClr val="lt1"/>
-          </a:fontRef>
-        </p:style>
-        <p:txBody>
-          <a:bodyPr rtlCol="0" anchor="ctr"/>
-          <a:lstStyle/>
-          <a:p>
-            <a:pPr algn="ctr"/>
-            <a:endParaRPr lang="pt-BR"/>
-          </a:p>
-        </p:txBody>
-      </p:sp>
-      <p:sp>
-        <p:nvSpPr>
-          <p:cNvPr id="22" name="Seta: para a Direita 21">
-            <a:extLst>
-              <a:ext uri="{FF2B5EF4-FFF2-40B4-BE49-F238E27FC236}">
-                <a16:creationId xmlns:a16="http://schemas.microsoft.com/office/drawing/2014/main" id="{438DA6BC-2B47-4F70-B24D-30AB0C83794E}"/>
-              </a:ext>
-            </a:extLst>
-          </p:cNvPr>
-          <p:cNvSpPr/>
-          <p:nvPr/>
-        </p:nvSpPr>
-        <p:spPr>
-          <a:xfrm rot="5400000">
-            <a:off x="9798629" y="5222863"/>
-            <a:ext cx="278385" cy="308113"/>
-          </a:xfrm>
-          <a:prstGeom prst="rightArrow">
-            <a:avLst/>
-          </a:prstGeom>
-          <a:solidFill>
-            <a:srgbClr val="FF0000"/>
-          </a:solidFill>
-        </p:spPr>
-        <p:style>
-          <a:lnRef idx="2">
-            <a:schemeClr val="accent1">
-              <a:shade val="50000"/>
-            </a:schemeClr>
-          </a:lnRef>
-          <a:fillRef idx="1">
-            <a:schemeClr val="accent1"/>
-          </a:fillRef>
-          <a:effectRef idx="0">
-            <a:schemeClr val="accent1"/>
-          </a:effectRef>
-          <a:fontRef idx="minor">
-            <a:schemeClr val="lt1"/>
-          </a:fontRef>
-        </p:style>
-        <p:txBody>
-          <a:bodyPr rtlCol="0" anchor="ctr"/>
-          <a:lstStyle/>
-          <a:p>
-            <a:pPr algn="ctr"/>
-            <a:endParaRPr lang="pt-BR"/>
-          </a:p>
-        </p:txBody>
-      </p:sp>
     </p:spTree>
     <p:extLst>
       <p:ext uri="{BB962C8B-B14F-4D97-AF65-F5344CB8AC3E}">
@@ -4878,7 +7523,621 @@
 </p:sld>
 </file>
 
-<file path=ppt/slides/slide3.xml><?xml version="1.0" encoding="utf-8"?>
+<file path=ppt/slides/slide6.xml><?xml version="1.0" encoding="utf-8"?>
+<p:sld xmlns:a="http://schemas.openxmlformats.org/drawingml/2006/main" xmlns:r="http://schemas.openxmlformats.org/officeDocument/2006/relationships" xmlns:p="http://schemas.openxmlformats.org/presentationml/2006/main">
+  <p:cSld>
+    <p:spTree>
+      <p:nvGrpSpPr>
+        <p:cNvPr id="1" name=""/>
+        <p:cNvGrpSpPr/>
+        <p:nvPr/>
+      </p:nvGrpSpPr>
+      <p:grpSpPr>
+        <a:xfrm>
+          <a:off x="0" y="0"/>
+          <a:ext cx="0" cy="0"/>
+          <a:chOff x="0" y="0"/>
+          <a:chExt cx="0" cy="0"/>
+        </a:xfrm>
+      </p:grpSpPr>
+      <p:sp>
+        <p:nvSpPr>
+          <p:cNvPr id="2" name="Título 1">
+            <a:extLst>
+              <a:ext uri="{FF2B5EF4-FFF2-40B4-BE49-F238E27FC236}">
+                <a16:creationId xmlns:a16="http://schemas.microsoft.com/office/drawing/2014/main" id="{2009FA45-A433-40F5-B779-C73FCEFAB943}"/>
+              </a:ext>
+            </a:extLst>
+          </p:cNvPr>
+          <p:cNvSpPr>
+            <a:spLocks noGrp="1"/>
+          </p:cNvSpPr>
+          <p:nvPr>
+            <p:ph type="ctrTitle"/>
+          </p:nvPr>
+        </p:nvSpPr>
+        <p:spPr>
+          <a:xfrm>
+            <a:off x="0" y="0"/>
+            <a:ext cx="12192000" cy="886265"/>
+          </a:xfrm>
+        </p:spPr>
+        <p:txBody>
+          <a:bodyPr>
+            <a:normAutofit fontScale="90000"/>
+          </a:bodyPr>
+          <a:lstStyle/>
+          <a:p>
+            <a:r>
+              <a:rPr lang="pt-BR" dirty="0">
+                <a:solidFill>
+                  <a:srgbClr val="0070C0"/>
+                </a:solidFill>
+              </a:rPr>
+              <a:t>Primeira Configuração</a:t>
+            </a:r>
+          </a:p>
+        </p:txBody>
+      </p:sp>
+      <p:pic>
+        <p:nvPicPr>
+          <p:cNvPr id="10" name="Imagem 9">
+            <a:extLst>
+              <a:ext uri="{FF2B5EF4-FFF2-40B4-BE49-F238E27FC236}">
+                <a16:creationId xmlns:a16="http://schemas.microsoft.com/office/drawing/2014/main" id="{5DC1F3F6-D8F9-45D7-AF30-7F7F4BD88755}"/>
+              </a:ext>
+            </a:extLst>
+          </p:cNvPr>
+          <p:cNvPicPr>
+            <a:picLocks noChangeAspect="1"/>
+          </p:cNvPicPr>
+          <p:nvPr/>
+        </p:nvPicPr>
+        <p:blipFill>
+          <a:blip r:embed="rId2"/>
+          <a:stretch>
+            <a:fillRect/>
+          </a:stretch>
+        </p:blipFill>
+        <p:spPr>
+          <a:xfrm>
+            <a:off x="10654176" y="7830"/>
+            <a:ext cx="1486758" cy="265081"/>
+          </a:xfrm>
+          <a:prstGeom prst="rect">
+            <a:avLst/>
+          </a:prstGeom>
+        </p:spPr>
+      </p:pic>
+      <p:sp>
+        <p:nvSpPr>
+          <p:cNvPr id="13" name="Subtítulo 2">
+            <a:extLst>
+              <a:ext uri="{FF2B5EF4-FFF2-40B4-BE49-F238E27FC236}">
+                <a16:creationId xmlns:a16="http://schemas.microsoft.com/office/drawing/2014/main" id="{C4079966-AFFE-4305-B3D8-C80DCD152262}"/>
+              </a:ext>
+            </a:extLst>
+          </p:cNvPr>
+          <p:cNvSpPr txBox="1">
+            <a:spLocks/>
+          </p:cNvSpPr>
+          <p:nvPr/>
+        </p:nvSpPr>
+        <p:spPr>
+          <a:xfrm>
+            <a:off x="0" y="3650045"/>
+            <a:ext cx="12191999" cy="966494"/>
+          </a:xfrm>
+          <a:prstGeom prst="rect">
+            <a:avLst/>
+          </a:prstGeom>
+        </p:spPr>
+        <p:txBody>
+          <a:bodyPr vert="horz" lIns="91440" tIns="45720" rIns="91440" bIns="45720" rtlCol="0">
+            <a:normAutofit/>
+          </a:bodyPr>
+          <a:lstStyle>
+            <a:lvl1pPr marL="0" indent="0" algn="ctr" defTabSz="914400" rtl="0" eaLnBrk="1" latinLnBrk="0" hangingPunct="1">
+              <a:lnSpc>
+                <a:spcPct val="90000"/>
+              </a:lnSpc>
+              <a:spcBef>
+                <a:spcPts val="1000"/>
+              </a:spcBef>
+              <a:buFont typeface="Arial" panose="020B0604020202020204" pitchFamily="34" charset="0"/>
+              <a:buNone/>
+              <a:defRPr sz="2400" kern="1200">
+                <a:solidFill>
+                  <a:schemeClr val="tx1"/>
+                </a:solidFill>
+                <a:latin typeface="+mn-lt"/>
+                <a:ea typeface="+mn-ea"/>
+                <a:cs typeface="+mn-cs"/>
+              </a:defRPr>
+            </a:lvl1pPr>
+            <a:lvl2pPr marL="457200" indent="0" algn="ctr" defTabSz="914400" rtl="0" eaLnBrk="1" latinLnBrk="0" hangingPunct="1">
+              <a:lnSpc>
+                <a:spcPct val="90000"/>
+              </a:lnSpc>
+              <a:spcBef>
+                <a:spcPts val="500"/>
+              </a:spcBef>
+              <a:buFont typeface="Arial" panose="020B0604020202020204" pitchFamily="34" charset="0"/>
+              <a:buNone/>
+              <a:defRPr sz="2000" kern="1200">
+                <a:solidFill>
+                  <a:schemeClr val="tx1"/>
+                </a:solidFill>
+                <a:latin typeface="+mn-lt"/>
+                <a:ea typeface="+mn-ea"/>
+                <a:cs typeface="+mn-cs"/>
+              </a:defRPr>
+            </a:lvl2pPr>
+            <a:lvl3pPr marL="914400" indent="0" algn="ctr" defTabSz="914400" rtl="0" eaLnBrk="1" latinLnBrk="0" hangingPunct="1">
+              <a:lnSpc>
+                <a:spcPct val="90000"/>
+              </a:lnSpc>
+              <a:spcBef>
+                <a:spcPts val="500"/>
+              </a:spcBef>
+              <a:buFont typeface="Arial" panose="020B0604020202020204" pitchFamily="34" charset="0"/>
+              <a:buNone/>
+              <a:defRPr sz="1800" kern="1200">
+                <a:solidFill>
+                  <a:schemeClr val="tx1"/>
+                </a:solidFill>
+                <a:latin typeface="+mn-lt"/>
+                <a:ea typeface="+mn-ea"/>
+                <a:cs typeface="+mn-cs"/>
+              </a:defRPr>
+            </a:lvl3pPr>
+            <a:lvl4pPr marL="1371600" indent="0" algn="ctr" defTabSz="914400" rtl="0" eaLnBrk="1" latinLnBrk="0" hangingPunct="1">
+              <a:lnSpc>
+                <a:spcPct val="90000"/>
+              </a:lnSpc>
+              <a:spcBef>
+                <a:spcPts val="500"/>
+              </a:spcBef>
+              <a:buFont typeface="Arial" panose="020B0604020202020204" pitchFamily="34" charset="0"/>
+              <a:buNone/>
+              <a:defRPr sz="1600" kern="1200">
+                <a:solidFill>
+                  <a:schemeClr val="tx1"/>
+                </a:solidFill>
+                <a:latin typeface="+mn-lt"/>
+                <a:ea typeface="+mn-ea"/>
+                <a:cs typeface="+mn-cs"/>
+              </a:defRPr>
+            </a:lvl4pPr>
+            <a:lvl5pPr marL="1828800" indent="0" algn="ctr" defTabSz="914400" rtl="0" eaLnBrk="1" latinLnBrk="0" hangingPunct="1">
+              <a:lnSpc>
+                <a:spcPct val="90000"/>
+              </a:lnSpc>
+              <a:spcBef>
+                <a:spcPts val="500"/>
+              </a:spcBef>
+              <a:buFont typeface="Arial" panose="020B0604020202020204" pitchFamily="34" charset="0"/>
+              <a:buNone/>
+              <a:defRPr sz="1600" kern="1200">
+                <a:solidFill>
+                  <a:schemeClr val="tx1"/>
+                </a:solidFill>
+                <a:latin typeface="+mn-lt"/>
+                <a:ea typeface="+mn-ea"/>
+                <a:cs typeface="+mn-cs"/>
+              </a:defRPr>
+            </a:lvl5pPr>
+            <a:lvl6pPr marL="2286000" indent="0" algn="ctr" defTabSz="914400" rtl="0" eaLnBrk="1" latinLnBrk="0" hangingPunct="1">
+              <a:lnSpc>
+                <a:spcPct val="90000"/>
+              </a:lnSpc>
+              <a:spcBef>
+                <a:spcPts val="500"/>
+              </a:spcBef>
+              <a:buFont typeface="Arial" panose="020B0604020202020204" pitchFamily="34" charset="0"/>
+              <a:buNone/>
+              <a:defRPr sz="1600" kern="1200">
+                <a:solidFill>
+                  <a:schemeClr val="tx1"/>
+                </a:solidFill>
+                <a:latin typeface="+mn-lt"/>
+                <a:ea typeface="+mn-ea"/>
+                <a:cs typeface="+mn-cs"/>
+              </a:defRPr>
+            </a:lvl6pPr>
+            <a:lvl7pPr marL="2743200" indent="0" algn="ctr" defTabSz="914400" rtl="0" eaLnBrk="1" latinLnBrk="0" hangingPunct="1">
+              <a:lnSpc>
+                <a:spcPct val="90000"/>
+              </a:lnSpc>
+              <a:spcBef>
+                <a:spcPts val="500"/>
+              </a:spcBef>
+              <a:buFont typeface="Arial" panose="020B0604020202020204" pitchFamily="34" charset="0"/>
+              <a:buNone/>
+              <a:defRPr sz="1600" kern="1200">
+                <a:solidFill>
+                  <a:schemeClr val="tx1"/>
+                </a:solidFill>
+                <a:latin typeface="+mn-lt"/>
+                <a:ea typeface="+mn-ea"/>
+                <a:cs typeface="+mn-cs"/>
+              </a:defRPr>
+            </a:lvl7pPr>
+            <a:lvl8pPr marL="3200400" indent="0" algn="ctr" defTabSz="914400" rtl="0" eaLnBrk="1" latinLnBrk="0" hangingPunct="1">
+              <a:lnSpc>
+                <a:spcPct val="90000"/>
+              </a:lnSpc>
+              <a:spcBef>
+                <a:spcPts val="500"/>
+              </a:spcBef>
+              <a:buFont typeface="Arial" panose="020B0604020202020204" pitchFamily="34" charset="0"/>
+              <a:buNone/>
+              <a:defRPr sz="1600" kern="1200">
+                <a:solidFill>
+                  <a:schemeClr val="tx1"/>
+                </a:solidFill>
+                <a:latin typeface="+mn-lt"/>
+                <a:ea typeface="+mn-ea"/>
+                <a:cs typeface="+mn-cs"/>
+              </a:defRPr>
+            </a:lvl8pPr>
+            <a:lvl9pPr marL="3657600" indent="0" algn="ctr" defTabSz="914400" rtl="0" eaLnBrk="1" latinLnBrk="0" hangingPunct="1">
+              <a:lnSpc>
+                <a:spcPct val="90000"/>
+              </a:lnSpc>
+              <a:spcBef>
+                <a:spcPts val="500"/>
+              </a:spcBef>
+              <a:buFont typeface="Arial" panose="020B0604020202020204" pitchFamily="34" charset="0"/>
+              <a:buNone/>
+              <a:defRPr sz="1600" kern="1200">
+                <a:solidFill>
+                  <a:schemeClr val="tx1"/>
+                </a:solidFill>
+                <a:latin typeface="+mn-lt"/>
+                <a:ea typeface="+mn-ea"/>
+                <a:cs typeface="+mn-cs"/>
+              </a:defRPr>
+            </a:lvl9pPr>
+          </a:lstStyle>
+          <a:p>
+            <a:r>
+              <a:rPr lang="pt-BR" sz="2800" dirty="0">
+                <a:solidFill>
+                  <a:srgbClr val="0070C0"/>
+                </a:solidFill>
+              </a:rPr>
+              <a:t>Fim da configuração</a:t>
+            </a:r>
+            <a:endParaRPr lang="pt-BR" sz="2800" b="1" u="sng" dirty="0">
+              <a:solidFill>
+                <a:srgbClr val="0070C0"/>
+              </a:solidFill>
+            </a:endParaRPr>
+          </a:p>
+        </p:txBody>
+      </p:sp>
+    </p:spTree>
+    <p:extLst>
+      <p:ext uri="{BB962C8B-B14F-4D97-AF65-F5344CB8AC3E}">
+        <p14:creationId xmlns:p14="http://schemas.microsoft.com/office/powerpoint/2010/main" val="165641091"/>
+      </p:ext>
+    </p:extLst>
+  </p:cSld>
+  <p:clrMapOvr>
+    <a:masterClrMapping/>
+  </p:clrMapOvr>
+</p:sld>
+</file>
+
+<file path=ppt/slides/slide7.xml><?xml version="1.0" encoding="utf-8"?>
+<p:sld xmlns:a="http://schemas.openxmlformats.org/drawingml/2006/main" xmlns:r="http://schemas.openxmlformats.org/officeDocument/2006/relationships" xmlns:p="http://schemas.openxmlformats.org/presentationml/2006/main">
+  <p:cSld>
+    <p:spTree>
+      <p:nvGrpSpPr>
+        <p:cNvPr id="1" name=""/>
+        <p:cNvGrpSpPr/>
+        <p:nvPr/>
+      </p:nvGrpSpPr>
+      <p:grpSpPr>
+        <a:xfrm>
+          <a:off x="0" y="0"/>
+          <a:ext cx="0" cy="0"/>
+          <a:chOff x="0" y="0"/>
+          <a:chExt cx="0" cy="0"/>
+        </a:xfrm>
+      </p:grpSpPr>
+      <p:pic>
+        <p:nvPicPr>
+          <p:cNvPr id="10" name="Imagem 9">
+            <a:extLst>
+              <a:ext uri="{FF2B5EF4-FFF2-40B4-BE49-F238E27FC236}">
+                <a16:creationId xmlns:a16="http://schemas.microsoft.com/office/drawing/2014/main" id="{5DC1F3F6-D8F9-45D7-AF30-7F7F4BD88755}"/>
+              </a:ext>
+            </a:extLst>
+          </p:cNvPr>
+          <p:cNvPicPr>
+            <a:picLocks noChangeAspect="1"/>
+          </p:cNvPicPr>
+          <p:nvPr/>
+        </p:nvPicPr>
+        <p:blipFill>
+          <a:blip r:embed="rId2"/>
+          <a:stretch>
+            <a:fillRect/>
+          </a:stretch>
+        </p:blipFill>
+        <p:spPr>
+          <a:xfrm>
+            <a:off x="10654176" y="7830"/>
+            <a:ext cx="1486758" cy="265081"/>
+          </a:xfrm>
+          <a:prstGeom prst="rect">
+            <a:avLst/>
+          </a:prstGeom>
+        </p:spPr>
+      </p:pic>
+      <p:sp>
+        <p:nvSpPr>
+          <p:cNvPr id="13" name="Subtítulo 2">
+            <a:extLst>
+              <a:ext uri="{FF2B5EF4-FFF2-40B4-BE49-F238E27FC236}">
+                <a16:creationId xmlns:a16="http://schemas.microsoft.com/office/drawing/2014/main" id="{C4079966-AFFE-4305-B3D8-C80DCD152262}"/>
+              </a:ext>
+            </a:extLst>
+          </p:cNvPr>
+          <p:cNvSpPr txBox="1">
+            <a:spLocks/>
+          </p:cNvSpPr>
+          <p:nvPr/>
+        </p:nvSpPr>
+        <p:spPr>
+          <a:xfrm>
+            <a:off x="0" y="3650045"/>
+            <a:ext cx="12191999" cy="966494"/>
+          </a:xfrm>
+          <a:prstGeom prst="rect">
+            <a:avLst/>
+          </a:prstGeom>
+        </p:spPr>
+        <p:txBody>
+          <a:bodyPr vert="horz" lIns="91440" tIns="45720" rIns="91440" bIns="45720" rtlCol="0">
+            <a:normAutofit/>
+          </a:bodyPr>
+          <a:lstStyle>
+            <a:lvl1pPr marL="0" indent="0" algn="ctr" defTabSz="914400" rtl="0" eaLnBrk="1" latinLnBrk="0" hangingPunct="1">
+              <a:lnSpc>
+                <a:spcPct val="90000"/>
+              </a:lnSpc>
+              <a:spcBef>
+                <a:spcPts val="1000"/>
+              </a:spcBef>
+              <a:buFont typeface="Arial" panose="020B0604020202020204" pitchFamily="34" charset="0"/>
+              <a:buNone/>
+              <a:defRPr sz="2400" kern="1200">
+                <a:solidFill>
+                  <a:schemeClr val="tx1"/>
+                </a:solidFill>
+                <a:latin typeface="+mn-lt"/>
+                <a:ea typeface="+mn-ea"/>
+                <a:cs typeface="+mn-cs"/>
+              </a:defRPr>
+            </a:lvl1pPr>
+            <a:lvl2pPr marL="457200" indent="0" algn="ctr" defTabSz="914400" rtl="0" eaLnBrk="1" latinLnBrk="0" hangingPunct="1">
+              <a:lnSpc>
+                <a:spcPct val="90000"/>
+              </a:lnSpc>
+              <a:spcBef>
+                <a:spcPts val="500"/>
+              </a:spcBef>
+              <a:buFont typeface="Arial" panose="020B0604020202020204" pitchFamily="34" charset="0"/>
+              <a:buNone/>
+              <a:defRPr sz="2000" kern="1200">
+                <a:solidFill>
+                  <a:schemeClr val="tx1"/>
+                </a:solidFill>
+                <a:latin typeface="+mn-lt"/>
+                <a:ea typeface="+mn-ea"/>
+                <a:cs typeface="+mn-cs"/>
+              </a:defRPr>
+            </a:lvl2pPr>
+            <a:lvl3pPr marL="914400" indent="0" algn="ctr" defTabSz="914400" rtl="0" eaLnBrk="1" latinLnBrk="0" hangingPunct="1">
+              <a:lnSpc>
+                <a:spcPct val="90000"/>
+              </a:lnSpc>
+              <a:spcBef>
+                <a:spcPts val="500"/>
+              </a:spcBef>
+              <a:buFont typeface="Arial" panose="020B0604020202020204" pitchFamily="34" charset="0"/>
+              <a:buNone/>
+              <a:defRPr sz="1800" kern="1200">
+                <a:solidFill>
+                  <a:schemeClr val="tx1"/>
+                </a:solidFill>
+                <a:latin typeface="+mn-lt"/>
+                <a:ea typeface="+mn-ea"/>
+                <a:cs typeface="+mn-cs"/>
+              </a:defRPr>
+            </a:lvl3pPr>
+            <a:lvl4pPr marL="1371600" indent="0" algn="ctr" defTabSz="914400" rtl="0" eaLnBrk="1" latinLnBrk="0" hangingPunct="1">
+              <a:lnSpc>
+                <a:spcPct val="90000"/>
+              </a:lnSpc>
+              <a:spcBef>
+                <a:spcPts val="500"/>
+              </a:spcBef>
+              <a:buFont typeface="Arial" panose="020B0604020202020204" pitchFamily="34" charset="0"/>
+              <a:buNone/>
+              <a:defRPr sz="1600" kern="1200">
+                <a:solidFill>
+                  <a:schemeClr val="tx1"/>
+                </a:solidFill>
+                <a:latin typeface="+mn-lt"/>
+                <a:ea typeface="+mn-ea"/>
+                <a:cs typeface="+mn-cs"/>
+              </a:defRPr>
+            </a:lvl4pPr>
+            <a:lvl5pPr marL="1828800" indent="0" algn="ctr" defTabSz="914400" rtl="0" eaLnBrk="1" latinLnBrk="0" hangingPunct="1">
+              <a:lnSpc>
+                <a:spcPct val="90000"/>
+              </a:lnSpc>
+              <a:spcBef>
+                <a:spcPts val="500"/>
+              </a:spcBef>
+              <a:buFont typeface="Arial" panose="020B0604020202020204" pitchFamily="34" charset="0"/>
+              <a:buNone/>
+              <a:defRPr sz="1600" kern="1200">
+                <a:solidFill>
+                  <a:schemeClr val="tx1"/>
+                </a:solidFill>
+                <a:latin typeface="+mn-lt"/>
+                <a:ea typeface="+mn-ea"/>
+                <a:cs typeface="+mn-cs"/>
+              </a:defRPr>
+            </a:lvl5pPr>
+            <a:lvl6pPr marL="2286000" indent="0" algn="ctr" defTabSz="914400" rtl="0" eaLnBrk="1" latinLnBrk="0" hangingPunct="1">
+              <a:lnSpc>
+                <a:spcPct val="90000"/>
+              </a:lnSpc>
+              <a:spcBef>
+                <a:spcPts val="500"/>
+              </a:spcBef>
+              <a:buFont typeface="Arial" panose="020B0604020202020204" pitchFamily="34" charset="0"/>
+              <a:buNone/>
+              <a:defRPr sz="1600" kern="1200">
+                <a:solidFill>
+                  <a:schemeClr val="tx1"/>
+                </a:solidFill>
+                <a:latin typeface="+mn-lt"/>
+                <a:ea typeface="+mn-ea"/>
+                <a:cs typeface="+mn-cs"/>
+              </a:defRPr>
+            </a:lvl6pPr>
+            <a:lvl7pPr marL="2743200" indent="0" algn="ctr" defTabSz="914400" rtl="0" eaLnBrk="1" latinLnBrk="0" hangingPunct="1">
+              <a:lnSpc>
+                <a:spcPct val="90000"/>
+              </a:lnSpc>
+              <a:spcBef>
+                <a:spcPts val="500"/>
+              </a:spcBef>
+              <a:buFont typeface="Arial" panose="020B0604020202020204" pitchFamily="34" charset="0"/>
+              <a:buNone/>
+              <a:defRPr sz="1600" kern="1200">
+                <a:solidFill>
+                  <a:schemeClr val="tx1"/>
+                </a:solidFill>
+                <a:latin typeface="+mn-lt"/>
+                <a:ea typeface="+mn-ea"/>
+                <a:cs typeface="+mn-cs"/>
+              </a:defRPr>
+            </a:lvl7pPr>
+            <a:lvl8pPr marL="3200400" indent="0" algn="ctr" defTabSz="914400" rtl="0" eaLnBrk="1" latinLnBrk="0" hangingPunct="1">
+              <a:lnSpc>
+                <a:spcPct val="90000"/>
+              </a:lnSpc>
+              <a:spcBef>
+                <a:spcPts val="500"/>
+              </a:spcBef>
+              <a:buFont typeface="Arial" panose="020B0604020202020204" pitchFamily="34" charset="0"/>
+              <a:buNone/>
+              <a:defRPr sz="1600" kern="1200">
+                <a:solidFill>
+                  <a:schemeClr val="tx1"/>
+                </a:solidFill>
+                <a:latin typeface="+mn-lt"/>
+                <a:ea typeface="+mn-ea"/>
+                <a:cs typeface="+mn-cs"/>
+              </a:defRPr>
+            </a:lvl8pPr>
+            <a:lvl9pPr marL="3657600" indent="0" algn="ctr" defTabSz="914400" rtl="0" eaLnBrk="1" latinLnBrk="0" hangingPunct="1">
+              <a:lnSpc>
+                <a:spcPct val="90000"/>
+              </a:lnSpc>
+              <a:spcBef>
+                <a:spcPts val="500"/>
+              </a:spcBef>
+              <a:buFont typeface="Arial" panose="020B0604020202020204" pitchFamily="34" charset="0"/>
+              <a:buNone/>
+              <a:defRPr sz="1600" kern="1200">
+                <a:solidFill>
+                  <a:schemeClr val="tx1"/>
+                </a:solidFill>
+                <a:latin typeface="+mn-lt"/>
+                <a:ea typeface="+mn-ea"/>
+                <a:cs typeface="+mn-cs"/>
+              </a:defRPr>
+            </a:lvl9pPr>
+          </a:lstStyle>
+          <a:p>
+            <a:r>
+              <a:rPr lang="pt-BR" sz="2800" dirty="0">
+                <a:solidFill>
+                  <a:srgbClr val="0070C0"/>
+                </a:solidFill>
+              </a:rPr>
+              <a:t>Início do Tutorial</a:t>
+            </a:r>
+            <a:endParaRPr lang="pt-BR" sz="2800" b="1" u="sng" dirty="0">
+              <a:solidFill>
+                <a:srgbClr val="0070C0"/>
+              </a:solidFill>
+            </a:endParaRPr>
+          </a:p>
+        </p:txBody>
+      </p:sp>
+      <p:sp>
+        <p:nvSpPr>
+          <p:cNvPr id="7" name="Título 1">
+            <a:extLst>
+              <a:ext uri="{FF2B5EF4-FFF2-40B4-BE49-F238E27FC236}">
+                <a16:creationId xmlns:a16="http://schemas.microsoft.com/office/drawing/2014/main" id="{10AB1B46-B484-0609-7577-1D5BCF71B878}"/>
+              </a:ext>
+            </a:extLst>
+          </p:cNvPr>
+          <p:cNvSpPr>
+            <a:spLocks noGrp="1"/>
+          </p:cNvSpPr>
+          <p:nvPr>
+            <p:ph type="ctrTitle"/>
+          </p:nvPr>
+        </p:nvSpPr>
+        <p:spPr>
+          <a:xfrm>
+            <a:off x="0" y="-4275"/>
+            <a:ext cx="12192000" cy="886265"/>
+          </a:xfrm>
+        </p:spPr>
+        <p:txBody>
+          <a:bodyPr>
+            <a:normAutofit fontScale="90000"/>
+          </a:bodyPr>
+          <a:lstStyle/>
+          <a:p>
+            <a:r>
+              <a:rPr lang="pt-BR" dirty="0">
+                <a:solidFill>
+                  <a:srgbClr val="0070C0"/>
+                </a:solidFill>
+              </a:rPr>
+              <a:t>Tutorial</a:t>
+            </a:r>
+          </a:p>
+        </p:txBody>
+      </p:sp>
+    </p:spTree>
+    <p:extLst>
+      <p:ext uri="{BB962C8B-B14F-4D97-AF65-F5344CB8AC3E}">
+        <p14:creationId xmlns:p14="http://schemas.microsoft.com/office/powerpoint/2010/main" val="2625415508"/>
+      </p:ext>
+    </p:extLst>
+  </p:cSld>
+  <p:clrMapOvr>
+    <a:masterClrMapping/>
+  </p:clrMapOvr>
+</p:sld>
+</file>
+
+<file path=ppt/slides/slide8.xml><?xml version="1.0" encoding="utf-8"?>
 <p:sld xmlns:a="http://schemas.openxmlformats.org/drawingml/2006/main" xmlns:r="http://schemas.openxmlformats.org/officeDocument/2006/relationships" xmlns:p="http://schemas.openxmlformats.org/presentationml/2006/main">
   <p:cSld>
     <p:spTree>
@@ -5610,7 +8869,7 @@
 </p:sld>
 </file>
 
-<file path=ppt/slides/slide4.xml><?xml version="1.0" encoding="utf-8"?>
+<file path=ppt/slides/slide9.xml><?xml version="1.0" encoding="utf-8"?>
 <p:sld xmlns:a="http://schemas.openxmlformats.org/drawingml/2006/main" xmlns:r="http://schemas.openxmlformats.org/officeDocument/2006/relationships" xmlns:p="http://schemas.openxmlformats.org/presentationml/2006/main">
   <p:cSld>
     <p:spTree>
@@ -5629,10 +8888,10 @@
       </p:grpSpPr>
       <p:pic>
         <p:nvPicPr>
-          <p:cNvPr id="39" name="Imagem 38">
-            <a:extLst>
-              <a:ext uri="{FF2B5EF4-FFF2-40B4-BE49-F238E27FC236}">
-                <a16:creationId xmlns:a16="http://schemas.microsoft.com/office/drawing/2014/main" id="{BA7912A2-A2DB-462C-A7E5-05ECD655C921}"/>
+          <p:cNvPr id="5" name="Imagem 4">
+            <a:extLst>
+              <a:ext uri="{FF2B5EF4-FFF2-40B4-BE49-F238E27FC236}">
+                <a16:creationId xmlns:a16="http://schemas.microsoft.com/office/drawing/2014/main" id="{4161ACAE-AB49-DB59-F1B9-FC96559D899F}"/>
               </a:ext>
             </a:extLst>
           </p:cNvPr>
@@ -5649,22 +8908,12 @@
         </p:blipFill>
         <p:spPr>
           <a:xfrm>
-            <a:off x="3968184" y="2981457"/>
-            <a:ext cx="5961098" cy="3587117"/>
+            <a:off x="2741569" y="2230782"/>
+            <a:ext cx="7273636" cy="3983183"/>
           </a:xfrm>
           <a:prstGeom prst="rect">
             <a:avLst/>
           </a:prstGeom>
-          <a:ln>
-            <a:noFill/>
-          </a:ln>
-          <a:effectLst>
-            <a:outerShdw blurRad="190500" algn="tl" rotWithShape="0">
-              <a:srgbClr val="000000">
-                <a:alpha val="70000"/>
-              </a:srgbClr>
-            </a:outerShdw>
-          </a:effectLst>
         </p:spPr>
       </p:pic>
       <p:sp>
